--- a/question_pptx/Cloud Digital Leader - Practice questions.pptx
+++ b/question_pptx/Cloud Digital Leader - Practice questions.pptx
@@ -5,7 +5,7 @@
     <p:sldMasterId id="2147483699" r:id="rId1"/>
   </p:sldMasterIdLst>
   <p:notesMasterIdLst>
-    <p:notesMasterId r:id="rId251"/>
+    <p:notesMasterId r:id="rId252"/>
   </p:notesMasterIdLst>
   <p:sldIdLst>
     <p:sldId id="372" r:id="rId2"/>
@@ -142,121 +142,122 @@
     <p:sldId id="440" r:id="rId133"/>
     <p:sldId id="441" r:id="rId134"/>
     <p:sldId id="442" r:id="rId135"/>
-    <p:sldId id="443" r:id="rId136"/>
-    <p:sldId id="453" r:id="rId137"/>
-    <p:sldId id="454" r:id="rId138"/>
-    <p:sldId id="444" r:id="rId139"/>
-    <p:sldId id="445" r:id="rId140"/>
-    <p:sldId id="455" r:id="rId141"/>
-    <p:sldId id="446" r:id="rId142"/>
-    <p:sldId id="456" r:id="rId143"/>
-    <p:sldId id="447" r:id="rId144"/>
-    <p:sldId id="457" r:id="rId145"/>
-    <p:sldId id="448" r:id="rId146"/>
-    <p:sldId id="458" r:id="rId147"/>
-    <p:sldId id="449" r:id="rId148"/>
-    <p:sldId id="459" r:id="rId149"/>
-    <p:sldId id="450" r:id="rId150"/>
-    <p:sldId id="460" r:id="rId151"/>
-    <p:sldId id="469" r:id="rId152"/>
-    <p:sldId id="451" r:id="rId153"/>
-    <p:sldId id="461" r:id="rId154"/>
-    <p:sldId id="468" r:id="rId155"/>
-    <p:sldId id="462" r:id="rId156"/>
-    <p:sldId id="470" r:id="rId157"/>
-    <p:sldId id="463" r:id="rId158"/>
-    <p:sldId id="471" r:id="rId159"/>
-    <p:sldId id="464" r:id="rId160"/>
-    <p:sldId id="472" r:id="rId161"/>
-    <p:sldId id="465" r:id="rId162"/>
-    <p:sldId id="473" r:id="rId163"/>
-    <p:sldId id="474" r:id="rId164"/>
-    <p:sldId id="466" r:id="rId165"/>
-    <p:sldId id="489" r:id="rId166"/>
-    <p:sldId id="467" r:id="rId167"/>
-    <p:sldId id="475" r:id="rId168"/>
-    <p:sldId id="490" r:id="rId169"/>
-    <p:sldId id="491" r:id="rId170"/>
-    <p:sldId id="476" r:id="rId171"/>
-    <p:sldId id="477" r:id="rId172"/>
-    <p:sldId id="492" r:id="rId173"/>
-    <p:sldId id="478" r:id="rId174"/>
-    <p:sldId id="493" r:id="rId175"/>
-    <p:sldId id="479" r:id="rId176"/>
-    <p:sldId id="494" r:id="rId177"/>
-    <p:sldId id="480" r:id="rId178"/>
-    <p:sldId id="495" r:id="rId179"/>
-    <p:sldId id="481" r:id="rId180"/>
-    <p:sldId id="496" r:id="rId181"/>
-    <p:sldId id="482" r:id="rId182"/>
-    <p:sldId id="497" r:id="rId183"/>
-    <p:sldId id="483" r:id="rId184"/>
-    <p:sldId id="498" r:id="rId185"/>
-    <p:sldId id="484" r:id="rId186"/>
-    <p:sldId id="499" r:id="rId187"/>
-    <p:sldId id="485" r:id="rId188"/>
-    <p:sldId id="500" r:id="rId189"/>
-    <p:sldId id="486" r:id="rId190"/>
-    <p:sldId id="501" r:id="rId191"/>
-    <p:sldId id="487" r:id="rId192"/>
-    <p:sldId id="502" r:id="rId193"/>
-    <p:sldId id="488" r:id="rId194"/>
-    <p:sldId id="517" r:id="rId195"/>
-    <p:sldId id="505" r:id="rId196"/>
-    <p:sldId id="518" r:id="rId197"/>
-    <p:sldId id="506" r:id="rId198"/>
-    <p:sldId id="519" r:id="rId199"/>
-    <p:sldId id="507" r:id="rId200"/>
-    <p:sldId id="520" r:id="rId201"/>
-    <p:sldId id="508" r:id="rId202"/>
-    <p:sldId id="521" r:id="rId203"/>
-    <p:sldId id="503" r:id="rId204"/>
-    <p:sldId id="522" r:id="rId205"/>
-    <p:sldId id="504" r:id="rId206"/>
-    <p:sldId id="523" r:id="rId207"/>
-    <p:sldId id="509" r:id="rId208"/>
-    <p:sldId id="524" r:id="rId209"/>
-    <p:sldId id="525" r:id="rId210"/>
-    <p:sldId id="510" r:id="rId211"/>
-    <p:sldId id="511" r:id="rId212"/>
-    <p:sldId id="526" r:id="rId213"/>
-    <p:sldId id="512" r:id="rId214"/>
-    <p:sldId id="527" r:id="rId215"/>
-    <p:sldId id="513" r:id="rId216"/>
-    <p:sldId id="528" r:id="rId217"/>
-    <p:sldId id="514" r:id="rId218"/>
-    <p:sldId id="529" r:id="rId219"/>
-    <p:sldId id="515" r:id="rId220"/>
-    <p:sldId id="530" r:id="rId221"/>
-    <p:sldId id="516" r:id="rId222"/>
-    <p:sldId id="531" r:id="rId223"/>
-    <p:sldId id="532" r:id="rId224"/>
-    <p:sldId id="533" r:id="rId225"/>
-    <p:sldId id="534" r:id="rId226"/>
-    <p:sldId id="452" r:id="rId227"/>
-    <p:sldId id="535" r:id="rId228"/>
-    <p:sldId id="551" r:id="rId229"/>
-    <p:sldId id="543" r:id="rId230"/>
-    <p:sldId id="552" r:id="rId231"/>
-    <p:sldId id="544" r:id="rId232"/>
-    <p:sldId id="553" r:id="rId233"/>
-    <p:sldId id="545" r:id="rId234"/>
-    <p:sldId id="554" r:id="rId235"/>
-    <p:sldId id="546" r:id="rId236"/>
-    <p:sldId id="555" r:id="rId237"/>
-    <p:sldId id="547" r:id="rId238"/>
-    <p:sldId id="556" r:id="rId239"/>
-    <p:sldId id="548" r:id="rId240"/>
-    <p:sldId id="557" r:id="rId241"/>
-    <p:sldId id="549" r:id="rId242"/>
-    <p:sldId id="558" r:id="rId243"/>
-    <p:sldId id="550" r:id="rId244"/>
-    <p:sldId id="559" r:id="rId245"/>
-    <p:sldId id="537" r:id="rId246"/>
-    <p:sldId id="560" r:id="rId247"/>
-    <p:sldId id="538" r:id="rId248"/>
-    <p:sldId id="561" r:id="rId249"/>
-    <p:sldId id="371" r:id="rId250"/>
+    <p:sldId id="562" r:id="rId136"/>
+    <p:sldId id="443" r:id="rId137"/>
+    <p:sldId id="453" r:id="rId138"/>
+    <p:sldId id="454" r:id="rId139"/>
+    <p:sldId id="444" r:id="rId140"/>
+    <p:sldId id="445" r:id="rId141"/>
+    <p:sldId id="455" r:id="rId142"/>
+    <p:sldId id="446" r:id="rId143"/>
+    <p:sldId id="456" r:id="rId144"/>
+    <p:sldId id="447" r:id="rId145"/>
+    <p:sldId id="457" r:id="rId146"/>
+    <p:sldId id="448" r:id="rId147"/>
+    <p:sldId id="458" r:id="rId148"/>
+    <p:sldId id="449" r:id="rId149"/>
+    <p:sldId id="459" r:id="rId150"/>
+    <p:sldId id="450" r:id="rId151"/>
+    <p:sldId id="460" r:id="rId152"/>
+    <p:sldId id="469" r:id="rId153"/>
+    <p:sldId id="451" r:id="rId154"/>
+    <p:sldId id="462" r:id="rId155"/>
+    <p:sldId id="470" r:id="rId156"/>
+    <p:sldId id="463" r:id="rId157"/>
+    <p:sldId id="471" r:id="rId158"/>
+    <p:sldId id="464" r:id="rId159"/>
+    <p:sldId id="472" r:id="rId160"/>
+    <p:sldId id="465" r:id="rId161"/>
+    <p:sldId id="473" r:id="rId162"/>
+    <p:sldId id="474" r:id="rId163"/>
+    <p:sldId id="466" r:id="rId164"/>
+    <p:sldId id="489" r:id="rId165"/>
+    <p:sldId id="467" r:id="rId166"/>
+    <p:sldId id="475" r:id="rId167"/>
+    <p:sldId id="490" r:id="rId168"/>
+    <p:sldId id="491" r:id="rId169"/>
+    <p:sldId id="476" r:id="rId170"/>
+    <p:sldId id="477" r:id="rId171"/>
+    <p:sldId id="492" r:id="rId172"/>
+    <p:sldId id="478" r:id="rId173"/>
+    <p:sldId id="493" r:id="rId174"/>
+    <p:sldId id="479" r:id="rId175"/>
+    <p:sldId id="494" r:id="rId176"/>
+    <p:sldId id="480" r:id="rId177"/>
+    <p:sldId id="495" r:id="rId178"/>
+    <p:sldId id="481" r:id="rId179"/>
+    <p:sldId id="496" r:id="rId180"/>
+    <p:sldId id="482" r:id="rId181"/>
+    <p:sldId id="497" r:id="rId182"/>
+    <p:sldId id="483" r:id="rId183"/>
+    <p:sldId id="498" r:id="rId184"/>
+    <p:sldId id="485" r:id="rId185"/>
+    <p:sldId id="500" r:id="rId186"/>
+    <p:sldId id="486" r:id="rId187"/>
+    <p:sldId id="501" r:id="rId188"/>
+    <p:sldId id="487" r:id="rId189"/>
+    <p:sldId id="502" r:id="rId190"/>
+    <p:sldId id="488" r:id="rId191"/>
+    <p:sldId id="517" r:id="rId192"/>
+    <p:sldId id="505" r:id="rId193"/>
+    <p:sldId id="518" r:id="rId194"/>
+    <p:sldId id="506" r:id="rId195"/>
+    <p:sldId id="519" r:id="rId196"/>
+    <p:sldId id="507" r:id="rId197"/>
+    <p:sldId id="520" r:id="rId198"/>
+    <p:sldId id="508" r:id="rId199"/>
+    <p:sldId id="521" r:id="rId200"/>
+    <p:sldId id="503" r:id="rId201"/>
+    <p:sldId id="522" r:id="rId202"/>
+    <p:sldId id="504" r:id="rId203"/>
+    <p:sldId id="523" r:id="rId204"/>
+    <p:sldId id="509" r:id="rId205"/>
+    <p:sldId id="524" r:id="rId206"/>
+    <p:sldId id="525" r:id="rId207"/>
+    <p:sldId id="510" r:id="rId208"/>
+    <p:sldId id="511" r:id="rId209"/>
+    <p:sldId id="526" r:id="rId210"/>
+    <p:sldId id="512" r:id="rId211"/>
+    <p:sldId id="527" r:id="rId212"/>
+    <p:sldId id="513" r:id="rId213"/>
+    <p:sldId id="528" r:id="rId214"/>
+    <p:sldId id="514" r:id="rId215"/>
+    <p:sldId id="529" r:id="rId216"/>
+    <p:sldId id="515" r:id="rId217"/>
+    <p:sldId id="530" r:id="rId218"/>
+    <p:sldId id="516" r:id="rId219"/>
+    <p:sldId id="531" r:id="rId220"/>
+    <p:sldId id="532" r:id="rId221"/>
+    <p:sldId id="533" r:id="rId222"/>
+    <p:sldId id="534" r:id="rId223"/>
+    <p:sldId id="452" r:id="rId224"/>
+    <p:sldId id="535" r:id="rId225"/>
+    <p:sldId id="551" r:id="rId226"/>
+    <p:sldId id="543" r:id="rId227"/>
+    <p:sldId id="552" r:id="rId228"/>
+    <p:sldId id="544" r:id="rId229"/>
+    <p:sldId id="553" r:id="rId230"/>
+    <p:sldId id="545" r:id="rId231"/>
+    <p:sldId id="554" r:id="rId232"/>
+    <p:sldId id="546" r:id="rId233"/>
+    <p:sldId id="555" r:id="rId234"/>
+    <p:sldId id="547" r:id="rId235"/>
+    <p:sldId id="556" r:id="rId236"/>
+    <p:sldId id="548" r:id="rId237"/>
+    <p:sldId id="557" r:id="rId238"/>
+    <p:sldId id="549" r:id="rId239"/>
+    <p:sldId id="558" r:id="rId240"/>
+    <p:sldId id="550" r:id="rId241"/>
+    <p:sldId id="559" r:id="rId242"/>
+    <p:sldId id="537" r:id="rId243"/>
+    <p:sldId id="560" r:id="rId244"/>
+    <p:sldId id="538" r:id="rId245"/>
+    <p:sldId id="561" r:id="rId246"/>
+    <p:sldId id="461" r:id="rId247"/>
+    <p:sldId id="468" r:id="rId248"/>
+    <p:sldId id="484" r:id="rId249"/>
+    <p:sldId id="499" r:id="rId250"/>
+    <p:sldId id="371" r:id="rId251"/>
   </p:sldIdLst>
   <p:sldSz cx="12192000" cy="6858000"/>
   <p:notesSz cx="6858000" cy="9144000"/>
@@ -387,7 +388,7 @@
 <file path=ppt/revisionInfo.xml><?xml version="1.0" encoding="utf-8"?>
 <p1510:revInfo xmlns:a="http://schemas.openxmlformats.org/drawingml/2006/main" xmlns:r="http://schemas.openxmlformats.org/officeDocument/2006/relationships" xmlns:p1510="http://schemas.microsoft.com/office/powerpoint/2015/10/main">
   <p1510:revLst>
-    <p1510:client id="{940A327E-96E1-4531-9A04-52282A3BB8F5}" v="59" dt="2025-12-10T21:50:44.242"/>
+    <p1510:client id="{940A327E-96E1-4531-9A04-52282A3BB8F5}" v="64" dt="2025-12-10T22:41:08.459"/>
   </p1510:revLst>
 </p1510:revInfo>
 </file>
@@ -397,7 +398,7 @@
   <pc:docChgLst>
     <pc:chgData name="Ramiro Rego Álvarez" userId="f03bea09-59f9-4099-99e9-a1c5df4e87e8" providerId="ADAL" clId="{A707F61F-0443-44D0-9605-3287C54E0FFD}"/>
     <pc:docChg chg="undo redo custSel addSld delSld modSld sldOrd modMainMaster">
-      <pc:chgData name="Ramiro Rego Álvarez" userId="f03bea09-59f9-4099-99e9-a1c5df4e87e8" providerId="ADAL" clId="{A707F61F-0443-44D0-9605-3287C54E0FFD}" dt="2025-12-10T21:50:54.912" v="1464" actId="47"/>
+      <pc:chgData name="Ramiro Rego Álvarez" userId="f03bea09-59f9-4099-99e9-a1c5df4e87e8" providerId="ADAL" clId="{A707F61F-0443-44D0-9605-3287C54E0FFD}" dt="2025-12-10T22:41:13.043" v="1545" actId="113"/>
       <pc:docMkLst>
         <pc:docMk/>
       </pc:docMkLst>
@@ -795,13 +796,13 @@
         </pc:spChg>
       </pc:sldChg>
       <pc:sldChg chg="addSp modSp add mod">
-        <pc:chgData name="Ramiro Rego Álvarez" userId="f03bea09-59f9-4099-99e9-a1c5df4e87e8" providerId="ADAL" clId="{A707F61F-0443-44D0-9605-3287C54E0FFD}" dt="2025-11-13T11:59:54.849" v="613" actId="113"/>
+        <pc:chgData name="Ramiro Rego Álvarez" userId="f03bea09-59f9-4099-99e9-a1c5df4e87e8" providerId="ADAL" clId="{A707F61F-0443-44D0-9605-3287C54E0FFD}" dt="2025-12-10T22:41:13.043" v="1545" actId="113"/>
         <pc:sldMkLst>
           <pc:docMk/>
           <pc:sldMk cId="556492579" sldId="442"/>
         </pc:sldMkLst>
         <pc:spChg chg="mod">
-          <ac:chgData name="Ramiro Rego Álvarez" userId="f03bea09-59f9-4099-99e9-a1c5df4e87e8" providerId="ADAL" clId="{A707F61F-0443-44D0-9605-3287C54E0FFD}" dt="2025-11-13T11:59:01.742" v="600" actId="20577"/>
+          <ac:chgData name="Ramiro Rego Álvarez" userId="f03bea09-59f9-4099-99e9-a1c5df4e87e8" providerId="ADAL" clId="{A707F61F-0443-44D0-9605-3287C54E0FFD}" dt="2025-12-10T22:40:06.759" v="1489" actId="20577"/>
           <ac:spMkLst>
             <pc:docMk/>
             <pc:sldMk cId="556492579" sldId="442"/>
@@ -809,7 +810,7 @@
           </ac:spMkLst>
         </pc:spChg>
         <pc:spChg chg="mod">
-          <ac:chgData name="Ramiro Rego Álvarez" userId="f03bea09-59f9-4099-99e9-a1c5df4e87e8" providerId="ADAL" clId="{A707F61F-0443-44D0-9605-3287C54E0FFD}" dt="2025-11-13T11:59:54.849" v="613" actId="113"/>
+          <ac:chgData name="Ramiro Rego Álvarez" userId="f03bea09-59f9-4099-99e9-a1c5df4e87e8" providerId="ADAL" clId="{A707F61F-0443-44D0-9605-3287C54E0FFD}" dt="2025-12-10T22:41:13.043" v="1545" actId="113"/>
           <ac:spMkLst>
             <pc:docMk/>
             <pc:sldMk cId="556492579" sldId="442"/>
@@ -1160,50 +1161,40 @@
         </pc:spChg>
       </pc:sldChg>
       <pc:sldChg chg="modSp add mod">
-        <pc:chgData name="Ramiro Rego Álvarez" userId="f03bea09-59f9-4099-99e9-a1c5df4e87e8" providerId="ADAL" clId="{A707F61F-0443-44D0-9605-3287C54E0FFD}" dt="2025-11-13T15:40:15.880" v="749" actId="20577"/>
+        <pc:chgData name="Ramiro Rego Álvarez" userId="f03bea09-59f9-4099-99e9-a1c5df4e87e8" providerId="ADAL" clId="{A707F61F-0443-44D0-9605-3287C54E0FFD}" dt="2025-12-10T22:37:46.344" v="1477" actId="20577"/>
+        <pc:sldMkLst>
+          <pc:docMk/>
+          <pc:sldMk cId="77948480" sldId="461"/>
+        </pc:sldMkLst>
+        <pc:spChg chg="mod">
+          <ac:chgData name="Ramiro Rego Álvarez" userId="f03bea09-59f9-4099-99e9-a1c5df4e87e8" providerId="ADAL" clId="{A707F61F-0443-44D0-9605-3287C54E0FFD}" dt="2025-12-10T22:37:46.344" v="1477" actId="20577"/>
+          <ac:spMkLst>
+            <pc:docMk/>
+            <pc:sldMk cId="77948480" sldId="461"/>
+            <ac:spMk id="2" creationId="{1F1C788A-47E4-E11D-85E0-731C75960702}"/>
+          </ac:spMkLst>
+        </pc:spChg>
+      </pc:sldChg>
+      <pc:sldChg chg="modSp add del mod">
+        <pc:chgData name="Ramiro Rego Álvarez" userId="f03bea09-59f9-4099-99e9-a1c5df4e87e8" providerId="ADAL" clId="{A707F61F-0443-44D0-9605-3287C54E0FFD}" dt="2025-12-10T22:37:29.699" v="1473" actId="2696"/>
         <pc:sldMkLst>
           <pc:docMk/>
           <pc:sldMk cId="2682044914" sldId="461"/>
         </pc:sldMkLst>
-        <pc:spChg chg="mod">
-          <ac:chgData name="Ramiro Rego Álvarez" userId="f03bea09-59f9-4099-99e9-a1c5df4e87e8" providerId="ADAL" clId="{A707F61F-0443-44D0-9605-3287C54E0FFD}" dt="2025-11-13T15:40:04.105" v="747" actId="20577"/>
-          <ac:spMkLst>
-            <pc:docMk/>
-            <pc:sldMk cId="2682044914" sldId="461"/>
-            <ac:spMk id="2" creationId="{1F1C788A-47E4-E11D-85E0-731C75960702}"/>
-          </ac:spMkLst>
-        </pc:spChg>
-        <pc:spChg chg="mod">
-          <ac:chgData name="Ramiro Rego Álvarez" userId="f03bea09-59f9-4099-99e9-a1c5df4e87e8" providerId="ADAL" clId="{A707F61F-0443-44D0-9605-3287C54E0FFD}" dt="2025-11-13T15:40:15.880" v="749" actId="20577"/>
-          <ac:spMkLst>
-            <pc:docMk/>
-            <pc:sldMk cId="2682044914" sldId="461"/>
-            <ac:spMk id="3" creationId="{2557C43C-3D41-0309-2433-DE85071154D9}"/>
-          </ac:spMkLst>
-        </pc:spChg>
       </pc:sldChg>
-      <pc:sldChg chg="addSp delSp modSp add mod">
-        <pc:chgData name="Ramiro Rego Álvarez" userId="f03bea09-59f9-4099-99e9-a1c5df4e87e8" providerId="ADAL" clId="{A707F61F-0443-44D0-9605-3287C54E0FFD}" dt="2025-11-13T15:42:59.077" v="766"/>
+      <pc:sldChg chg="add del">
+        <pc:chgData name="Ramiro Rego Álvarez" userId="f03bea09-59f9-4099-99e9-a1c5df4e87e8" providerId="ADAL" clId="{A707F61F-0443-44D0-9605-3287C54E0FFD}" dt="2025-12-10T22:37:02.719" v="1471"/>
+        <pc:sldMkLst>
+          <pc:docMk/>
+          <pc:sldMk cId="3054361822" sldId="462"/>
+        </pc:sldMkLst>
+      </pc:sldChg>
+      <pc:sldChg chg="addSp delSp modSp add del mod">
+        <pc:chgData name="Ramiro Rego Álvarez" userId="f03bea09-59f9-4099-99e9-a1c5df4e87e8" providerId="ADAL" clId="{A707F61F-0443-44D0-9605-3287C54E0FFD}" dt="2025-12-10T22:37:03.583" v="1472" actId="2696"/>
         <pc:sldMkLst>
           <pc:docMk/>
           <pc:sldMk cId="3260656862" sldId="462"/>
         </pc:sldMkLst>
-        <pc:spChg chg="mod">
-          <ac:chgData name="Ramiro Rego Álvarez" userId="f03bea09-59f9-4099-99e9-a1c5df4e87e8" providerId="ADAL" clId="{A707F61F-0443-44D0-9605-3287C54E0FFD}" dt="2025-11-13T15:42:12.071" v="761"/>
-          <ac:spMkLst>
-            <pc:docMk/>
-            <pc:sldMk cId="3260656862" sldId="462"/>
-            <ac:spMk id="2" creationId="{1F1C788A-47E4-E11D-85E0-731C75960702}"/>
-          </ac:spMkLst>
-        </pc:spChg>
-        <pc:spChg chg="add del mod">
-          <ac:chgData name="Ramiro Rego Álvarez" userId="f03bea09-59f9-4099-99e9-a1c5df4e87e8" providerId="ADAL" clId="{A707F61F-0443-44D0-9605-3287C54E0FFD}" dt="2025-11-13T15:42:59.077" v="766"/>
-          <ac:spMkLst>
-            <pc:docMk/>
-            <pc:sldMk cId="3260656862" sldId="462"/>
-            <ac:spMk id="3" creationId="{2557C43C-3D41-0309-2433-DE85071154D9}"/>
-          </ac:spMkLst>
-        </pc:spChg>
       </pc:sldChg>
       <pc:sldChg chg="addSp delSp modSp add mod">
         <pc:chgData name="Ramiro Rego Álvarez" userId="f03bea09-59f9-4099-99e9-a1c5df4e87e8" providerId="ADAL" clId="{A707F61F-0443-44D0-9605-3287C54E0FFD}" dt="2025-11-13T15:43:50.878" v="781"/>
@@ -1320,20 +1311,42 @@
           </ac:spMkLst>
         </pc:spChg>
       </pc:sldChg>
+      <pc:sldChg chg="modSp add del mod">
+        <pc:chgData name="Ramiro Rego Álvarez" userId="f03bea09-59f9-4099-99e9-a1c5df4e87e8" providerId="ADAL" clId="{A707F61F-0443-44D0-9605-3287C54E0FFD}" dt="2025-12-10T22:37:02.719" v="1471"/>
+        <pc:sldMkLst>
+          <pc:docMk/>
+          <pc:sldMk cId="384240100" sldId="468"/>
+        </pc:sldMkLst>
+        <pc:spChg chg="mod">
+          <ac:chgData name="Ramiro Rego Álvarez" userId="f03bea09-59f9-4099-99e9-a1c5df4e87e8" providerId="ADAL" clId="{A707F61F-0443-44D0-9605-3287C54E0FFD}" dt="2025-12-10T22:37:02.346" v="1470" actId="20577"/>
+          <ac:spMkLst>
+            <pc:docMk/>
+            <pc:sldMk cId="384240100" sldId="468"/>
+            <ac:spMk id="2" creationId="{1F1C788A-47E4-E11D-85E0-731C75960702}"/>
+          </ac:spMkLst>
+        </pc:spChg>
+      </pc:sldChg>
       <pc:sldChg chg="modSp add mod">
-        <pc:chgData name="Ramiro Rego Álvarez" userId="f03bea09-59f9-4099-99e9-a1c5df4e87e8" providerId="ADAL" clId="{A707F61F-0443-44D0-9605-3287C54E0FFD}" dt="2025-11-13T15:40:21.846" v="751" actId="113"/>
+        <pc:chgData name="Ramiro Rego Álvarez" userId="f03bea09-59f9-4099-99e9-a1c5df4e87e8" providerId="ADAL" clId="{A707F61F-0443-44D0-9605-3287C54E0FFD}" dt="2025-12-10T22:37:51.942" v="1480" actId="20577"/>
+        <pc:sldMkLst>
+          <pc:docMk/>
+          <pc:sldMk cId="1957674090" sldId="468"/>
+        </pc:sldMkLst>
+        <pc:spChg chg="mod">
+          <ac:chgData name="Ramiro Rego Álvarez" userId="f03bea09-59f9-4099-99e9-a1c5df4e87e8" providerId="ADAL" clId="{A707F61F-0443-44D0-9605-3287C54E0FFD}" dt="2025-12-10T22:37:51.942" v="1480" actId="20577"/>
+          <ac:spMkLst>
+            <pc:docMk/>
+            <pc:sldMk cId="1957674090" sldId="468"/>
+            <ac:spMk id="2" creationId="{1F1C788A-47E4-E11D-85E0-731C75960702}"/>
+          </ac:spMkLst>
+        </pc:spChg>
+      </pc:sldChg>
+      <pc:sldChg chg="modSp add del mod">
+        <pc:chgData name="Ramiro Rego Álvarez" userId="f03bea09-59f9-4099-99e9-a1c5df4e87e8" providerId="ADAL" clId="{A707F61F-0443-44D0-9605-3287C54E0FFD}" dt="2025-12-10T22:37:29.699" v="1473" actId="2696"/>
         <pc:sldMkLst>
           <pc:docMk/>
           <pc:sldMk cId="3886846341" sldId="468"/>
         </pc:sldMkLst>
-        <pc:spChg chg="mod">
-          <ac:chgData name="Ramiro Rego Álvarez" userId="f03bea09-59f9-4099-99e9-a1c5df4e87e8" providerId="ADAL" clId="{A707F61F-0443-44D0-9605-3287C54E0FFD}" dt="2025-11-13T15:40:21.846" v="751" actId="113"/>
-          <ac:spMkLst>
-            <pc:docMk/>
-            <pc:sldMk cId="3886846341" sldId="468"/>
-            <ac:spMk id="3" creationId="{2557C43C-3D41-0309-2433-DE85071154D9}"/>
-          </ac:spMkLst>
-        </pc:spChg>
       </pc:sldChg>
       <pc:sldChg chg="modSp add mod ord">
         <pc:chgData name="Ramiro Rego Álvarez" userId="f03bea09-59f9-4099-99e9-a1c5df4e87e8" providerId="ADAL" clId="{A707F61F-0443-44D0-9605-3287C54E0FFD}" dt="2025-11-13T15:40:38.774" v="755" actId="113"/>
@@ -1617,27 +1630,26 @@
         </pc:spChg>
       </pc:sldChg>
       <pc:sldChg chg="modSp add mod">
-        <pc:chgData name="Ramiro Rego Álvarez" userId="f03bea09-59f9-4099-99e9-a1c5df4e87e8" providerId="ADAL" clId="{A707F61F-0443-44D0-9605-3287C54E0FFD}" dt="2025-11-13T17:17:53.209" v="937" actId="113"/>
+        <pc:chgData name="Ramiro Rego Álvarez" userId="f03bea09-59f9-4099-99e9-a1c5df4e87e8" providerId="ADAL" clId="{A707F61F-0443-44D0-9605-3287C54E0FFD}" dt="2025-12-10T22:39:19.675" v="1485" actId="20577"/>
+        <pc:sldMkLst>
+          <pc:docMk/>
+          <pc:sldMk cId="550568320" sldId="484"/>
+        </pc:sldMkLst>
+        <pc:spChg chg="mod">
+          <ac:chgData name="Ramiro Rego Álvarez" userId="f03bea09-59f9-4099-99e9-a1c5df4e87e8" providerId="ADAL" clId="{A707F61F-0443-44D0-9605-3287C54E0FFD}" dt="2025-12-10T22:39:19.675" v="1485" actId="20577"/>
+          <ac:spMkLst>
+            <pc:docMk/>
+            <pc:sldMk cId="550568320" sldId="484"/>
+            <ac:spMk id="2" creationId="{1F1C788A-47E4-E11D-85E0-731C75960702}"/>
+          </ac:spMkLst>
+        </pc:spChg>
+      </pc:sldChg>
+      <pc:sldChg chg="modSp add del mod">
+        <pc:chgData name="Ramiro Rego Álvarez" userId="f03bea09-59f9-4099-99e9-a1c5df4e87e8" providerId="ADAL" clId="{A707F61F-0443-44D0-9605-3287C54E0FFD}" dt="2025-12-10T22:39:10.201" v="1481" actId="2696"/>
         <pc:sldMkLst>
           <pc:docMk/>
           <pc:sldMk cId="3768657430" sldId="484"/>
         </pc:sldMkLst>
-        <pc:spChg chg="mod">
-          <ac:chgData name="Ramiro Rego Álvarez" userId="f03bea09-59f9-4099-99e9-a1c5df4e87e8" providerId="ADAL" clId="{A707F61F-0443-44D0-9605-3287C54E0FFD}" dt="2025-11-13T17:17:28.655" v="933"/>
-          <ac:spMkLst>
-            <pc:docMk/>
-            <pc:sldMk cId="3768657430" sldId="484"/>
-            <ac:spMk id="2" creationId="{1F1C788A-47E4-E11D-85E0-731C75960702}"/>
-          </ac:spMkLst>
-        </pc:spChg>
-        <pc:spChg chg="mod">
-          <ac:chgData name="Ramiro Rego Álvarez" userId="f03bea09-59f9-4099-99e9-a1c5df4e87e8" providerId="ADAL" clId="{A707F61F-0443-44D0-9605-3287C54E0FFD}" dt="2025-11-13T17:17:53.209" v="937" actId="113"/>
-          <ac:spMkLst>
-            <pc:docMk/>
-            <pc:sldMk cId="3768657430" sldId="484"/>
-            <ac:spMk id="3" creationId="{2557C43C-3D41-0309-2433-DE85071154D9}"/>
-          </ac:spMkLst>
-        </pc:spChg>
       </pc:sldChg>
       <pc:sldChg chg="addSp delSp modSp add mod">
         <pc:chgData name="Ramiro Rego Álvarez" userId="f03bea09-59f9-4099-99e9-a1c5df4e87e8" providerId="ADAL" clId="{A707F61F-0443-44D0-9605-3287C54E0FFD}" dt="2025-11-13T17:18:19.512" v="950" actId="113"/>
@@ -1866,19 +1878,26 @@
         </pc:spChg>
       </pc:sldChg>
       <pc:sldChg chg="modSp add mod">
-        <pc:chgData name="Ramiro Rego Álvarez" userId="f03bea09-59f9-4099-99e9-a1c5df4e87e8" providerId="ADAL" clId="{A707F61F-0443-44D0-9605-3287C54E0FFD}" dt="2025-11-13T17:17:57.697" v="939" actId="113"/>
+        <pc:chgData name="Ramiro Rego Álvarez" userId="f03bea09-59f9-4099-99e9-a1c5df4e87e8" providerId="ADAL" clId="{A707F61F-0443-44D0-9605-3287C54E0FFD}" dt="2025-12-10T22:39:26.725" v="1488" actId="20577"/>
+        <pc:sldMkLst>
+          <pc:docMk/>
+          <pc:sldMk cId="3440238247" sldId="499"/>
+        </pc:sldMkLst>
+        <pc:spChg chg="mod">
+          <ac:chgData name="Ramiro Rego Álvarez" userId="f03bea09-59f9-4099-99e9-a1c5df4e87e8" providerId="ADAL" clId="{A707F61F-0443-44D0-9605-3287C54E0FFD}" dt="2025-12-10T22:39:26.725" v="1488" actId="20577"/>
+          <ac:spMkLst>
+            <pc:docMk/>
+            <pc:sldMk cId="3440238247" sldId="499"/>
+            <ac:spMk id="2" creationId="{1F1C788A-47E4-E11D-85E0-731C75960702}"/>
+          </ac:spMkLst>
+        </pc:spChg>
+      </pc:sldChg>
+      <pc:sldChg chg="modSp add del mod">
+        <pc:chgData name="Ramiro Rego Álvarez" userId="f03bea09-59f9-4099-99e9-a1c5df4e87e8" providerId="ADAL" clId="{A707F61F-0443-44D0-9605-3287C54E0FFD}" dt="2025-12-10T22:39:10.201" v="1481" actId="2696"/>
         <pc:sldMkLst>
           <pc:docMk/>
           <pc:sldMk cId="3790376119" sldId="499"/>
         </pc:sldMkLst>
-        <pc:spChg chg="mod">
-          <ac:chgData name="Ramiro Rego Álvarez" userId="f03bea09-59f9-4099-99e9-a1c5df4e87e8" providerId="ADAL" clId="{A707F61F-0443-44D0-9605-3287C54E0FFD}" dt="2025-11-13T17:17:57.697" v="939" actId="113"/>
-          <ac:spMkLst>
-            <pc:docMk/>
-            <pc:sldMk cId="3790376119" sldId="499"/>
-            <ac:spMk id="3" creationId="{2557C43C-3D41-0309-2433-DE85071154D9}"/>
-          </ac:spMkLst>
-        </pc:spChg>
       </pc:sldChg>
       <pc:sldChg chg="modSp add mod">
         <pc:chgData name="Ramiro Rego Álvarez" userId="f03bea09-59f9-4099-99e9-a1c5df4e87e8" providerId="ADAL" clId="{A707F61F-0443-44D0-9605-3287C54E0FFD}" dt="2025-11-13T17:18:24.747" v="952" actId="113"/>
@@ -2985,6 +3004,13 @@
           </ac:spMkLst>
         </pc:spChg>
       </pc:sldChg>
+      <pc:sldChg chg="add">
+        <pc:chgData name="Ramiro Rego Álvarez" userId="f03bea09-59f9-4099-99e9-a1c5df4e87e8" providerId="ADAL" clId="{A707F61F-0443-44D0-9605-3287C54E0FFD}" dt="2025-12-10T22:41:08.459" v="1544"/>
+        <pc:sldMkLst>
+          <pc:docMk/>
+          <pc:sldMk cId="1688565860" sldId="562"/>
+        </pc:sldMkLst>
+      </pc:sldChg>
     </pc:docChg>
   </pc:docChgLst>
 </pc:chgInfo>
@@ -3404,7 +3430,7 @@
           <a:p>
             <a:fld id="{21C31D71-0014-444D-826A-987634F38160}" type="slidenum">
               <a:rPr lang="en-US" smtClean="0"/>
-              <a:t>225</a:t>
+              <a:t>222</a:t>
             </a:fld>
             <a:endParaRPr lang="en-US"/>
           </a:p>
@@ -3488,7 +3514,7 @@
           <a:p>
             <a:fld id="{21C31D71-0014-444D-826A-987634F38160}" type="slidenum">
               <a:rPr lang="en-US" smtClean="0"/>
-              <a:t>235</a:t>
+              <a:t>232</a:t>
             </a:fld>
             <a:endParaRPr lang="en-US"/>
           </a:p>
@@ -3572,7 +3598,7 @@
           <a:p>
             <a:fld id="{21C31D71-0014-444D-826A-987634F38160}" type="slidenum">
               <a:rPr lang="en-US" smtClean="0"/>
-              <a:t>236</a:t>
+              <a:t>233</a:t>
             </a:fld>
             <a:endParaRPr lang="en-US"/>
           </a:p>
@@ -3656,7 +3682,7 @@
           <a:p>
             <a:fld id="{21C31D71-0014-444D-826A-987634F38160}" type="slidenum">
               <a:rPr lang="en-US" smtClean="0"/>
-              <a:t>237</a:t>
+              <a:t>234</a:t>
             </a:fld>
             <a:endParaRPr lang="en-US"/>
           </a:p>
@@ -3740,7 +3766,7 @@
           <a:p>
             <a:fld id="{21C31D71-0014-444D-826A-987634F38160}" type="slidenum">
               <a:rPr lang="en-US" smtClean="0"/>
-              <a:t>238</a:t>
+              <a:t>235</a:t>
             </a:fld>
             <a:endParaRPr lang="en-US"/>
           </a:p>
@@ -3824,7 +3850,7 @@
           <a:p>
             <a:fld id="{21C31D71-0014-444D-826A-987634F38160}" type="slidenum">
               <a:rPr lang="en-US" smtClean="0"/>
-              <a:t>239</a:t>
+              <a:t>236</a:t>
             </a:fld>
             <a:endParaRPr lang="en-US"/>
           </a:p>
@@ -3908,7 +3934,7 @@
           <a:p>
             <a:fld id="{21C31D71-0014-444D-826A-987634F38160}" type="slidenum">
               <a:rPr lang="en-US" smtClean="0"/>
-              <a:t>240</a:t>
+              <a:t>237</a:t>
             </a:fld>
             <a:endParaRPr lang="en-US"/>
           </a:p>
@@ -3992,7 +4018,7 @@
           <a:p>
             <a:fld id="{21C31D71-0014-444D-826A-987634F38160}" type="slidenum">
               <a:rPr lang="en-US" smtClean="0"/>
-              <a:t>241</a:t>
+              <a:t>238</a:t>
             </a:fld>
             <a:endParaRPr lang="en-US"/>
           </a:p>
@@ -4076,7 +4102,7 @@
           <a:p>
             <a:fld id="{21C31D71-0014-444D-826A-987634F38160}" type="slidenum">
               <a:rPr lang="en-US" smtClean="0"/>
-              <a:t>242</a:t>
+              <a:t>239</a:t>
             </a:fld>
             <a:endParaRPr lang="en-US"/>
           </a:p>
@@ -4160,7 +4186,7 @@
           <a:p>
             <a:fld id="{21C31D71-0014-444D-826A-987634F38160}" type="slidenum">
               <a:rPr lang="en-US" smtClean="0"/>
-              <a:t>243</a:t>
+              <a:t>240</a:t>
             </a:fld>
             <a:endParaRPr lang="en-US"/>
           </a:p>
@@ -4244,7 +4270,7 @@
           <a:p>
             <a:fld id="{21C31D71-0014-444D-826A-987634F38160}" type="slidenum">
               <a:rPr lang="en-US" smtClean="0"/>
-              <a:t>244</a:t>
+              <a:t>241</a:t>
             </a:fld>
             <a:endParaRPr lang="en-US"/>
           </a:p>
@@ -4328,7 +4354,7 @@
           <a:p>
             <a:fld id="{21C31D71-0014-444D-826A-987634F38160}" type="slidenum">
               <a:rPr lang="en-US" smtClean="0"/>
-              <a:t>227</a:t>
+              <a:t>224</a:t>
             </a:fld>
             <a:endParaRPr lang="en-US"/>
           </a:p>
@@ -4412,7 +4438,7 @@
           <a:p>
             <a:fld id="{21C31D71-0014-444D-826A-987634F38160}" type="slidenum">
               <a:rPr lang="en-US" smtClean="0"/>
-              <a:t>245</a:t>
+              <a:t>242</a:t>
             </a:fld>
             <a:endParaRPr lang="en-US"/>
           </a:p>
@@ -4496,7 +4522,7 @@
           <a:p>
             <a:fld id="{21C31D71-0014-444D-826A-987634F38160}" type="slidenum">
               <a:rPr lang="en-US" smtClean="0"/>
-              <a:t>246</a:t>
+              <a:t>243</a:t>
             </a:fld>
             <a:endParaRPr lang="en-US"/>
           </a:p>
@@ -4580,7 +4606,7 @@
           <a:p>
             <a:fld id="{21C31D71-0014-444D-826A-987634F38160}" type="slidenum">
               <a:rPr lang="en-US" smtClean="0"/>
-              <a:t>247</a:t>
+              <a:t>244</a:t>
             </a:fld>
             <a:endParaRPr lang="en-US"/>
           </a:p>
@@ -4664,7 +4690,7 @@
           <a:p>
             <a:fld id="{21C31D71-0014-444D-826A-987634F38160}" type="slidenum">
               <a:rPr lang="en-US" smtClean="0"/>
-              <a:t>248</a:t>
+              <a:t>245</a:t>
             </a:fld>
             <a:endParaRPr lang="en-US"/>
           </a:p>
@@ -4748,7 +4774,7 @@
           <a:p>
             <a:fld id="{21C31D71-0014-444D-826A-987634F38160}" type="slidenum">
               <a:rPr lang="en-US" smtClean="0"/>
-              <a:t>228</a:t>
+              <a:t>225</a:t>
             </a:fld>
             <a:endParaRPr lang="en-US"/>
           </a:p>
@@ -4832,7 +4858,7 @@
           <a:p>
             <a:fld id="{21C31D71-0014-444D-826A-987634F38160}" type="slidenum">
               <a:rPr lang="en-US" smtClean="0"/>
-              <a:t>229</a:t>
+              <a:t>226</a:t>
             </a:fld>
             <a:endParaRPr lang="en-US"/>
           </a:p>
@@ -4916,7 +4942,7 @@
           <a:p>
             <a:fld id="{21C31D71-0014-444D-826A-987634F38160}" type="slidenum">
               <a:rPr lang="en-US" smtClean="0"/>
-              <a:t>230</a:t>
+              <a:t>227</a:t>
             </a:fld>
             <a:endParaRPr lang="en-US"/>
           </a:p>
@@ -5000,7 +5026,7 @@
           <a:p>
             <a:fld id="{21C31D71-0014-444D-826A-987634F38160}" type="slidenum">
               <a:rPr lang="en-US" smtClean="0"/>
-              <a:t>231</a:t>
+              <a:t>228</a:t>
             </a:fld>
             <a:endParaRPr lang="en-US"/>
           </a:p>
@@ -5084,7 +5110,7 @@
           <a:p>
             <a:fld id="{21C31D71-0014-444D-826A-987634F38160}" type="slidenum">
               <a:rPr lang="en-US" smtClean="0"/>
-              <a:t>232</a:t>
+              <a:t>229</a:t>
             </a:fld>
             <a:endParaRPr lang="en-US"/>
           </a:p>
@@ -5168,7 +5194,7 @@
           <a:p>
             <a:fld id="{21C31D71-0014-444D-826A-987634F38160}" type="slidenum">
               <a:rPr lang="en-US" smtClean="0"/>
-              <a:t>233</a:t>
+              <a:t>230</a:t>
             </a:fld>
             <a:endParaRPr lang="en-US"/>
           </a:p>
@@ -5252,7 +5278,7 @@
           <a:p>
             <a:fld id="{21C31D71-0014-444D-826A-987634F38160}" type="slidenum">
               <a:rPr lang="en-US" smtClean="0"/>
-              <a:t>234</a:t>
+              <a:t>231</a:t>
             </a:fld>
             <a:endParaRPr lang="en-US"/>
           </a:p>
@@ -14185,7 +14211,7 @@
             </a:r>
             <a:r>
               <a:rPr lang="en-US" dirty="0"/>
-              <a:t>Select the two capabilities that form the basis of a transformation cloud? Select two correct answers.</a:t>
+              <a:t>Select the two capabilities that form the basis of a transformation cloud?</a:t>
             </a:r>
             <a:endParaRPr dirty="0"/>
           </a:p>
@@ -14229,16 +14255,16 @@
           </a:p>
           <a:p>
             <a:r>
-              <a:rPr lang="en-US" sz="1800" b="1" dirty="0"/>
+              <a:rPr lang="en-US" sz="1800" dirty="0"/>
               <a:t>Data cloud provides a unified solution to manage data across the entire data lifecycle.</a:t>
             </a:r>
           </a:p>
           <a:p>
             <a:r>
-              <a:rPr lang="en-US" sz="1800" b="1" dirty="0"/>
-              <a:t>Open infrastructure gives the freedom to innovate by running applications in the place that makes the most sense.</a:t>
-            </a:r>
-            <a:endParaRPr sz="1800" b="1" dirty="0"/>
+              <a:rPr lang="en-US" sz="1800" dirty="0"/>
+              <a:t>Open infrastructure gives the freedom to innovate by buying cheaper more hardware and software.</a:t>
+            </a:r>
+            <a:endParaRPr sz="1800" dirty="0"/>
           </a:p>
         </p:txBody>
       </p:sp>
@@ -14263,7 +14289,7 @@
         <p:cNvPr id="1" name="">
           <a:extLst>
             <a:ext uri="{FF2B5EF4-FFF2-40B4-BE49-F238E27FC236}">
-              <a16:creationId xmlns:a16="http://schemas.microsoft.com/office/drawing/2014/main" id="{63F8B641-652A-A770-747E-C869F6023C43}"/>
+              <a16:creationId xmlns:a16="http://schemas.microsoft.com/office/drawing/2014/main" id="{3BB933A3-DF24-4984-169B-9457C437060E}"/>
             </a:ext>
           </a:extLst>
         </p:cNvPr>
@@ -14283,7 +14309,7 @@
           <p:cNvPr id="2" name="Title 1">
             <a:extLst>
               <a:ext uri="{FF2B5EF4-FFF2-40B4-BE49-F238E27FC236}">
-                <a16:creationId xmlns:a16="http://schemas.microsoft.com/office/drawing/2014/main" id="{14C70857-55EF-7641-C497-205551B05FB2}"/>
+                <a16:creationId xmlns:a16="http://schemas.microsoft.com/office/drawing/2014/main" id="{4BAAF46D-E6A7-B7D6-F802-D5DD8E8CB167}"/>
               </a:ext>
             </a:extLst>
           </p:cNvPr>
@@ -14303,16 +14329,13 @@
           <a:p>
             <a:r>
               <a:rPr dirty="0"/>
-              <a:t>68. </a:t>
+              <a:t>67. </a:t>
             </a:r>
             <a:r>
               <a:rPr lang="en-US" dirty="0"/>
-              <a:t>As the world and business changes, organizations have to decide between embracing new technology and transforming, or keeping their technology and approaches the same. What risks might an organization face by not transforming as their market evolves?</a:t>
-            </a:r>
-            <a:r>
-              <a:rPr dirty="0"/>
-              <a:t> </a:t>
-            </a:r>
+              <a:t>Select the two capabilities that form the basis of a transformation cloud?</a:t>
+            </a:r>
+            <a:endParaRPr dirty="0"/>
           </a:p>
         </p:txBody>
       </p:sp>
@@ -14321,7 +14344,7 @@
           <p:cNvPr id="3" name="Content Placeholder 2">
             <a:extLst>
               <a:ext uri="{FF2B5EF4-FFF2-40B4-BE49-F238E27FC236}">
-                <a16:creationId xmlns:a16="http://schemas.microsoft.com/office/drawing/2014/main" id="{A6063AC4-00C5-2F65-E15C-43404EE24987}"/>
+                <a16:creationId xmlns:a16="http://schemas.microsoft.com/office/drawing/2014/main" id="{7A56823E-855B-FE1C-13BA-CE88DDEAD38E}"/>
               </a:ext>
             </a:extLst>
           </p:cNvPr>
@@ -14343,25 +14366,25 @@
           <a:p>
             <a:r>
               <a:rPr lang="en-US" sz="1800" dirty="0"/>
-              <a:t>Organizations risk losing market leadership if they spend too much time on digital transformation.</a:t>
+              <a:t>Sustainable cloud ensures the costs of cloud resources are controlled to prevent budget overrun.</a:t>
             </a:r>
           </a:p>
           <a:p>
             <a:r>
               <a:rPr lang="en-US" sz="1800" dirty="0"/>
-              <a:t>Embracing new technology can cause organizations to overspend on innovation.</a:t>
+              <a:t>A trusted cloud gives control of all resources to the user to ensure high availability at all times.</a:t>
+            </a:r>
+          </a:p>
+          <a:p>
+            <a:r>
+              <a:rPr lang="en-US" sz="1800" b="1" dirty="0"/>
+              <a:t>Data cloud provides a unified solution to manage data across the entire data lifecycle.</a:t>
             </a:r>
           </a:p>
           <a:p>
             <a:r>
               <a:rPr lang="en-US" sz="1800" dirty="0"/>
-              <a:t>Focusing on ‘why’ they operate can lead to inefficient use of resources and disruption.</a:t>
-            </a:r>
-          </a:p>
-          <a:p>
-            <a:r>
-              <a:rPr lang="en-US" sz="1800" dirty="0"/>
-              <a:t>Focusing on ‘how’ they operate can prevent organizations from seeing transformation opportunities.</a:t>
+              <a:t>Open infrastructure gives the freedom to innovate by buying cheaper more hardware and software.</a:t>
             </a:r>
             <a:endParaRPr sz="1800" dirty="0"/>
           </a:p>
@@ -14370,7 +14393,7 @@
     </p:spTree>
     <p:extLst>
       <p:ext uri="{BB962C8B-B14F-4D97-AF65-F5344CB8AC3E}">
-        <p14:creationId xmlns:p14="http://schemas.microsoft.com/office/powerpoint/2010/main" val="609486891"/>
+        <p14:creationId xmlns:p14="http://schemas.microsoft.com/office/powerpoint/2010/main" val="1688565860"/>
       </p:ext>
     </p:extLst>
   </p:cSld>
@@ -14485,17 +14508,17 @@
           </a:p>
           <a:p>
             <a:r>
-              <a:rPr lang="en-US" sz="1800" b="1" dirty="0"/>
+              <a:rPr lang="en-US" sz="1800" dirty="0"/>
               <a:t>Focusing on ‘how’ they operate can prevent organizations from seeing transformation opportunities.</a:t>
             </a:r>
-            <a:endParaRPr sz="1800" b="1" dirty="0"/>
+            <a:endParaRPr sz="1800" dirty="0"/>
           </a:p>
         </p:txBody>
       </p:sp>
     </p:spTree>
     <p:extLst>
       <p:ext uri="{BB962C8B-B14F-4D97-AF65-F5344CB8AC3E}">
-        <p14:creationId xmlns:p14="http://schemas.microsoft.com/office/powerpoint/2010/main" val="1727141564"/>
+        <p14:creationId xmlns:p14="http://schemas.microsoft.com/office/powerpoint/2010/main" val="609486891"/>
       </p:ext>
     </p:extLst>
   </p:cSld>
@@ -14513,7 +14536,7 @@
         <p:cNvPr id="1" name="">
           <a:extLst>
             <a:ext uri="{FF2B5EF4-FFF2-40B4-BE49-F238E27FC236}">
-              <a16:creationId xmlns:a16="http://schemas.microsoft.com/office/drawing/2014/main" id="{74EA0299-4F91-FDF7-EE09-E7453DF7D36C}"/>
+              <a16:creationId xmlns:a16="http://schemas.microsoft.com/office/drawing/2014/main" id="{63F8B641-652A-A770-747E-C869F6023C43}"/>
             </a:ext>
           </a:extLst>
         </p:cNvPr>
@@ -14533,7 +14556,7 @@
           <p:cNvPr id="2" name="Title 1">
             <a:extLst>
               <a:ext uri="{FF2B5EF4-FFF2-40B4-BE49-F238E27FC236}">
-                <a16:creationId xmlns:a16="http://schemas.microsoft.com/office/drawing/2014/main" id="{06D30F4C-CD2E-3024-B8CF-4F245C065386}"/>
+                <a16:creationId xmlns:a16="http://schemas.microsoft.com/office/drawing/2014/main" id="{14C70857-55EF-7641-C497-205551B05FB2}"/>
               </a:ext>
             </a:extLst>
           </p:cNvPr>
@@ -14553,15 +14576,15 @@
           <a:p>
             <a:r>
               <a:rPr dirty="0"/>
-              <a:t>69. </a:t>
+              <a:t>68. </a:t>
             </a:r>
             <a:r>
               <a:rPr lang="en-US" dirty="0"/>
-              <a:t>What is seen as a limitation of on-premises infrastructure, when compared to cloud infrastructure?</a:t>
+              <a:t>As the world and business changes, organizations have to decide between embracing new technology and transforming, or keeping their technology and approaches the same. What risks might an organization face by not transforming as their market evolves?</a:t>
             </a:r>
             <a:r>
               <a:rPr dirty="0"/>
-              <a:t>  </a:t>
+              <a:t> </a:t>
             </a:r>
           </a:p>
         </p:txBody>
@@ -14571,7 +14594,7 @@
           <p:cNvPr id="3" name="Content Placeholder 2">
             <a:extLst>
               <a:ext uri="{FF2B5EF4-FFF2-40B4-BE49-F238E27FC236}">
-                <a16:creationId xmlns:a16="http://schemas.microsoft.com/office/drawing/2014/main" id="{9BB708F4-E51A-428E-5EA8-BAA7613D7638}"/>
+                <a16:creationId xmlns:a16="http://schemas.microsoft.com/office/drawing/2014/main" id="{A6063AC4-00C5-2F65-E15C-43404EE24987}"/>
               </a:ext>
             </a:extLst>
           </p:cNvPr>
@@ -14593,34 +14616,34 @@
           <a:p>
             <a:r>
               <a:rPr lang="en-US" sz="1800" dirty="0"/>
-              <a:t>Maintenance workers do not have physical access to the servers.</a:t>
+              <a:t>Organizations risk losing market leadership if they spend too much time on digital transformation.</a:t>
             </a:r>
           </a:p>
           <a:p>
             <a:r>
               <a:rPr lang="en-US" sz="1800" dirty="0"/>
-              <a:t>Scaling processing is too difficult due to power consumption.</a:t>
+              <a:t>Embracing new technology can cause organizations to overspend on innovation.</a:t>
             </a:r>
           </a:p>
           <a:p>
             <a:r>
               <a:rPr lang="en-US" sz="1800" dirty="0"/>
-              <a:t>The on-premises networking is more complicated.</a:t>
-            </a:r>
-          </a:p>
-          <a:p>
-            <a:r>
-              <a:rPr lang="en-US" sz="1800" dirty="0"/>
-              <a:t>The on-premises hardware procurement process can take a long time.</a:t>
-            </a:r>
-            <a:endParaRPr sz="1800" dirty="0"/>
+              <a:t>Focusing on ‘why’ they operate can lead to inefficient use of resources and disruption.</a:t>
+            </a:r>
+          </a:p>
+          <a:p>
+            <a:r>
+              <a:rPr lang="en-US" sz="1800" b="1" dirty="0"/>
+              <a:t>Focusing on ‘how’ they operate can prevent organizations from seeing transformation opportunities.</a:t>
+            </a:r>
+            <a:endParaRPr sz="1800" b="1" dirty="0"/>
           </a:p>
         </p:txBody>
       </p:sp>
     </p:spTree>
     <p:extLst>
       <p:ext uri="{BB962C8B-B14F-4D97-AF65-F5344CB8AC3E}">
-        <p14:creationId xmlns:p14="http://schemas.microsoft.com/office/powerpoint/2010/main" val="2371245658"/>
+        <p14:creationId xmlns:p14="http://schemas.microsoft.com/office/powerpoint/2010/main" val="1727141564"/>
       </p:ext>
     </p:extLst>
   </p:cSld>
@@ -14735,17 +14758,17 @@
           </a:p>
           <a:p>
             <a:r>
-              <a:rPr lang="en-US" sz="1800" b="1" dirty="0"/>
+              <a:rPr lang="en-US" sz="1800" dirty="0"/>
               <a:t>The on-premises hardware procurement process can take a long time.</a:t>
             </a:r>
-            <a:endParaRPr sz="1800" b="1" dirty="0"/>
+            <a:endParaRPr sz="1800" dirty="0"/>
           </a:p>
         </p:txBody>
       </p:sp>
     </p:spTree>
     <p:extLst>
       <p:ext uri="{BB962C8B-B14F-4D97-AF65-F5344CB8AC3E}">
-        <p14:creationId xmlns:p14="http://schemas.microsoft.com/office/powerpoint/2010/main" val="3660493876"/>
+        <p14:creationId xmlns:p14="http://schemas.microsoft.com/office/powerpoint/2010/main" val="2371245658"/>
       </p:ext>
     </p:extLst>
   </p:cSld>
@@ -14763,7 +14786,7 @@
         <p:cNvPr id="1" name="">
           <a:extLst>
             <a:ext uri="{FF2B5EF4-FFF2-40B4-BE49-F238E27FC236}">
-              <a16:creationId xmlns:a16="http://schemas.microsoft.com/office/drawing/2014/main" id="{DEAAFECE-A03B-86EF-8691-0064B33FC3E2}"/>
+              <a16:creationId xmlns:a16="http://schemas.microsoft.com/office/drawing/2014/main" id="{74EA0299-4F91-FDF7-EE09-E7453DF7D36C}"/>
             </a:ext>
           </a:extLst>
         </p:cNvPr>
@@ -14783,7 +14806,7 @@
           <p:cNvPr id="2" name="Title 1">
             <a:extLst>
               <a:ext uri="{FF2B5EF4-FFF2-40B4-BE49-F238E27FC236}">
-                <a16:creationId xmlns:a16="http://schemas.microsoft.com/office/drawing/2014/main" id="{3D203C6F-A80B-C55D-4BA8-E0EFB1E484E2}"/>
+                <a16:creationId xmlns:a16="http://schemas.microsoft.com/office/drawing/2014/main" id="{06D30F4C-CD2E-3024-B8CF-4F245C065386}"/>
               </a:ext>
             </a:extLst>
           </p:cNvPr>
@@ -14803,7 +14826,15 @@
           <a:p>
             <a:r>
               <a:rPr dirty="0"/>
-              <a:t>70. What is the cloud? </a:t>
+              <a:t>69. </a:t>
+            </a:r>
+            <a:r>
+              <a:rPr lang="en-US" dirty="0"/>
+              <a:t>What is seen as a limitation of on-premises infrastructure, when compared to cloud infrastructure?</a:t>
+            </a:r>
+            <a:r>
+              <a:rPr dirty="0"/>
+              <a:t>  </a:t>
             </a:r>
           </a:p>
         </p:txBody>
@@ -14813,7 +14844,7 @@
           <p:cNvPr id="3" name="Content Placeholder 2">
             <a:extLst>
               <a:ext uri="{FF2B5EF4-FFF2-40B4-BE49-F238E27FC236}">
-                <a16:creationId xmlns:a16="http://schemas.microsoft.com/office/drawing/2014/main" id="{73E01A58-41A5-1ECC-9CD6-F34A87275ED4}"/>
+                <a16:creationId xmlns:a16="http://schemas.microsoft.com/office/drawing/2014/main" id="{9BB708F4-E51A-428E-5EA8-BAA7613D7638}"/>
               </a:ext>
             </a:extLst>
           </p:cNvPr>
@@ -14835,34 +14866,34 @@
           <a:p>
             <a:r>
               <a:rPr lang="en-US" sz="1800" dirty="0"/>
-              <a:t>A Google product for computing large amounts of data.</a:t>
+              <a:t>Maintenance workers do not have physical access to the servers.</a:t>
             </a:r>
           </a:p>
           <a:p>
             <a:r>
               <a:rPr lang="en-US" sz="1800" dirty="0"/>
-              <a:t>A metaphor for the networking capability of internet providers.</a:t>
+              <a:t>Scaling processing is too difficult due to power consumption.</a:t>
             </a:r>
           </a:p>
           <a:p>
             <a:r>
               <a:rPr lang="en-US" sz="1800" dirty="0"/>
-              <a:t>A metaphor for a network of data centers.</a:t>
-            </a:r>
-          </a:p>
-          <a:p>
-            <a:r>
-              <a:rPr lang="en-US" sz="1800" dirty="0"/>
-              <a:t>A Google product made up of on-premises IT infrastructure.</a:t>
-            </a:r>
-            <a:endParaRPr sz="1800" dirty="0"/>
+              <a:t>The on-premises networking is more complicated.</a:t>
+            </a:r>
+          </a:p>
+          <a:p>
+            <a:r>
+              <a:rPr lang="en-US" sz="1800" b="1" dirty="0"/>
+              <a:t>The on-premises hardware procurement process can take a long time.</a:t>
+            </a:r>
+            <a:endParaRPr sz="1800" b="1" dirty="0"/>
           </a:p>
         </p:txBody>
       </p:sp>
     </p:spTree>
     <p:extLst>
       <p:ext uri="{BB962C8B-B14F-4D97-AF65-F5344CB8AC3E}">
-        <p14:creationId xmlns:p14="http://schemas.microsoft.com/office/powerpoint/2010/main" val="985654175"/>
+        <p14:creationId xmlns:p14="http://schemas.microsoft.com/office/powerpoint/2010/main" val="3660493876"/>
       </p:ext>
     </p:extLst>
   </p:cSld>
@@ -15064,7 +15095,7 @@
           </a:p>
           <a:p>
             <a:r>
-              <a:rPr lang="en-US" sz="1800" b="1" dirty="0"/>
+              <a:rPr lang="en-US" sz="1800" dirty="0"/>
               <a:t>A metaphor for a network of data centers.</a:t>
             </a:r>
           </a:p>
@@ -15080,7 +15111,7 @@
     </p:spTree>
     <p:extLst>
       <p:ext uri="{BB962C8B-B14F-4D97-AF65-F5344CB8AC3E}">
-        <p14:creationId xmlns:p14="http://schemas.microsoft.com/office/powerpoint/2010/main" val="2942263418"/>
+        <p14:creationId xmlns:p14="http://schemas.microsoft.com/office/powerpoint/2010/main" val="985654175"/>
       </p:ext>
     </p:extLst>
   </p:cSld>
@@ -15098,7 +15129,7 @@
         <p:cNvPr id="1" name="">
           <a:extLst>
             <a:ext uri="{FF2B5EF4-FFF2-40B4-BE49-F238E27FC236}">
-              <a16:creationId xmlns:a16="http://schemas.microsoft.com/office/drawing/2014/main" id="{B53BC3E7-5612-34DD-EBC7-900FD4DFE41F}"/>
+              <a16:creationId xmlns:a16="http://schemas.microsoft.com/office/drawing/2014/main" id="{DEAAFECE-A03B-86EF-8691-0064B33FC3E2}"/>
             </a:ext>
           </a:extLst>
         </p:cNvPr>
@@ -15118,7 +15149,7 @@
           <p:cNvPr id="2" name="Title 1">
             <a:extLst>
               <a:ext uri="{FF2B5EF4-FFF2-40B4-BE49-F238E27FC236}">
-                <a16:creationId xmlns:a16="http://schemas.microsoft.com/office/drawing/2014/main" id="{CC729F73-CE7C-EE36-A645-A1BB50112227}"/>
+                <a16:creationId xmlns:a16="http://schemas.microsoft.com/office/drawing/2014/main" id="{3D203C6F-A80B-C55D-4BA8-E0EFB1E484E2}"/>
               </a:ext>
             </a:extLst>
           </p:cNvPr>
@@ -15138,13 +15169,8 @@
           <a:p>
             <a:r>
               <a:rPr dirty="0"/>
-              <a:t>71. </a:t>
-            </a:r>
-            <a:r>
-              <a:rPr lang="en-US" dirty="0"/>
-              <a:t>Which item describes a goal of an organization seeking digital transformation?</a:t>
-            </a:r>
-            <a:endParaRPr dirty="0"/>
+              <a:t>70. What is the cloud? </a:t>
+            </a:r>
           </a:p>
         </p:txBody>
       </p:sp>
@@ -15153,7 +15179,7 @@
           <p:cNvPr id="3" name="Content Placeholder 2">
             <a:extLst>
               <a:ext uri="{FF2B5EF4-FFF2-40B4-BE49-F238E27FC236}">
-                <a16:creationId xmlns:a16="http://schemas.microsoft.com/office/drawing/2014/main" id="{4C967550-BB51-B181-F382-2F2F19F0A4EE}"/>
+                <a16:creationId xmlns:a16="http://schemas.microsoft.com/office/drawing/2014/main" id="{73E01A58-41A5-1ECC-9CD6-F34A87275ED4}"/>
               </a:ext>
             </a:extLst>
           </p:cNvPr>
@@ -15175,25 +15201,25 @@
           <a:p>
             <a:r>
               <a:rPr lang="en-US" sz="1800" dirty="0"/>
-              <a:t>Ensure better security by decoupling teams and their data.</a:t>
+              <a:t>A Google product for computing large amounts of data.</a:t>
             </a:r>
           </a:p>
           <a:p>
             <a:r>
               <a:rPr lang="en-US" sz="1800" dirty="0"/>
-              <a:t>Break down data silos and generate real time insights.</a:t>
+              <a:t>A metaphor for the networking capability of internet providers.</a:t>
+            </a:r>
+          </a:p>
+          <a:p>
+            <a:r>
+              <a:rPr lang="en-US" sz="1800" b="1" dirty="0"/>
+              <a:t>A metaphor for a network of data centers.</a:t>
             </a:r>
           </a:p>
           <a:p>
             <a:r>
               <a:rPr lang="en-US" sz="1800" dirty="0"/>
-              <a:t>Streamline their hardware procurement process to forecast at least a quarter into the future.</a:t>
-            </a:r>
-          </a:p>
-          <a:p>
-            <a:r>
-              <a:rPr lang="en-US" sz="1800" dirty="0"/>
-              <a:t>Reduce emissions by using faster networks in their on-premises workloads.</a:t>
+              <a:t>A Google product made up of on-premises IT infrastructure.</a:t>
             </a:r>
             <a:endParaRPr sz="1800" dirty="0"/>
           </a:p>
@@ -15202,7 +15228,7 @@
     </p:spTree>
     <p:extLst>
       <p:ext uri="{BB962C8B-B14F-4D97-AF65-F5344CB8AC3E}">
-        <p14:creationId xmlns:p14="http://schemas.microsoft.com/office/powerpoint/2010/main" val="2455921077"/>
+        <p14:creationId xmlns:p14="http://schemas.microsoft.com/office/powerpoint/2010/main" val="2942263418"/>
       </p:ext>
     </p:extLst>
   </p:cSld>
@@ -15302,7 +15328,7 @@
           </a:p>
           <a:p>
             <a:r>
-              <a:rPr lang="en-US" sz="1800" b="1" dirty="0"/>
+              <a:rPr lang="en-US" sz="1800" dirty="0"/>
               <a:t>Break down data silos and generate real time insights.</a:t>
             </a:r>
           </a:p>
@@ -15324,7 +15350,7 @@
     </p:spTree>
     <p:extLst>
       <p:ext uri="{BB962C8B-B14F-4D97-AF65-F5344CB8AC3E}">
-        <p14:creationId xmlns:p14="http://schemas.microsoft.com/office/powerpoint/2010/main" val="2698840488"/>
+        <p14:creationId xmlns:p14="http://schemas.microsoft.com/office/powerpoint/2010/main" val="2455921077"/>
       </p:ext>
     </p:extLst>
   </p:cSld>
@@ -15342,7 +15368,7 @@
         <p:cNvPr id="1" name="">
           <a:extLst>
             <a:ext uri="{FF2B5EF4-FFF2-40B4-BE49-F238E27FC236}">
-              <a16:creationId xmlns:a16="http://schemas.microsoft.com/office/drawing/2014/main" id="{EDE73810-1959-578E-88A0-2F8DF3EDE712}"/>
+              <a16:creationId xmlns:a16="http://schemas.microsoft.com/office/drawing/2014/main" id="{B53BC3E7-5612-34DD-EBC7-900FD4DFE41F}"/>
             </a:ext>
           </a:extLst>
         </p:cNvPr>
@@ -15362,7 +15388,7 @@
           <p:cNvPr id="2" name="Title 1">
             <a:extLst>
               <a:ext uri="{FF2B5EF4-FFF2-40B4-BE49-F238E27FC236}">
-                <a16:creationId xmlns:a16="http://schemas.microsoft.com/office/drawing/2014/main" id="{6CED4332-DEB2-507B-48C1-AF6E9E846FFF}"/>
+                <a16:creationId xmlns:a16="http://schemas.microsoft.com/office/drawing/2014/main" id="{CC729F73-CE7C-EE36-A645-A1BB50112227}"/>
               </a:ext>
             </a:extLst>
           </p:cNvPr>
@@ -15382,11 +15408,11 @@
           <a:p>
             <a:r>
               <a:rPr dirty="0"/>
-              <a:t>72. </a:t>
+              <a:t>71. </a:t>
             </a:r>
             <a:r>
               <a:rPr lang="en-US" dirty="0"/>
-              <a:t>Select the definition of digital transformation.</a:t>
+              <a:t>Which item describes a goal of an organization seeking digital transformation?</a:t>
             </a:r>
             <a:endParaRPr dirty="0"/>
           </a:p>
@@ -15397,7 +15423,7 @@
           <p:cNvPr id="3" name="Content Placeholder 2">
             <a:extLst>
               <a:ext uri="{FF2B5EF4-FFF2-40B4-BE49-F238E27FC236}">
-                <a16:creationId xmlns:a16="http://schemas.microsoft.com/office/drawing/2014/main" id="{BF70FA50-3E6B-0C71-39D0-AF9A21B85D85}"/>
+                <a16:creationId xmlns:a16="http://schemas.microsoft.com/office/drawing/2014/main" id="{4C967550-BB51-B181-F382-2F2F19F0A4EE}"/>
               </a:ext>
             </a:extLst>
           </p:cNvPr>
@@ -15419,25 +15445,25 @@
           <a:p>
             <a:r>
               <a:rPr lang="en-US" sz="1800" dirty="0"/>
-              <a:t>When an organization uses new digital technologies to create or modify on-premises business processes.</a:t>
+              <a:t>Ensure better security by decoupling teams and their data.</a:t>
+            </a:r>
+          </a:p>
+          <a:p>
+            <a:r>
+              <a:rPr lang="en-US" sz="1800" b="1" dirty="0"/>
+              <a:t>Break down data silos and generate real time insights.</a:t>
             </a:r>
           </a:p>
           <a:p>
             <a:r>
               <a:rPr lang="en-US" sz="1800" dirty="0"/>
-              <a:t>When an organization uses new digital technologies to create or modify technology infrastructure to focus on cost saving.</a:t>
+              <a:t>Streamline their hardware procurement process to forecast at least a quarter into the future.</a:t>
             </a:r>
           </a:p>
           <a:p>
             <a:r>
               <a:rPr lang="en-US" sz="1800" dirty="0"/>
-              <a:t>When an organization uses new digital technologies to create or modify business processes, culture, and customer experiences.</a:t>
-            </a:r>
-          </a:p>
-          <a:p>
-            <a:r>
-              <a:rPr lang="en-US" sz="1800" dirty="0"/>
-              <a:t>When an organization uses new digital technologies to create or modify financial models for how a business is run.</a:t>
+              <a:t>Reduce emissions by using faster networks in their on-premises workloads.</a:t>
             </a:r>
             <a:endParaRPr sz="1800" dirty="0"/>
           </a:p>
@@ -15446,7 +15472,7 @@
     </p:spTree>
     <p:extLst>
       <p:ext uri="{BB962C8B-B14F-4D97-AF65-F5344CB8AC3E}">
-        <p14:creationId xmlns:p14="http://schemas.microsoft.com/office/powerpoint/2010/main" val="1955889071"/>
+        <p14:creationId xmlns:p14="http://schemas.microsoft.com/office/powerpoint/2010/main" val="2698840488"/>
       </p:ext>
     </p:extLst>
   </p:cSld>
@@ -15552,7 +15578,7 @@
           </a:p>
           <a:p>
             <a:r>
-              <a:rPr lang="en-US" sz="1800" b="1" dirty="0"/>
+              <a:rPr lang="en-US" sz="1800" dirty="0"/>
               <a:t>When an organization uses new digital technologies to create or modify business processes, culture, and customer experiences.</a:t>
             </a:r>
           </a:p>
@@ -15568,7 +15594,7 @@
     </p:spTree>
     <p:extLst>
       <p:ext uri="{BB962C8B-B14F-4D97-AF65-F5344CB8AC3E}">
-        <p14:creationId xmlns:p14="http://schemas.microsoft.com/office/powerpoint/2010/main" val="1108464457"/>
+        <p14:creationId xmlns:p14="http://schemas.microsoft.com/office/powerpoint/2010/main" val="1955889071"/>
       </p:ext>
     </p:extLst>
   </p:cSld>
@@ -15586,7 +15612,7 @@
         <p:cNvPr id="1" name="">
           <a:extLst>
             <a:ext uri="{FF2B5EF4-FFF2-40B4-BE49-F238E27FC236}">
-              <a16:creationId xmlns:a16="http://schemas.microsoft.com/office/drawing/2014/main" id="{7F8D0924-C196-248B-6C7E-1FC35290B5CB}"/>
+              <a16:creationId xmlns:a16="http://schemas.microsoft.com/office/drawing/2014/main" id="{EDE73810-1959-578E-88A0-2F8DF3EDE712}"/>
             </a:ext>
           </a:extLst>
         </p:cNvPr>
@@ -15606,7 +15632,7 @@
           <p:cNvPr id="2" name="Title 1">
             <a:extLst>
               <a:ext uri="{FF2B5EF4-FFF2-40B4-BE49-F238E27FC236}">
-                <a16:creationId xmlns:a16="http://schemas.microsoft.com/office/drawing/2014/main" id="{D0BE463B-8C5B-79F2-0F90-549E198F8E25}"/>
+                <a16:creationId xmlns:a16="http://schemas.microsoft.com/office/drawing/2014/main" id="{6CED4332-DEB2-507B-48C1-AF6E9E846FFF}"/>
               </a:ext>
             </a:extLst>
           </p:cNvPr>
@@ -15626,11 +15652,11 @@
           <a:p>
             <a:r>
               <a:rPr dirty="0"/>
-              <a:t>73. </a:t>
-            </a:r>
-            <a:r>
-              <a:rPr lang="es-ES_tradnl" dirty="0"/>
-              <a:t>What is data governance?</a:t>
+              <a:t>72. </a:t>
+            </a:r>
+            <a:r>
+              <a:rPr lang="en-US" dirty="0"/>
+              <a:t>Select the definition of digital transformation.</a:t>
             </a:r>
             <a:endParaRPr dirty="0"/>
           </a:p>
@@ -15641,7 +15667,7 @@
           <p:cNvPr id="3" name="Content Placeholder 2">
             <a:extLst>
               <a:ext uri="{FF2B5EF4-FFF2-40B4-BE49-F238E27FC236}">
-                <a16:creationId xmlns:a16="http://schemas.microsoft.com/office/drawing/2014/main" id="{7B55DD38-D630-93AC-CDA8-2CC9CC4295AE}"/>
+                <a16:creationId xmlns:a16="http://schemas.microsoft.com/office/drawing/2014/main" id="{BF70FA50-3E6B-0C71-39D0-AF9A21B85D85}"/>
               </a:ext>
             </a:extLst>
           </p:cNvPr>
@@ -15661,30 +15687,27 @@
           </a:bodyPr>
           <a:lstStyle/>
           <a:p>
-            <a:endParaRPr lang="en-US" sz="1800" dirty="0"/>
-          </a:p>
-          <a:p>
             <a:r>
               <a:rPr lang="en-US" sz="1800" dirty="0"/>
-              <a:t>The process of collecting and storing data for future use</a:t>
+              <a:t>When an organization uses new digital technologies to create or modify on-premises business processes.</a:t>
             </a:r>
           </a:p>
           <a:p>
             <a:r>
               <a:rPr lang="en-US" sz="1800" dirty="0"/>
-              <a:t>The process of analyzing data to gain insights and make informed decisions</a:t>
+              <a:t>When an organization uses new digital technologies to create or modify technology infrastructure to focus on cost saving.</a:t>
+            </a:r>
+          </a:p>
+          <a:p>
+            <a:r>
+              <a:rPr lang="en-US" sz="1800" b="1" dirty="0"/>
+              <a:t>When an organization uses new digital technologies to create or modify business processes, culture, and customer experiences.</a:t>
             </a:r>
           </a:p>
           <a:p>
             <a:r>
               <a:rPr lang="en-US" sz="1800" dirty="0"/>
-              <a:t>The process of setting internal data policies and ensuring compliance with external standards</a:t>
-            </a:r>
-          </a:p>
-          <a:p>
-            <a:r>
-              <a:rPr lang="en-US" sz="1800" dirty="0"/>
-              <a:t>The process of deleting unnecessary data to save storage space</a:t>
+              <a:t>When an organization uses new digital technologies to create or modify financial models for how a business is run.</a:t>
             </a:r>
             <a:endParaRPr sz="1800" dirty="0"/>
           </a:p>
@@ -15693,7 +15716,7 @@
     </p:spTree>
     <p:extLst>
       <p:ext uri="{BB962C8B-B14F-4D97-AF65-F5344CB8AC3E}">
-        <p14:creationId xmlns:p14="http://schemas.microsoft.com/office/powerpoint/2010/main" val="2355467689"/>
+        <p14:creationId xmlns:p14="http://schemas.microsoft.com/office/powerpoint/2010/main" val="1108464457"/>
       </p:ext>
     </p:extLst>
   </p:cSld>
@@ -15802,7 +15825,7 @@
           </a:p>
           <a:p>
             <a:r>
-              <a:rPr lang="en-US" sz="1800" b="1" dirty="0"/>
+              <a:rPr lang="en-US" sz="1800" dirty="0"/>
               <a:t>The process of setting internal data policies and ensuring compliance with external standards</a:t>
             </a:r>
           </a:p>
@@ -15818,7 +15841,7 @@
     </p:spTree>
     <p:extLst>
       <p:ext uri="{BB962C8B-B14F-4D97-AF65-F5344CB8AC3E}">
-        <p14:creationId xmlns:p14="http://schemas.microsoft.com/office/powerpoint/2010/main" val="2607194313"/>
+        <p14:creationId xmlns:p14="http://schemas.microsoft.com/office/powerpoint/2010/main" val="2355467689"/>
       </p:ext>
     </p:extLst>
   </p:cSld>
@@ -15836,7 +15859,7 @@
         <p:cNvPr id="1" name="">
           <a:extLst>
             <a:ext uri="{FF2B5EF4-FFF2-40B4-BE49-F238E27FC236}">
-              <a16:creationId xmlns:a16="http://schemas.microsoft.com/office/drawing/2014/main" id="{29D3145D-6B10-92C4-D8C3-C21EC2B4066F}"/>
+              <a16:creationId xmlns:a16="http://schemas.microsoft.com/office/drawing/2014/main" id="{7F8D0924-C196-248B-6C7E-1FC35290B5CB}"/>
             </a:ext>
           </a:extLst>
         </p:cNvPr>
@@ -15856,7 +15879,7 @@
           <p:cNvPr id="2" name="Title 1">
             <a:extLst>
               <a:ext uri="{FF2B5EF4-FFF2-40B4-BE49-F238E27FC236}">
-                <a16:creationId xmlns:a16="http://schemas.microsoft.com/office/drawing/2014/main" id="{B076F456-F2E3-6AFC-2841-C0EE2D8B4AB6}"/>
+                <a16:creationId xmlns:a16="http://schemas.microsoft.com/office/drawing/2014/main" id="{D0BE463B-8C5B-79F2-0F90-549E198F8E25}"/>
               </a:ext>
             </a:extLst>
           </p:cNvPr>
@@ -15876,11 +15899,11 @@
           <a:p>
             <a:r>
               <a:rPr dirty="0"/>
-              <a:t>74. </a:t>
-            </a:r>
-            <a:r>
-              <a:rPr lang="en-US" dirty="0"/>
-              <a:t>A car insurance company has a large database that stores customer details, including the vehicles they own and past claims. The structure of the database means that information is stored in tables, rows, and columns. What type of database is this?</a:t>
+              <a:t>73. </a:t>
+            </a:r>
+            <a:r>
+              <a:rPr lang="es-ES_tradnl" dirty="0"/>
+              <a:t>What is data governance?</a:t>
             </a:r>
             <a:endParaRPr dirty="0"/>
           </a:p>
@@ -15891,7 +15914,7 @@
           <p:cNvPr id="3" name="Content Placeholder 2">
             <a:extLst>
               <a:ext uri="{FF2B5EF4-FFF2-40B4-BE49-F238E27FC236}">
-                <a16:creationId xmlns:a16="http://schemas.microsoft.com/office/drawing/2014/main" id="{28062873-5D18-368C-02AA-15AF5C332E5E}"/>
+                <a16:creationId xmlns:a16="http://schemas.microsoft.com/office/drawing/2014/main" id="{7B55DD38-D630-93AC-CDA8-2CC9CC4295AE}"/>
               </a:ext>
             </a:extLst>
           </p:cNvPr>
@@ -15911,78 +15934,30 @@
           </a:bodyPr>
           <a:lstStyle/>
           <a:p>
-            <a:r>
-              <a:rPr lang="es-ES_tradnl" sz="1800" dirty="0"/>
-              <a:t>A </a:t>
-            </a:r>
-            <a:r>
-              <a:rPr lang="es-ES_tradnl" sz="1800" dirty="0" err="1"/>
-              <a:t>relational</a:t>
-            </a:r>
-            <a:r>
-              <a:rPr lang="es-ES_tradnl" sz="1800" dirty="0"/>
-              <a:t> </a:t>
-            </a:r>
-            <a:r>
-              <a:rPr lang="es-ES_tradnl" sz="1800" dirty="0" err="1"/>
-              <a:t>database</a:t>
-            </a:r>
-            <a:endParaRPr lang="es-ES_tradnl" sz="1800" dirty="0"/>
-          </a:p>
-          <a:p>
-            <a:r>
-              <a:rPr lang="es-ES_tradnl" sz="1800" dirty="0" err="1"/>
-              <a:t>An</a:t>
-            </a:r>
-            <a:r>
-              <a:rPr lang="es-ES_tradnl" sz="1800" dirty="0"/>
-              <a:t> XML </a:t>
-            </a:r>
-            <a:r>
-              <a:rPr lang="es-ES_tradnl" sz="1800" dirty="0" err="1"/>
-              <a:t>database</a:t>
-            </a:r>
-            <a:endParaRPr lang="es-ES_tradnl" sz="1800" dirty="0"/>
-          </a:p>
-          <a:p>
-            <a:r>
-              <a:rPr lang="es-ES_tradnl" sz="1800" dirty="0" err="1"/>
-              <a:t>An</a:t>
-            </a:r>
-            <a:r>
-              <a:rPr lang="es-ES_tradnl" sz="1800" dirty="0"/>
-              <a:t> </a:t>
-            </a:r>
-            <a:r>
-              <a:rPr lang="es-ES_tradnl" sz="1800" dirty="0" err="1"/>
-              <a:t>object</a:t>
-            </a:r>
-            <a:r>
-              <a:rPr lang="es-ES_tradnl" sz="1800" dirty="0"/>
-              <a:t> </a:t>
-            </a:r>
-            <a:r>
-              <a:rPr lang="es-ES_tradnl" sz="1800" dirty="0" err="1"/>
-              <a:t>database</a:t>
-            </a:r>
-            <a:endParaRPr lang="es-ES_tradnl" sz="1800" dirty="0"/>
-          </a:p>
-          <a:p>
-            <a:r>
-              <a:rPr lang="es-ES_tradnl" sz="1800" dirty="0"/>
-              <a:t>A non-</a:t>
-            </a:r>
-            <a:r>
-              <a:rPr lang="es-ES_tradnl" sz="1800" dirty="0" err="1"/>
-              <a:t>relational</a:t>
-            </a:r>
-            <a:r>
-              <a:rPr lang="es-ES_tradnl" sz="1800" dirty="0"/>
-              <a:t> </a:t>
-            </a:r>
-            <a:r>
-              <a:rPr lang="es-ES_tradnl" sz="1800" dirty="0" err="1"/>
-              <a:t>database</a:t>
+            <a:endParaRPr lang="en-US" sz="1800" dirty="0"/>
+          </a:p>
+          <a:p>
+            <a:r>
+              <a:rPr lang="en-US" sz="1800" dirty="0"/>
+              <a:t>The process of collecting and storing data for future use</a:t>
+            </a:r>
+          </a:p>
+          <a:p>
+            <a:r>
+              <a:rPr lang="en-US" sz="1800" dirty="0"/>
+              <a:t>The process of analyzing data to gain insights and make informed decisions</a:t>
+            </a:r>
+          </a:p>
+          <a:p>
+            <a:r>
+              <a:rPr lang="en-US" sz="1800" b="1" dirty="0"/>
+              <a:t>The process of setting internal data policies and ensuring compliance with external standards</a:t>
+            </a:r>
+          </a:p>
+          <a:p>
+            <a:r>
+              <a:rPr lang="en-US" sz="1800" dirty="0"/>
+              <a:t>The process of deleting unnecessary data to save storage space</a:t>
             </a:r>
             <a:endParaRPr sz="1800" dirty="0"/>
           </a:p>
@@ -15991,7 +15966,7 @@
     </p:spTree>
     <p:extLst>
       <p:ext uri="{BB962C8B-B14F-4D97-AF65-F5344CB8AC3E}">
-        <p14:creationId xmlns:p14="http://schemas.microsoft.com/office/powerpoint/2010/main" val="1034852345"/>
+        <p14:creationId xmlns:p14="http://schemas.microsoft.com/office/powerpoint/2010/main" val="2607194313"/>
       </p:ext>
     </p:extLst>
   </p:cSld>
@@ -16085,22 +16060,22 @@
           <a:lstStyle/>
           <a:p>
             <a:r>
-              <a:rPr lang="es-ES_tradnl" sz="1800" b="1" dirty="0"/>
+              <a:rPr lang="es-ES_tradnl" sz="1800" dirty="0"/>
               <a:t>A </a:t>
             </a:r>
             <a:r>
-              <a:rPr lang="es-ES_tradnl" sz="1800" b="1" dirty="0" err="1"/>
+              <a:rPr lang="es-ES_tradnl" sz="1800" dirty="0" err="1"/>
               <a:t>relational</a:t>
             </a:r>
             <a:r>
-              <a:rPr lang="es-ES_tradnl" sz="1800" b="1" dirty="0"/>
+              <a:rPr lang="es-ES_tradnl" sz="1800" dirty="0"/>
               <a:t> </a:t>
             </a:r>
             <a:r>
-              <a:rPr lang="es-ES_tradnl" sz="1800" b="1" dirty="0" err="1"/>
+              <a:rPr lang="es-ES_tradnl" sz="1800" dirty="0" err="1"/>
               <a:t>database</a:t>
             </a:r>
-            <a:endParaRPr lang="es-ES_tradnl" sz="1800" b="1" dirty="0"/>
+            <a:endParaRPr lang="es-ES_tradnl" sz="1800" dirty="0"/>
           </a:p>
           <a:p>
             <a:r>
@@ -16164,7 +16139,7 @@
     </p:spTree>
     <p:extLst>
       <p:ext uri="{BB962C8B-B14F-4D97-AF65-F5344CB8AC3E}">
-        <p14:creationId xmlns:p14="http://schemas.microsoft.com/office/powerpoint/2010/main" val="3977327062"/>
+        <p14:creationId xmlns:p14="http://schemas.microsoft.com/office/powerpoint/2010/main" val="1034852345"/>
       </p:ext>
     </p:extLst>
   </p:cSld>
@@ -16182,7 +16157,7 @@
         <p:cNvPr id="1" name="">
           <a:extLst>
             <a:ext uri="{FF2B5EF4-FFF2-40B4-BE49-F238E27FC236}">
-              <a16:creationId xmlns:a16="http://schemas.microsoft.com/office/drawing/2014/main" id="{B445776A-5EAC-1587-A6C5-393C80635A6E}"/>
+              <a16:creationId xmlns:a16="http://schemas.microsoft.com/office/drawing/2014/main" id="{29D3145D-6B10-92C4-D8C3-C21EC2B4066F}"/>
             </a:ext>
           </a:extLst>
         </p:cNvPr>
@@ -16202,7 +16177,7 @@
           <p:cNvPr id="2" name="Title 1">
             <a:extLst>
               <a:ext uri="{FF2B5EF4-FFF2-40B4-BE49-F238E27FC236}">
-                <a16:creationId xmlns:a16="http://schemas.microsoft.com/office/drawing/2014/main" id="{3095FD93-993B-3D36-C4EE-FCE12B66CABE}"/>
+                <a16:creationId xmlns:a16="http://schemas.microsoft.com/office/drawing/2014/main" id="{B076F456-F2E3-6AFC-2841-C0EE2D8B4AB6}"/>
               </a:ext>
             </a:extLst>
           </p:cNvPr>
@@ -16222,11 +16197,11 @@
           <a:p>
             <a:r>
               <a:rPr dirty="0"/>
-              <a:t>75. </a:t>
+              <a:t>74. </a:t>
             </a:r>
             <a:r>
               <a:rPr lang="en-US" dirty="0"/>
-              <a:t>A solar energy company wants to analyze weather data to better understand the seasonal impact on their business. On which platform could they find free-to-use weather datasets?</a:t>
+              <a:t>A car insurance company has a large database that stores customer details, including the vehicles they own and past claims. The structure of the database means that information is stored in tables, rows, and columns. What type of database is this?</a:t>
             </a:r>
             <a:endParaRPr dirty="0"/>
           </a:p>
@@ -16237,7 +16212,7 @@
           <p:cNvPr id="3" name="Content Placeholder 2">
             <a:extLst>
               <a:ext uri="{FF2B5EF4-FFF2-40B4-BE49-F238E27FC236}">
-                <a16:creationId xmlns:a16="http://schemas.microsoft.com/office/drawing/2014/main" id="{DFDB9DA0-FA64-CDFA-FE14-A97A5A678CE5}"/>
+                <a16:creationId xmlns:a16="http://schemas.microsoft.com/office/drawing/2014/main" id="{28062873-5D18-368C-02AA-15AF5C332E5E}"/>
               </a:ext>
             </a:extLst>
           </p:cNvPr>
@@ -16258,26 +16233,77 @@
           <a:lstStyle/>
           <a:p>
             <a:r>
-              <a:rPr lang="en-US" sz="1800" dirty="0"/>
-              <a:t>Google Cloud Marketplace</a:t>
-            </a:r>
-          </a:p>
-          <a:p>
-            <a:r>
-              <a:rPr lang="en-US" sz="1800" dirty="0"/>
-              <a:t>App Engine</a:t>
-            </a:r>
-          </a:p>
-          <a:p>
-            <a:r>
-              <a:rPr lang="en-US" sz="1800" dirty="0"/>
-              <a:t>Google Cloud console</a:t>
-            </a:r>
-          </a:p>
-          <a:p>
-            <a:r>
-              <a:rPr lang="en-US" sz="1800" dirty="0"/>
-              <a:t>Google Play</a:t>
+              <a:rPr lang="es-ES_tradnl" sz="1800" b="1" dirty="0"/>
+              <a:t>A </a:t>
+            </a:r>
+            <a:r>
+              <a:rPr lang="es-ES_tradnl" sz="1800" b="1" dirty="0" err="1"/>
+              <a:t>relational</a:t>
+            </a:r>
+            <a:r>
+              <a:rPr lang="es-ES_tradnl" sz="1800" b="1" dirty="0"/>
+              <a:t> </a:t>
+            </a:r>
+            <a:r>
+              <a:rPr lang="es-ES_tradnl" sz="1800" b="1" dirty="0" err="1"/>
+              <a:t>database</a:t>
+            </a:r>
+            <a:endParaRPr lang="es-ES_tradnl" sz="1800" b="1" dirty="0"/>
+          </a:p>
+          <a:p>
+            <a:r>
+              <a:rPr lang="es-ES_tradnl" sz="1800" dirty="0" err="1"/>
+              <a:t>An</a:t>
+            </a:r>
+            <a:r>
+              <a:rPr lang="es-ES_tradnl" sz="1800" dirty="0"/>
+              <a:t> XML </a:t>
+            </a:r>
+            <a:r>
+              <a:rPr lang="es-ES_tradnl" sz="1800" dirty="0" err="1"/>
+              <a:t>database</a:t>
+            </a:r>
+            <a:endParaRPr lang="es-ES_tradnl" sz="1800" dirty="0"/>
+          </a:p>
+          <a:p>
+            <a:r>
+              <a:rPr lang="es-ES_tradnl" sz="1800" dirty="0" err="1"/>
+              <a:t>An</a:t>
+            </a:r>
+            <a:r>
+              <a:rPr lang="es-ES_tradnl" sz="1800" dirty="0"/>
+              <a:t> </a:t>
+            </a:r>
+            <a:r>
+              <a:rPr lang="es-ES_tradnl" sz="1800" dirty="0" err="1"/>
+              <a:t>object</a:t>
+            </a:r>
+            <a:r>
+              <a:rPr lang="es-ES_tradnl" sz="1800" dirty="0"/>
+              <a:t> </a:t>
+            </a:r>
+            <a:r>
+              <a:rPr lang="es-ES_tradnl" sz="1800" dirty="0" err="1"/>
+              <a:t>database</a:t>
+            </a:r>
+            <a:endParaRPr lang="es-ES_tradnl" sz="1800" dirty="0"/>
+          </a:p>
+          <a:p>
+            <a:r>
+              <a:rPr lang="es-ES_tradnl" sz="1800" dirty="0"/>
+              <a:t>A non-</a:t>
+            </a:r>
+            <a:r>
+              <a:rPr lang="es-ES_tradnl" sz="1800" dirty="0" err="1"/>
+              <a:t>relational</a:t>
+            </a:r>
+            <a:r>
+              <a:rPr lang="es-ES_tradnl" sz="1800" dirty="0"/>
+              <a:t> </a:t>
+            </a:r>
+            <a:r>
+              <a:rPr lang="es-ES_tradnl" sz="1800" dirty="0" err="1"/>
+              <a:t>database</a:t>
             </a:r>
             <a:endParaRPr sz="1800" dirty="0"/>
           </a:p>
@@ -16286,7 +16312,7 @@
     </p:spTree>
     <p:extLst>
       <p:ext uri="{BB962C8B-B14F-4D97-AF65-F5344CB8AC3E}">
-        <p14:creationId xmlns:p14="http://schemas.microsoft.com/office/powerpoint/2010/main" val="2243060493"/>
+        <p14:creationId xmlns:p14="http://schemas.microsoft.com/office/powerpoint/2010/main" val="3977327062"/>
       </p:ext>
     </p:extLst>
   </p:cSld>
@@ -16486,7 +16512,7 @@
           <a:lstStyle/>
           <a:p>
             <a:r>
-              <a:rPr lang="en-US" sz="1800" b="1" dirty="0"/>
+              <a:rPr lang="en-US" sz="1800" dirty="0"/>
               <a:t>Google Cloud Marketplace</a:t>
             </a:r>
           </a:p>
@@ -16514,7 +16540,7 @@
     </p:spTree>
     <p:extLst>
       <p:ext uri="{BB962C8B-B14F-4D97-AF65-F5344CB8AC3E}">
-        <p14:creationId xmlns:p14="http://schemas.microsoft.com/office/powerpoint/2010/main" val="1664529602"/>
+        <p14:creationId xmlns:p14="http://schemas.microsoft.com/office/powerpoint/2010/main" val="2243060493"/>
       </p:ext>
     </p:extLst>
   </p:cSld>
@@ -16532,7 +16558,7 @@
         <p:cNvPr id="1" name="">
           <a:extLst>
             <a:ext uri="{FF2B5EF4-FFF2-40B4-BE49-F238E27FC236}">
-              <a16:creationId xmlns:a16="http://schemas.microsoft.com/office/drawing/2014/main" id="{A2A229C1-AE03-396A-EFC4-C70F4657EC69}"/>
+              <a16:creationId xmlns:a16="http://schemas.microsoft.com/office/drawing/2014/main" id="{B445776A-5EAC-1587-A6C5-393C80635A6E}"/>
             </a:ext>
           </a:extLst>
         </p:cNvPr>
@@ -16552,7 +16578,7 @@
           <p:cNvPr id="2" name="Title 1">
             <a:extLst>
               <a:ext uri="{FF2B5EF4-FFF2-40B4-BE49-F238E27FC236}">
-                <a16:creationId xmlns:a16="http://schemas.microsoft.com/office/drawing/2014/main" id="{46A82276-B882-0871-1423-83D0811C3701}"/>
+                <a16:creationId xmlns:a16="http://schemas.microsoft.com/office/drawing/2014/main" id="{3095FD93-993B-3D36-C4EE-FCE12B66CABE}"/>
               </a:ext>
             </a:extLst>
           </p:cNvPr>
@@ -16572,11 +16598,11 @@
           <a:p>
             <a:r>
               <a:rPr dirty="0"/>
-              <a:t>76. </a:t>
+              <a:t>75. </a:t>
             </a:r>
             <a:r>
               <a:rPr lang="en-US" dirty="0"/>
-              <a:t>Which data type is highly organized and well-defined?</a:t>
+              <a:t>A solar energy company wants to analyze weather data to better understand the seasonal impact on their business. On which platform could they find free-to-use weather datasets?</a:t>
             </a:r>
             <a:endParaRPr dirty="0"/>
           </a:p>
@@ -16587,7 +16613,7 @@
           <p:cNvPr id="3" name="Content Placeholder 2">
             <a:extLst>
               <a:ext uri="{FF2B5EF4-FFF2-40B4-BE49-F238E27FC236}">
-                <a16:creationId xmlns:a16="http://schemas.microsoft.com/office/drawing/2014/main" id="{9A6CF68E-6AB7-3436-5CCA-52F5E2524C8A}"/>
+                <a16:creationId xmlns:a16="http://schemas.microsoft.com/office/drawing/2014/main" id="{DFDB9DA0-FA64-CDFA-FE14-A97A5A678CE5}"/>
               </a:ext>
             </a:extLst>
           </p:cNvPr>
@@ -16608,26 +16634,26 @@
           <a:lstStyle/>
           <a:p>
             <a:r>
+              <a:rPr lang="en-US" sz="1800" b="1" dirty="0"/>
+              <a:t>Google Cloud Marketplace</a:t>
+            </a:r>
+          </a:p>
+          <a:p>
+            <a:r>
               <a:rPr lang="en-US" sz="1800" dirty="0"/>
-              <a:t>Semi-structured data</a:t>
+              <a:t>App Engine</a:t>
             </a:r>
           </a:p>
           <a:p>
             <a:r>
               <a:rPr lang="en-US" sz="1800" dirty="0"/>
-              <a:t>Unstructured data</a:t>
+              <a:t>Google Cloud console</a:t>
             </a:r>
           </a:p>
           <a:p>
             <a:r>
               <a:rPr lang="en-US" sz="1800" dirty="0"/>
-              <a:t>Structured data</a:t>
-            </a:r>
-          </a:p>
-          <a:p>
-            <a:r>
-              <a:rPr lang="en-US" sz="1800" dirty="0"/>
-              <a:t>A hybrid of structured, semi-structured, and unstructured data</a:t>
+              <a:t>Google Play</a:t>
             </a:r>
             <a:endParaRPr sz="1800" dirty="0"/>
           </a:p>
@@ -16636,7 +16662,7 @@
     </p:spTree>
     <p:extLst>
       <p:ext uri="{BB962C8B-B14F-4D97-AF65-F5344CB8AC3E}">
-        <p14:creationId xmlns:p14="http://schemas.microsoft.com/office/powerpoint/2010/main" val="868148937"/>
+        <p14:creationId xmlns:p14="http://schemas.microsoft.com/office/powerpoint/2010/main" val="1664529602"/>
       </p:ext>
     </p:extLst>
   </p:cSld>
@@ -16742,7 +16768,7 @@
           </a:p>
           <a:p>
             <a:r>
-              <a:rPr lang="en-US" sz="1800" b="1" dirty="0"/>
+              <a:rPr lang="en-US" sz="1800" dirty="0"/>
               <a:t>Structured data</a:t>
             </a:r>
           </a:p>
@@ -16758,7 +16784,7 @@
     </p:spTree>
     <p:extLst>
       <p:ext uri="{BB962C8B-B14F-4D97-AF65-F5344CB8AC3E}">
-        <p14:creationId xmlns:p14="http://schemas.microsoft.com/office/powerpoint/2010/main" val="2798022699"/>
+        <p14:creationId xmlns:p14="http://schemas.microsoft.com/office/powerpoint/2010/main" val="868148937"/>
       </p:ext>
     </p:extLst>
   </p:cSld>
@@ -16776,7 +16802,7 @@
         <p:cNvPr id="1" name="">
           <a:extLst>
             <a:ext uri="{FF2B5EF4-FFF2-40B4-BE49-F238E27FC236}">
-              <a16:creationId xmlns:a16="http://schemas.microsoft.com/office/drawing/2014/main" id="{BDFA8C52-6ACA-5B06-87A3-C5D48A7D07C4}"/>
+              <a16:creationId xmlns:a16="http://schemas.microsoft.com/office/drawing/2014/main" id="{A2A229C1-AE03-396A-EFC4-C70F4657EC69}"/>
             </a:ext>
           </a:extLst>
         </p:cNvPr>
@@ -16796,7 +16822,7 @@
           <p:cNvPr id="2" name="Title 1">
             <a:extLst>
               <a:ext uri="{FF2B5EF4-FFF2-40B4-BE49-F238E27FC236}">
-                <a16:creationId xmlns:a16="http://schemas.microsoft.com/office/drawing/2014/main" id="{1F1C788A-47E4-E11D-85E0-731C75960702}"/>
+                <a16:creationId xmlns:a16="http://schemas.microsoft.com/office/drawing/2014/main" id="{46A82276-B882-0871-1423-83D0811C3701}"/>
               </a:ext>
             </a:extLst>
           </p:cNvPr>
@@ -16820,7 +16846,7 @@
             </a:r>
             <a:r>
               <a:rPr lang="en-US" dirty="0"/>
-              <a:t>What is Google Cloud’s modern and serverless data warehousing solution?</a:t>
+              <a:t>Which data type is highly organized and well-defined?</a:t>
             </a:r>
             <a:endParaRPr dirty="0"/>
           </a:p>
@@ -16831,7 +16857,7 @@
           <p:cNvPr id="3" name="Content Placeholder 2">
             <a:extLst>
               <a:ext uri="{FF2B5EF4-FFF2-40B4-BE49-F238E27FC236}">
-                <a16:creationId xmlns:a16="http://schemas.microsoft.com/office/drawing/2014/main" id="{2557C43C-3D41-0309-2433-DE85071154D9}"/>
+                <a16:creationId xmlns:a16="http://schemas.microsoft.com/office/drawing/2014/main" id="{9A6CF68E-6AB7-3436-5CCA-52F5E2524C8A}"/>
               </a:ext>
             </a:extLst>
           </p:cNvPr>
@@ -16851,31 +16877,27 @@
           </a:bodyPr>
           <a:lstStyle/>
           <a:p>
-            <a:endParaRPr lang="en-US" sz="1800" dirty="0"/>
-          </a:p>
-          <a:p>
             <a:r>
               <a:rPr lang="en-US" sz="1800" dirty="0"/>
-              <a:t>Cloud Storage</a:t>
+              <a:t>Semi-structured data</a:t>
             </a:r>
           </a:p>
           <a:p>
             <a:r>
               <a:rPr lang="en-US" sz="1800" dirty="0"/>
-              <a:t>Compute Engine</a:t>
-            </a:r>
-          </a:p>
-          <a:p>
-            <a:r>
-              <a:rPr lang="en-US" sz="1800" dirty="0" err="1"/>
-              <a:t>BigQuery</a:t>
-            </a:r>
-            <a:endParaRPr lang="en-US" sz="1800" dirty="0"/>
+              <a:t>Unstructured data</a:t>
+            </a:r>
+          </a:p>
+          <a:p>
+            <a:r>
+              <a:rPr lang="en-US" sz="1800" b="1" dirty="0"/>
+              <a:t>Structured data</a:t>
+            </a:r>
           </a:p>
           <a:p>
             <a:r>
               <a:rPr lang="en-US" sz="1800" dirty="0"/>
-              <a:t>Vertex AI</a:t>
+              <a:t>A hybrid of structured, semi-structured, and unstructured data</a:t>
             </a:r>
             <a:endParaRPr sz="1800" dirty="0"/>
           </a:p>
@@ -16884,7 +16906,7 @@
     </p:spTree>
     <p:extLst>
       <p:ext uri="{BB962C8B-B14F-4D97-AF65-F5344CB8AC3E}">
-        <p14:creationId xmlns:p14="http://schemas.microsoft.com/office/powerpoint/2010/main" val="2682044914"/>
+        <p14:creationId xmlns:p14="http://schemas.microsoft.com/office/powerpoint/2010/main" val="2798022699"/>
       </p:ext>
     </p:extLst>
   </p:cSld>
@@ -16942,11 +16964,11 @@
           <a:p>
             <a:r>
               <a:rPr dirty="0"/>
-              <a:t>76. </a:t>
+              <a:t>77. </a:t>
             </a:r>
             <a:r>
               <a:rPr lang="en-US" dirty="0"/>
-              <a:t>What is Google Cloud’s modern and serverless data warehousing solution?</a:t>
+              <a:t>Which is a repository designed to ingest, store, explore, process, and analyze any type or volume of raw data, regardless of the source?</a:t>
             </a:r>
             <a:endParaRPr dirty="0"/>
           </a:p>
@@ -16977,31 +16999,41 @@
           </a:bodyPr>
           <a:lstStyle/>
           <a:p>
-            <a:endParaRPr lang="en-US" sz="1800" dirty="0"/>
-          </a:p>
-          <a:p>
-            <a:r>
-              <a:rPr lang="en-US" sz="1800" dirty="0"/>
-              <a:t>Cloud Storage</a:t>
-            </a:r>
-          </a:p>
-          <a:p>
-            <a:r>
-              <a:rPr lang="en-US" sz="1800" dirty="0"/>
-              <a:t>Compute Engine</a:t>
-            </a:r>
-          </a:p>
-          <a:p>
-            <a:r>
-              <a:rPr lang="en-US" sz="1800" b="1" dirty="0" err="1"/>
-              <a:t>BigQuery</a:t>
-            </a:r>
-            <a:endParaRPr lang="en-US" sz="1800" b="1" dirty="0"/>
-          </a:p>
-          <a:p>
-            <a:r>
-              <a:rPr lang="en-US" sz="1800" dirty="0"/>
-              <a:t>Vertex AI</a:t>
+            <a:r>
+              <a:rPr lang="it-IT" sz="1800" dirty="0"/>
+              <a:t>Data </a:t>
+            </a:r>
+            <a:r>
+              <a:rPr lang="it-IT" sz="1800" dirty="0" err="1"/>
+              <a:t>lake</a:t>
+            </a:r>
+            <a:endParaRPr lang="it-IT" sz="1800" dirty="0"/>
+          </a:p>
+          <a:p>
+            <a:r>
+              <a:rPr lang="it-IT" sz="1800" dirty="0"/>
+              <a:t>Data </a:t>
+            </a:r>
+            <a:r>
+              <a:rPr lang="it-IT" sz="1800" dirty="0" err="1"/>
+              <a:t>warehouse</a:t>
+            </a:r>
+            <a:endParaRPr lang="it-IT" sz="1800" dirty="0"/>
+          </a:p>
+          <a:p>
+            <a:r>
+              <a:rPr lang="it-IT" sz="1800" dirty="0"/>
+              <a:t>Database</a:t>
+            </a:r>
+          </a:p>
+          <a:p>
+            <a:r>
+              <a:rPr lang="it-IT" sz="1800" dirty="0"/>
+              <a:t>Data </a:t>
+            </a:r>
+            <a:r>
+              <a:rPr lang="it-IT" sz="1800" dirty="0" err="1"/>
+              <a:t>archive</a:t>
             </a:r>
             <a:endParaRPr sz="1800" dirty="0"/>
           </a:p>
@@ -17010,7 +17042,7 @@
     </p:spTree>
     <p:extLst>
       <p:ext uri="{BB962C8B-B14F-4D97-AF65-F5344CB8AC3E}">
-        <p14:creationId xmlns:p14="http://schemas.microsoft.com/office/powerpoint/2010/main" val="3886846341"/>
+        <p14:creationId xmlns:p14="http://schemas.microsoft.com/office/powerpoint/2010/main" val="3260656862"/>
       </p:ext>
     </p:extLst>
   </p:cSld>
@@ -17104,14 +17136,14 @@
           <a:lstStyle/>
           <a:p>
             <a:r>
-              <a:rPr lang="it-IT" sz="1800" dirty="0"/>
+              <a:rPr lang="it-IT" sz="1800" b="1" dirty="0"/>
               <a:t>Data </a:t>
             </a:r>
             <a:r>
-              <a:rPr lang="it-IT" sz="1800" dirty="0" err="1"/>
+              <a:rPr lang="it-IT" sz="1800" b="1" dirty="0" err="1"/>
               <a:t>lake</a:t>
             </a:r>
-            <a:endParaRPr lang="it-IT" sz="1800" dirty="0"/>
+            <a:endParaRPr lang="it-IT" sz="1800" b="1" dirty="0"/>
           </a:p>
           <a:p>
             <a:r>
@@ -17146,7 +17178,7 @@
     </p:spTree>
     <p:extLst>
       <p:ext uri="{BB962C8B-B14F-4D97-AF65-F5344CB8AC3E}">
-        <p14:creationId xmlns:p14="http://schemas.microsoft.com/office/powerpoint/2010/main" val="3260656862"/>
+        <p14:creationId xmlns:p14="http://schemas.microsoft.com/office/powerpoint/2010/main" val="1295868588"/>
       </p:ext>
     </p:extLst>
   </p:cSld>
@@ -17204,11 +17236,11 @@
           <a:p>
             <a:r>
               <a:rPr dirty="0"/>
-              <a:t>77. </a:t>
+              <a:t>78. </a:t>
             </a:r>
             <a:r>
               <a:rPr lang="en-US" dirty="0"/>
-              <a:t>Which is a repository designed to ingest, store, explore, process, and analyze any type or volume of raw data, regardless of the source?</a:t>
+              <a:t>An online retailer uses a smart analytics tool to ingest real-time customer behavior data to surface the best suggestions for particular users. How can machine learning guide this activity?</a:t>
             </a:r>
             <a:endParaRPr dirty="0"/>
           </a:p>
@@ -17240,40 +17272,26 @@
           <a:lstStyle/>
           <a:p>
             <a:r>
-              <a:rPr lang="it-IT" sz="1800" b="1" dirty="0"/>
-              <a:t>Data </a:t>
-            </a:r>
-            <a:r>
-              <a:rPr lang="it-IT" sz="1800" b="1" dirty="0" err="1"/>
-              <a:t>lake</a:t>
-            </a:r>
-            <a:endParaRPr lang="it-IT" sz="1800" b="1" dirty="0"/>
-          </a:p>
-          <a:p>
-            <a:r>
-              <a:rPr lang="it-IT" sz="1800" dirty="0"/>
-              <a:t>Data </a:t>
-            </a:r>
-            <a:r>
-              <a:rPr lang="it-IT" sz="1800" dirty="0" err="1"/>
-              <a:t>warehouse</a:t>
-            </a:r>
-            <a:endParaRPr lang="it-IT" sz="1800" dirty="0"/>
-          </a:p>
-          <a:p>
-            <a:r>
-              <a:rPr lang="it-IT" sz="1800" dirty="0"/>
-              <a:t>Database</a:t>
-            </a:r>
-          </a:p>
-          <a:p>
-            <a:r>
-              <a:rPr lang="it-IT" sz="1800" dirty="0"/>
-              <a:t>Data </a:t>
-            </a:r>
-            <a:r>
-              <a:rPr lang="it-IT" sz="1800" dirty="0" err="1"/>
-              <a:t>archive</a:t>
+              <a:rPr lang="en-US" sz="1800" dirty="0"/>
+              <a:t>Through machine learning, with every click that the user makes, their website experience becomes increasingly personalized.</a:t>
+            </a:r>
+          </a:p>
+          <a:p>
+            <a:r>
+              <a:rPr lang="en-US" sz="1800" dirty="0"/>
+              <a:t>Machine learning can be used to make all users see the same product recommendations, regardless of their preferences or behavior.</a:t>
+            </a:r>
+          </a:p>
+          <a:p>
+            <a:r>
+              <a:rPr lang="en-US" sz="1800" dirty="0"/>
+              <a:t>Machine learning can help identify user behavior in real time, but cannot make personalized suggestions based on the data.</a:t>
+            </a:r>
+          </a:p>
+          <a:p>
+            <a:r>
+              <a:rPr lang="en-US" sz="1800" dirty="0"/>
+              <a:t>Through machine learning, a user’s credit card transactions can be analyzed to determine regular purchases.</a:t>
             </a:r>
             <a:endParaRPr sz="1800" dirty="0"/>
           </a:p>
@@ -17282,7 +17300,7 @@
     </p:spTree>
     <p:extLst>
       <p:ext uri="{BB962C8B-B14F-4D97-AF65-F5344CB8AC3E}">
-        <p14:creationId xmlns:p14="http://schemas.microsoft.com/office/powerpoint/2010/main" val="1295868588"/>
+        <p14:creationId xmlns:p14="http://schemas.microsoft.com/office/powerpoint/2010/main" val="3170845615"/>
       </p:ext>
     </p:extLst>
   </p:cSld>
@@ -17376,7 +17394,7 @@
           <a:lstStyle/>
           <a:p>
             <a:r>
-              <a:rPr lang="en-US" sz="1800" dirty="0"/>
+              <a:rPr lang="en-US" sz="1800" b="1" dirty="0"/>
               <a:t>Through machine learning, with every click that the user makes, their website experience becomes increasingly personalized.</a:t>
             </a:r>
           </a:p>
@@ -17404,7 +17422,7 @@
     </p:spTree>
     <p:extLst>
       <p:ext uri="{BB962C8B-B14F-4D97-AF65-F5344CB8AC3E}">
-        <p14:creationId xmlns:p14="http://schemas.microsoft.com/office/powerpoint/2010/main" val="3170845615"/>
+        <p14:creationId xmlns:p14="http://schemas.microsoft.com/office/powerpoint/2010/main" val="2942865144"/>
       </p:ext>
     </p:extLst>
   </p:cSld>
@@ -17462,11 +17480,11 @@
           <a:p>
             <a:r>
               <a:rPr dirty="0"/>
-              <a:t>78. </a:t>
+              <a:t>79. </a:t>
             </a:r>
             <a:r>
               <a:rPr lang="en-US" dirty="0"/>
-              <a:t>An online retailer uses a smart analytics tool to ingest real-time customer behavior data to surface the best suggestions for particular users. How can machine learning guide this activity?</a:t>
+              <a:t>Which step in the data value chain is where collected raw data is transformed into a form that’s ready to derive insights from?</a:t>
             </a:r>
             <a:endParaRPr dirty="0"/>
           </a:p>
@@ -17498,26 +17516,35 @@
           <a:lstStyle/>
           <a:p>
             <a:r>
-              <a:rPr lang="en-US" sz="1800" b="1" dirty="0"/>
-              <a:t>Through machine learning, with every click that the user makes, their website experience becomes increasingly personalized.</a:t>
-            </a:r>
-          </a:p>
-          <a:p>
-            <a:r>
-              <a:rPr lang="en-US" sz="1800" dirty="0"/>
-              <a:t>Machine learning can be used to make all users see the same product recommendations, regardless of their preferences or behavior.</a:t>
-            </a:r>
-          </a:p>
-          <a:p>
-            <a:r>
-              <a:rPr lang="en-US" sz="1800" dirty="0"/>
-              <a:t>Machine learning can help identify user behavior in real time, but cannot make personalized suggestions based on the data.</a:t>
-            </a:r>
-          </a:p>
-          <a:p>
-            <a:r>
-              <a:rPr lang="en-US" sz="1800" dirty="0"/>
-              <a:t>Through machine learning, a user’s credit card transactions can be analyzed to determine regular purchases.</a:t>
+              <a:rPr lang="it-IT" sz="1800" dirty="0"/>
+              <a:t>Data </a:t>
+            </a:r>
+            <a:r>
+              <a:rPr lang="it-IT" sz="1800" dirty="0" err="1"/>
+              <a:t>analysis</a:t>
+            </a:r>
+            <a:endParaRPr lang="it-IT" sz="1800" dirty="0"/>
+          </a:p>
+          <a:p>
+            <a:r>
+              <a:rPr lang="it-IT" sz="1800" dirty="0"/>
+              <a:t>Data processing</a:t>
+            </a:r>
+          </a:p>
+          <a:p>
+            <a:r>
+              <a:rPr lang="it-IT" sz="1800" dirty="0"/>
+              <a:t>Data storage</a:t>
+            </a:r>
+          </a:p>
+          <a:p>
+            <a:r>
+              <a:rPr lang="it-IT" sz="1800" dirty="0"/>
+              <a:t>Data </a:t>
+            </a:r>
+            <a:r>
+              <a:rPr lang="it-IT" sz="1800" dirty="0" err="1"/>
+              <a:t>genesis</a:t>
             </a:r>
             <a:endParaRPr sz="1800" dirty="0"/>
           </a:p>
@@ -17526,7 +17553,7 @@
     </p:spTree>
     <p:extLst>
       <p:ext uri="{BB962C8B-B14F-4D97-AF65-F5344CB8AC3E}">
-        <p14:creationId xmlns:p14="http://schemas.microsoft.com/office/powerpoint/2010/main" val="2942865144"/>
+        <p14:creationId xmlns:p14="http://schemas.microsoft.com/office/powerpoint/2010/main" val="2778133281"/>
       </p:ext>
     </p:extLst>
   </p:cSld>
@@ -17631,7 +17658,7 @@
           </a:p>
           <a:p>
             <a:r>
-              <a:rPr lang="it-IT" sz="1800" dirty="0"/>
+              <a:rPr lang="it-IT" sz="1800" b="1" dirty="0"/>
               <a:t>Data processing</a:t>
             </a:r>
           </a:p>
@@ -17657,7 +17684,7 @@
     </p:spTree>
     <p:extLst>
       <p:ext uri="{BB962C8B-B14F-4D97-AF65-F5344CB8AC3E}">
-        <p14:creationId xmlns:p14="http://schemas.microsoft.com/office/powerpoint/2010/main" val="2778133281"/>
+        <p14:creationId xmlns:p14="http://schemas.microsoft.com/office/powerpoint/2010/main" val="2653514411"/>
       </p:ext>
     </p:extLst>
   </p:cSld>
@@ -17808,11 +17835,11 @@
           <a:p>
             <a:r>
               <a:rPr dirty="0"/>
-              <a:t>79. </a:t>
+              <a:t>80. </a:t>
             </a:r>
             <a:r>
               <a:rPr lang="en-US" dirty="0"/>
-              <a:t>Which step in the data value chain is where collected raw data is transformed into a form that’s ready to derive insights from?</a:t>
+              <a:t>New cloud tools make it possible to harness the potential of unstructured data. Which of these use cases best demonstrates this?</a:t>
             </a:r>
             <a:endParaRPr dirty="0"/>
           </a:p>
@@ -17843,36 +17870,30 @@
           </a:bodyPr>
           <a:lstStyle/>
           <a:p>
-            <a:r>
-              <a:rPr lang="it-IT" sz="1800" dirty="0"/>
-              <a:t>Data </a:t>
-            </a:r>
-            <a:r>
-              <a:rPr lang="it-IT" sz="1800" dirty="0" err="1"/>
-              <a:t>analysis</a:t>
-            </a:r>
-            <a:endParaRPr lang="it-IT" sz="1800" dirty="0"/>
-          </a:p>
-          <a:p>
-            <a:r>
-              <a:rPr lang="it-IT" sz="1800" b="1" dirty="0"/>
-              <a:t>Data processing</a:t>
-            </a:r>
-          </a:p>
-          <a:p>
-            <a:r>
-              <a:rPr lang="it-IT" sz="1800" dirty="0"/>
-              <a:t>Data storage</a:t>
-            </a:r>
-          </a:p>
-          <a:p>
-            <a:r>
-              <a:rPr lang="it-IT" sz="1800" dirty="0"/>
-              <a:t>Data </a:t>
-            </a:r>
-            <a:r>
-              <a:rPr lang="it-IT" sz="1800" dirty="0" err="1"/>
-              <a:t>genesis</a:t>
+            <a:endParaRPr lang="en-US" sz="1800" dirty="0"/>
+          </a:p>
+          <a:p>
+            <a:r>
+              <a:rPr lang="en-US" sz="1800" dirty="0"/>
+              <a:t>Using GPS coordinates to power a ride-sharing app</a:t>
+            </a:r>
+          </a:p>
+          <a:p>
+            <a:r>
+              <a:rPr lang="en-US" sz="1800" dirty="0"/>
+              <a:t>Analyzing historical sales figures to predict future trends</a:t>
+            </a:r>
+          </a:p>
+          <a:p>
+            <a:r>
+              <a:rPr lang="en-US" sz="1800" dirty="0"/>
+              <a:t>Creating visualizations from seasonal weather data</a:t>
+            </a:r>
+          </a:p>
+          <a:p>
+            <a:r>
+              <a:rPr lang="en-US" sz="1800" dirty="0"/>
+              <a:t>Analyzing social media posts to identify sentiment toward a brand</a:t>
             </a:r>
             <a:endParaRPr sz="1800" dirty="0"/>
           </a:p>
@@ -17881,7 +17902,7 @@
     </p:spTree>
     <p:extLst>
       <p:ext uri="{BB962C8B-B14F-4D97-AF65-F5344CB8AC3E}">
-        <p14:creationId xmlns:p14="http://schemas.microsoft.com/office/powerpoint/2010/main" val="2653514411"/>
+        <p14:creationId xmlns:p14="http://schemas.microsoft.com/office/powerpoint/2010/main" val="1732802236"/>
       </p:ext>
     </p:extLst>
   </p:cSld>
@@ -17996,17 +18017,17 @@
           </a:p>
           <a:p>
             <a:r>
-              <a:rPr lang="en-US" sz="1800" dirty="0"/>
+              <a:rPr lang="en-US" sz="1800" b="1" dirty="0"/>
               <a:t>Analyzing social media posts to identify sentiment toward a brand</a:t>
             </a:r>
-            <a:endParaRPr sz="1800" dirty="0"/>
+            <a:endParaRPr sz="1800" b="1" dirty="0"/>
           </a:p>
         </p:txBody>
       </p:sp>
     </p:spTree>
     <p:extLst>
       <p:ext uri="{BB962C8B-B14F-4D97-AF65-F5344CB8AC3E}">
-        <p14:creationId xmlns:p14="http://schemas.microsoft.com/office/powerpoint/2010/main" val="1732802236"/>
+        <p14:creationId xmlns:p14="http://schemas.microsoft.com/office/powerpoint/2010/main" val="2022214579"/>
       </p:ext>
     </p:extLst>
   </p:cSld>
@@ -18064,11 +18085,11 @@
           <a:p>
             <a:r>
               <a:rPr dirty="0"/>
-              <a:t>80. </a:t>
+              <a:t>81. </a:t>
             </a:r>
             <a:r>
               <a:rPr lang="en-US" dirty="0"/>
-              <a:t>New cloud tools make it possible to harness the potential of unstructured data. Which of these use cases best demonstrates this?</a:t>
+              <a:t>Which represents the proprietary customer datasets that a business collects from customer or audience transactions and interactions?</a:t>
             </a:r>
             <a:endParaRPr dirty="0"/>
           </a:p>
@@ -18104,34 +18125,28 @@
           <a:p>
             <a:r>
               <a:rPr lang="en-US" sz="1800" dirty="0"/>
-              <a:t>Using GPS coordinates to power a ride-sharing app</a:t>
+              <a:t>Second-party data</a:t>
             </a:r>
           </a:p>
           <a:p>
             <a:r>
               <a:rPr lang="en-US" sz="1800" dirty="0"/>
-              <a:t>Analyzing historical sales figures to predict future trends</a:t>
+              <a:t>Third-party data</a:t>
             </a:r>
           </a:p>
           <a:p>
             <a:r>
               <a:rPr lang="en-US" sz="1800" dirty="0"/>
-              <a:t>Creating visualizations from seasonal weather data</a:t>
-            </a:r>
-          </a:p>
-          <a:p>
-            <a:r>
-              <a:rPr lang="en-US" sz="1800" b="1" dirty="0"/>
-              <a:t>Analyzing social media posts to identify sentiment toward a brand</a:t>
-            </a:r>
-            <a:endParaRPr sz="1800" b="1" dirty="0"/>
+              <a:t>First-party data</a:t>
+            </a:r>
+            <a:endParaRPr sz="1800" dirty="0"/>
           </a:p>
         </p:txBody>
       </p:sp>
     </p:spTree>
     <p:extLst>
       <p:ext uri="{BB962C8B-B14F-4D97-AF65-F5344CB8AC3E}">
-        <p14:creationId xmlns:p14="http://schemas.microsoft.com/office/powerpoint/2010/main" val="2022214579"/>
+        <p14:creationId xmlns:p14="http://schemas.microsoft.com/office/powerpoint/2010/main" val="3833961283"/>
       </p:ext>
     </p:extLst>
   </p:cSld>
@@ -18240,17 +18255,17 @@
           </a:p>
           <a:p>
             <a:r>
-              <a:rPr lang="en-US" sz="1800" dirty="0"/>
+              <a:rPr lang="en-US" sz="1800" b="1" dirty="0"/>
               <a:t>First-party data</a:t>
             </a:r>
-            <a:endParaRPr sz="1800" dirty="0"/>
+            <a:endParaRPr sz="1800" b="1" dirty="0"/>
           </a:p>
         </p:txBody>
       </p:sp>
     </p:spTree>
     <p:extLst>
       <p:ext uri="{BB962C8B-B14F-4D97-AF65-F5344CB8AC3E}">
-        <p14:creationId xmlns:p14="http://schemas.microsoft.com/office/powerpoint/2010/main" val="3833961283"/>
+        <p14:creationId xmlns:p14="http://schemas.microsoft.com/office/powerpoint/2010/main" val="1321967190"/>
       </p:ext>
     </p:extLst>
   </p:cSld>
@@ -18308,11 +18323,11 @@
           <a:p>
             <a:r>
               <a:rPr dirty="0"/>
-              <a:t>81. </a:t>
+              <a:t>82. </a:t>
             </a:r>
             <a:r>
               <a:rPr lang="en-US" dirty="0"/>
-              <a:t>Which represents the proprietary customer datasets that a business collects from customer or audience transactions and interactions?</a:t>
+              <a:t>Which characteristic is true for all Cloud Storage classes?</a:t>
             </a:r>
             <a:endParaRPr dirty="0"/>
           </a:p>
@@ -18348,28 +18363,34 @@
           <a:p>
             <a:r>
               <a:rPr lang="en-US" sz="1800" dirty="0"/>
-              <a:t>Second-party data</a:t>
+              <a:t>Accessibility only within one region</a:t>
             </a:r>
           </a:p>
           <a:p>
             <a:r>
               <a:rPr lang="en-US" sz="1800" dirty="0"/>
-              <a:t>Third-party data</a:t>
-            </a:r>
-          </a:p>
-          <a:p>
-            <a:r>
-              <a:rPr lang="en-US" sz="1800" b="1" dirty="0"/>
-              <a:t>First-party data</a:t>
-            </a:r>
-            <a:endParaRPr sz="1800" b="1" dirty="0"/>
+              <a:t>Geo-redundancy if data is stored in a multi-region or dual-region</a:t>
+            </a:r>
+          </a:p>
+          <a:p>
+            <a:r>
+              <a:rPr lang="en-US" sz="1800" dirty="0"/>
+              <a:t>Maximum storage limits</a:t>
+            </a:r>
+          </a:p>
+          <a:p>
+            <a:r>
+              <a:rPr lang="en-US" sz="1800" dirty="0"/>
+              <a:t>High latency and low durability</a:t>
+            </a:r>
+            <a:endParaRPr sz="1800" dirty="0"/>
           </a:p>
         </p:txBody>
       </p:sp>
     </p:spTree>
     <p:extLst>
       <p:ext uri="{BB962C8B-B14F-4D97-AF65-F5344CB8AC3E}">
-        <p14:creationId xmlns:p14="http://schemas.microsoft.com/office/powerpoint/2010/main" val="1321967190"/>
+        <p14:creationId xmlns:p14="http://schemas.microsoft.com/office/powerpoint/2010/main" val="918954964"/>
       </p:ext>
     </p:extLst>
   </p:cSld>
@@ -18472,7 +18493,7 @@
           </a:p>
           <a:p>
             <a:r>
-              <a:rPr lang="en-US" sz="1800" dirty="0"/>
+              <a:rPr lang="en-US" sz="1800" b="1" dirty="0"/>
               <a:t>Geo-redundancy if data is stored in a multi-region or dual-region</a:t>
             </a:r>
           </a:p>
@@ -18494,7 +18515,7 @@
     </p:spTree>
     <p:extLst>
       <p:ext uri="{BB962C8B-B14F-4D97-AF65-F5344CB8AC3E}">
-        <p14:creationId xmlns:p14="http://schemas.microsoft.com/office/powerpoint/2010/main" val="918954964"/>
+        <p14:creationId xmlns:p14="http://schemas.microsoft.com/office/powerpoint/2010/main" val="1613894959"/>
       </p:ext>
     </p:extLst>
   </p:cSld>
@@ -18552,11 +18573,11 @@
           <a:p>
             <a:r>
               <a:rPr dirty="0"/>
-              <a:t>82. </a:t>
+              <a:t>83. </a:t>
             </a:r>
             <a:r>
               <a:rPr lang="en-US" dirty="0"/>
-              <a:t>Which characteristic is true for all Cloud Storage classes?</a:t>
+              <a:t>What are the two services that BigQuery provides?</a:t>
             </a:r>
             <a:endParaRPr dirty="0"/>
           </a:p>
@@ -18592,25 +18613,25 @@
           <a:p>
             <a:r>
               <a:rPr lang="en-US" sz="1800" dirty="0"/>
-              <a:t>Accessibility only within one region</a:t>
-            </a:r>
-          </a:p>
-          <a:p>
-            <a:r>
-              <a:rPr lang="en-US" sz="1800" b="1" dirty="0"/>
-              <a:t>Geo-redundancy if data is stored in a multi-region or dual-region</a:t>
+              <a:t>Storage and analytics</a:t>
             </a:r>
           </a:p>
           <a:p>
             <a:r>
               <a:rPr lang="en-US" sz="1800" dirty="0"/>
-              <a:t>Maximum storage limits</a:t>
+              <a:t>Compute and analytics</a:t>
             </a:r>
           </a:p>
           <a:p>
             <a:r>
               <a:rPr lang="en-US" sz="1800" dirty="0"/>
-              <a:t>High latency and low durability</a:t>
+              <a:t>Migration and analytics</a:t>
+            </a:r>
+          </a:p>
+          <a:p>
+            <a:r>
+              <a:rPr lang="en-US" sz="1800" dirty="0"/>
+              <a:t>Networking and storage</a:t>
             </a:r>
             <a:endParaRPr sz="1800" dirty="0"/>
           </a:p>
@@ -18619,7 +18640,7 @@
     </p:spTree>
     <p:extLst>
       <p:ext uri="{BB962C8B-B14F-4D97-AF65-F5344CB8AC3E}">
-        <p14:creationId xmlns:p14="http://schemas.microsoft.com/office/powerpoint/2010/main" val="1613894959"/>
+        <p14:creationId xmlns:p14="http://schemas.microsoft.com/office/powerpoint/2010/main" val="568693033"/>
       </p:ext>
     </p:extLst>
   </p:cSld>
@@ -18716,7 +18737,7 @@
           </a:p>
           <a:p>
             <a:r>
-              <a:rPr lang="en-US" sz="1800" dirty="0"/>
+              <a:rPr lang="en-US" sz="1800" b="1" dirty="0"/>
               <a:t>Storage and analytics</a:t>
             </a:r>
           </a:p>
@@ -18744,7 +18765,7 @@
     </p:spTree>
     <p:extLst>
       <p:ext uri="{BB962C8B-B14F-4D97-AF65-F5344CB8AC3E}">
-        <p14:creationId xmlns:p14="http://schemas.microsoft.com/office/powerpoint/2010/main" val="568693033"/>
+        <p14:creationId xmlns:p14="http://schemas.microsoft.com/office/powerpoint/2010/main" val="71636248"/>
       </p:ext>
     </p:extLst>
   </p:cSld>
@@ -18802,11 +18823,11 @@
           <a:p>
             <a:r>
               <a:rPr dirty="0"/>
-              <a:t>83. </a:t>
+              <a:t>84. </a:t>
             </a:r>
             <a:r>
               <a:rPr lang="en-US" dirty="0"/>
-              <a:t>What are the two services that BigQuery provides?</a:t>
+              <a:t>Which Google Cloud product can be used to synchronize data across databases, storage systems, and applications?</a:t>
             </a:r>
             <a:endParaRPr dirty="0"/>
           </a:p>
@@ -18837,30 +18858,32 @@
           </a:bodyPr>
           <a:lstStyle/>
           <a:p>
-            <a:endParaRPr lang="en-US" sz="1800" dirty="0"/>
-          </a:p>
-          <a:p>
-            <a:r>
-              <a:rPr lang="en-US" sz="1800" b="1" dirty="0"/>
-              <a:t>Storage and analytics</a:t>
-            </a:r>
-          </a:p>
-          <a:p>
-            <a:r>
-              <a:rPr lang="en-US" sz="1800" dirty="0"/>
-              <a:t>Compute and analytics</a:t>
-            </a:r>
-          </a:p>
-          <a:p>
-            <a:r>
-              <a:rPr lang="en-US" sz="1800" dirty="0"/>
-              <a:t>Migration and analytics</a:t>
-            </a:r>
-          </a:p>
-          <a:p>
-            <a:r>
-              <a:rPr lang="en-US" sz="1800" dirty="0"/>
-              <a:t>Networking and storage</a:t>
+            <a:endParaRPr lang="es-ES_tradnl" sz="1800" dirty="0"/>
+          </a:p>
+          <a:p>
+            <a:r>
+              <a:rPr lang="es-ES_tradnl" sz="1800" dirty="0" err="1"/>
+              <a:t>Dataprep</a:t>
+            </a:r>
+            <a:endParaRPr lang="es-ES_tradnl" sz="1800" dirty="0"/>
+          </a:p>
+          <a:p>
+            <a:r>
+              <a:rPr lang="es-ES_tradnl" sz="1800" dirty="0" err="1"/>
+              <a:t>Datastream</a:t>
+            </a:r>
+            <a:endParaRPr lang="es-ES_tradnl" sz="1800" dirty="0"/>
+          </a:p>
+          <a:p>
+            <a:r>
+              <a:rPr lang="es-ES_tradnl" sz="1800" dirty="0"/>
+              <a:t>Pub/Sub</a:t>
+            </a:r>
+          </a:p>
+          <a:p>
+            <a:r>
+              <a:rPr lang="es-ES_tradnl" sz="1800" dirty="0" err="1"/>
+              <a:t>Dataproc</a:t>
             </a:r>
             <a:endParaRPr sz="1800" dirty="0"/>
           </a:p>
@@ -18869,7 +18892,7 @@
     </p:spTree>
     <p:extLst>
       <p:ext uri="{BB962C8B-B14F-4D97-AF65-F5344CB8AC3E}">
-        <p14:creationId xmlns:p14="http://schemas.microsoft.com/office/powerpoint/2010/main" val="71636248"/>
+        <p14:creationId xmlns:p14="http://schemas.microsoft.com/office/powerpoint/2010/main" val="1676708859"/>
       </p:ext>
     </p:extLst>
   </p:cSld>
@@ -18973,10 +18996,10 @@
           </a:p>
           <a:p>
             <a:r>
-              <a:rPr lang="es-ES_tradnl" sz="1800" dirty="0" err="1"/>
+              <a:rPr lang="es-ES_tradnl" sz="1800" b="1" dirty="0" err="1"/>
               <a:t>Datastream</a:t>
             </a:r>
-            <a:endParaRPr lang="es-ES_tradnl" sz="1800" dirty="0"/>
+            <a:endParaRPr lang="es-ES_tradnl" sz="1800" b="1" dirty="0"/>
           </a:p>
           <a:p>
             <a:r>
@@ -18996,7 +19019,7 @@
     </p:spTree>
     <p:extLst>
       <p:ext uri="{BB962C8B-B14F-4D97-AF65-F5344CB8AC3E}">
-        <p14:creationId xmlns:p14="http://schemas.microsoft.com/office/powerpoint/2010/main" val="1676708859"/>
+        <p14:creationId xmlns:p14="http://schemas.microsoft.com/office/powerpoint/2010/main" val="980520112"/>
       </p:ext>
     </p:extLst>
   </p:cSld>
@@ -19147,11 +19170,11 @@
           <a:p>
             <a:r>
               <a:rPr dirty="0"/>
-              <a:t>84. </a:t>
+              <a:t>85. </a:t>
             </a:r>
             <a:r>
               <a:rPr lang="en-US" dirty="0"/>
-              <a:t>Which Google Cloud product can be used to synchronize data across databases, storage systems, and applications?</a:t>
+              <a:t>Which would be the best SQL-based storage option for a transactional workload that requires global scalability?</a:t>
             </a:r>
             <a:endParaRPr dirty="0"/>
           </a:p>
@@ -19182,32 +19205,28 @@
           </a:bodyPr>
           <a:lstStyle/>
           <a:p>
-            <a:endParaRPr lang="es-ES_tradnl" sz="1800" dirty="0"/>
-          </a:p>
-          <a:p>
-            <a:r>
-              <a:rPr lang="es-ES_tradnl" sz="1800" dirty="0" err="1"/>
-              <a:t>Dataprep</a:t>
-            </a:r>
-            <a:endParaRPr lang="es-ES_tradnl" sz="1800" dirty="0"/>
-          </a:p>
-          <a:p>
-            <a:r>
-              <a:rPr lang="es-ES_tradnl" sz="1800" b="1" dirty="0" err="1"/>
-              <a:t>Datastream</a:t>
-            </a:r>
-            <a:endParaRPr lang="es-ES_tradnl" sz="1800" b="1" dirty="0"/>
-          </a:p>
-          <a:p>
-            <a:r>
-              <a:rPr lang="es-ES_tradnl" sz="1800" dirty="0"/>
-              <a:t>Pub/Sub</a:t>
-            </a:r>
-          </a:p>
-          <a:p>
-            <a:r>
-              <a:rPr lang="es-ES_tradnl" sz="1800" dirty="0" err="1"/>
-              <a:t>Dataproc</a:t>
+            <a:r>
+              <a:rPr lang="en-US" sz="1800" dirty="0"/>
+              <a:t>Cloud SQL</a:t>
+            </a:r>
+          </a:p>
+          <a:p>
+            <a:r>
+              <a:rPr lang="en-US" sz="1800" dirty="0"/>
+              <a:t>Bigtable</a:t>
+            </a:r>
+          </a:p>
+          <a:p>
+            <a:r>
+              <a:rPr lang="en-US" sz="1800" dirty="0" err="1"/>
+              <a:t>Firestore</a:t>
+            </a:r>
+            <a:endParaRPr lang="en-US" sz="1800" dirty="0"/>
+          </a:p>
+          <a:p>
+            <a:r>
+              <a:rPr lang="en-US" sz="1800" dirty="0"/>
+              <a:t>Spanner</a:t>
             </a:r>
             <a:endParaRPr sz="1800" dirty="0"/>
           </a:p>
@@ -19216,7 +19235,7 @@
     </p:spTree>
     <p:extLst>
       <p:ext uri="{BB962C8B-B14F-4D97-AF65-F5344CB8AC3E}">
-        <p14:creationId xmlns:p14="http://schemas.microsoft.com/office/powerpoint/2010/main" val="980520112"/>
+        <p14:creationId xmlns:p14="http://schemas.microsoft.com/office/powerpoint/2010/main" val="3249277287"/>
       </p:ext>
     </p:extLst>
   </p:cSld>
@@ -19329,17 +19348,17 @@
           </a:p>
           <a:p>
             <a:r>
-              <a:rPr lang="en-US" sz="1800" dirty="0"/>
+              <a:rPr lang="en-US" sz="1800" b="1" dirty="0"/>
               <a:t>Spanner</a:t>
             </a:r>
-            <a:endParaRPr sz="1800" dirty="0"/>
+            <a:endParaRPr sz="1800" b="1" dirty="0"/>
           </a:p>
         </p:txBody>
       </p:sp>
     </p:spTree>
     <p:extLst>
       <p:ext uri="{BB962C8B-B14F-4D97-AF65-F5344CB8AC3E}">
-        <p14:creationId xmlns:p14="http://schemas.microsoft.com/office/powerpoint/2010/main" val="3249277287"/>
+        <p14:creationId xmlns:p14="http://schemas.microsoft.com/office/powerpoint/2010/main" val="1127713463"/>
       </p:ext>
     </p:extLst>
   </p:cSld>
@@ -19397,11 +19416,11 @@
           <a:p>
             <a:r>
               <a:rPr dirty="0"/>
-              <a:t>85. </a:t>
+              <a:t>86. </a:t>
             </a:r>
             <a:r>
               <a:rPr lang="en-US" dirty="0"/>
-              <a:t>Which would be the best SQL-based storage option for a transactional workload that requires global scalability?</a:t>
+              <a:t>Which strategy describes when databases are migrated from on-premises and private cloud environments to the same type of database hosted by a public cloud provider?</a:t>
             </a:r>
             <a:endParaRPr dirty="0"/>
           </a:p>
@@ -19434,35 +19453,34 @@
           <a:p>
             <a:r>
               <a:rPr lang="en-US" sz="1800" dirty="0"/>
-              <a:t>Cloud SQL</a:t>
+              <a:t>Lift and shift</a:t>
             </a:r>
           </a:p>
           <a:p>
             <a:r>
               <a:rPr lang="en-US" sz="1800" dirty="0"/>
-              <a:t>Bigtable</a:t>
-            </a:r>
-          </a:p>
-          <a:p>
-            <a:r>
-              <a:rPr lang="en-US" sz="1800" dirty="0" err="1"/>
-              <a:t>Firestore</a:t>
-            </a:r>
-            <a:endParaRPr lang="en-US" sz="1800" dirty="0"/>
-          </a:p>
-          <a:p>
-            <a:r>
-              <a:rPr lang="en-US" sz="1800" b="1" dirty="0"/>
-              <a:t>Spanner</a:t>
-            </a:r>
-            <a:endParaRPr sz="1800" b="1" dirty="0"/>
+              <a:t>Refactoring</a:t>
+            </a:r>
+          </a:p>
+          <a:p>
+            <a:r>
+              <a:rPr lang="en-US" sz="1800" dirty="0"/>
+              <a:t>Managed database migration</a:t>
+            </a:r>
+          </a:p>
+          <a:p>
+            <a:r>
+              <a:rPr lang="en-US" sz="1800" dirty="0"/>
+              <a:t>Remain on-premises</a:t>
+            </a:r>
+            <a:endParaRPr sz="1800" dirty="0"/>
           </a:p>
         </p:txBody>
       </p:sp>
     </p:spTree>
     <p:extLst>
       <p:ext uri="{BB962C8B-B14F-4D97-AF65-F5344CB8AC3E}">
-        <p14:creationId xmlns:p14="http://schemas.microsoft.com/office/powerpoint/2010/main" val="1127713463"/>
+        <p14:creationId xmlns:p14="http://schemas.microsoft.com/office/powerpoint/2010/main" val="2788339463"/>
       </p:ext>
     </p:extLst>
   </p:cSld>
@@ -19556,7 +19574,7 @@
           <a:lstStyle/>
           <a:p>
             <a:r>
-              <a:rPr lang="en-US" sz="1800" dirty="0"/>
+              <a:rPr lang="en-US" sz="1800" b="1" dirty="0"/>
               <a:t>Lift and shift</a:t>
             </a:r>
           </a:p>
@@ -19584,7 +19602,7 @@
     </p:spTree>
     <p:extLst>
       <p:ext uri="{BB962C8B-B14F-4D97-AF65-F5344CB8AC3E}">
-        <p14:creationId xmlns:p14="http://schemas.microsoft.com/office/powerpoint/2010/main" val="2788339463"/>
+        <p14:creationId xmlns:p14="http://schemas.microsoft.com/office/powerpoint/2010/main" val="1057367793"/>
       </p:ext>
     </p:extLst>
   </p:cSld>
@@ -19642,11 +19660,11 @@
           <a:p>
             <a:r>
               <a:rPr dirty="0"/>
-              <a:t>86. </a:t>
+              <a:t>87. </a:t>
             </a:r>
             <a:r>
               <a:rPr lang="en-US" dirty="0"/>
-              <a:t>Which strategy describes when databases are migrated from on-premises and private cloud environments to the same type of database hosted by a public cloud provider?</a:t>
+              <a:t>A data analyst for an online retailer must produce a sales report at the end of each quarter. Which Cloud Storage class should the retailer use for data accessed every 90 days?</a:t>
             </a:r>
             <a:endParaRPr dirty="0"/>
           </a:p>
@@ -19677,27 +19695,31 @@
           </a:bodyPr>
           <a:lstStyle/>
           <a:p>
-            <a:r>
-              <a:rPr lang="en-US" sz="1800" b="1" dirty="0"/>
-              <a:t>Lift and shift</a:t>
-            </a:r>
+            <a:endParaRPr lang="en-US" sz="1800" dirty="0"/>
           </a:p>
           <a:p>
             <a:r>
               <a:rPr lang="en-US" sz="1800" dirty="0"/>
-              <a:t>Refactoring</a:t>
-            </a:r>
+              <a:t>Archive</a:t>
+            </a:r>
+          </a:p>
+          <a:p>
+            <a:r>
+              <a:rPr lang="en-US" sz="1800" dirty="0" err="1"/>
+              <a:t>Coldline</a:t>
+            </a:r>
+            <a:endParaRPr lang="en-US" sz="1800" dirty="0"/>
           </a:p>
           <a:p>
             <a:r>
               <a:rPr lang="en-US" sz="1800" dirty="0"/>
-              <a:t>Managed database migration</a:t>
+              <a:t>Standard</a:t>
             </a:r>
           </a:p>
           <a:p>
             <a:r>
               <a:rPr lang="en-US" sz="1800" dirty="0"/>
-              <a:t>Remain on-premises</a:t>
+              <a:t>Nearline</a:t>
             </a:r>
             <a:endParaRPr sz="1800" dirty="0"/>
           </a:p>
@@ -19706,7 +19728,7 @@
     </p:spTree>
     <p:extLst>
       <p:ext uri="{BB962C8B-B14F-4D97-AF65-F5344CB8AC3E}">
-        <p14:creationId xmlns:p14="http://schemas.microsoft.com/office/powerpoint/2010/main" val="1057367793"/>
+        <p14:creationId xmlns:p14="http://schemas.microsoft.com/office/powerpoint/2010/main" val="3470036717"/>
       </p:ext>
     </p:extLst>
   </p:cSld>
@@ -19809,10 +19831,10 @@
           </a:p>
           <a:p>
             <a:r>
-              <a:rPr lang="en-US" sz="1800" dirty="0" err="1"/>
+              <a:rPr lang="en-US" sz="1800" b="1" dirty="0" err="1"/>
               <a:t>Coldline</a:t>
             </a:r>
-            <a:endParaRPr lang="en-US" sz="1800" dirty="0"/>
+            <a:endParaRPr lang="en-US" sz="1800" b="1" dirty="0"/>
           </a:p>
           <a:p>
             <a:r>
@@ -19832,7 +19854,7 @@
     </p:spTree>
     <p:extLst>
       <p:ext uri="{BB962C8B-B14F-4D97-AF65-F5344CB8AC3E}">
-        <p14:creationId xmlns:p14="http://schemas.microsoft.com/office/powerpoint/2010/main" val="3470036717"/>
+        <p14:creationId xmlns:p14="http://schemas.microsoft.com/office/powerpoint/2010/main" val="1373853371"/>
       </p:ext>
     </p:extLst>
   </p:cSld>
@@ -19890,11 +19912,11 @@
           <a:p>
             <a:r>
               <a:rPr dirty="0"/>
-              <a:t>87. </a:t>
+              <a:t>88. </a:t>
             </a:r>
             <a:r>
               <a:rPr lang="en-US" dirty="0"/>
-              <a:t>A data analyst for an online retailer must produce a sales report at the end of each quarter. Which Cloud Storage class should the retailer use for data accessed every 90 days?</a:t>
+              <a:t>Data in the form of video, pictures, and audio recordings is well suited to object storage. Which product is best for storing this kind of data?</a:t>
             </a:r>
             <a:endParaRPr dirty="0"/>
           </a:p>
@@ -19925,31 +19947,28 @@
           </a:bodyPr>
           <a:lstStyle/>
           <a:p>
-            <a:endParaRPr lang="en-US" sz="1800" dirty="0"/>
-          </a:p>
-          <a:p>
-            <a:r>
-              <a:rPr lang="en-US" sz="1800" dirty="0"/>
-              <a:t>Archive</a:t>
-            </a:r>
-          </a:p>
-          <a:p>
-            <a:r>
-              <a:rPr lang="en-US" sz="1800" b="1" dirty="0" err="1"/>
-              <a:t>Coldline</a:t>
-            </a:r>
-            <a:endParaRPr lang="en-US" sz="1800" b="1" dirty="0"/>
-          </a:p>
-          <a:p>
-            <a:r>
-              <a:rPr lang="en-US" sz="1800" dirty="0"/>
-              <a:t>Standard</a:t>
-            </a:r>
-          </a:p>
-          <a:p>
-            <a:r>
-              <a:rPr lang="en-US" sz="1800" dirty="0"/>
-              <a:t>Nearline</a:t>
+            <a:r>
+              <a:rPr lang="es-ES_tradnl" sz="1800" dirty="0"/>
+              <a:t>Cloud Storage</a:t>
+            </a:r>
+          </a:p>
+          <a:p>
+            <a:r>
+              <a:rPr lang="es-ES_tradnl" sz="1800" dirty="0"/>
+              <a:t>Cloud SQL</a:t>
+            </a:r>
+          </a:p>
+          <a:p>
+            <a:r>
+              <a:rPr lang="es-ES_tradnl" sz="1800" dirty="0" err="1"/>
+              <a:t>Firestore</a:t>
+            </a:r>
+            <a:endParaRPr lang="es-ES_tradnl" sz="1800" dirty="0"/>
+          </a:p>
+          <a:p>
+            <a:r>
+              <a:rPr lang="es-ES_tradnl" sz="1800" dirty="0" err="1"/>
+              <a:t>BigQuery</a:t>
             </a:r>
             <a:endParaRPr sz="1800" dirty="0"/>
           </a:p>
@@ -19958,7 +19977,7 @@
     </p:spTree>
     <p:extLst>
       <p:ext uri="{BB962C8B-B14F-4D97-AF65-F5344CB8AC3E}">
-        <p14:creationId xmlns:p14="http://schemas.microsoft.com/office/powerpoint/2010/main" val="1373853371"/>
+        <p14:creationId xmlns:p14="http://schemas.microsoft.com/office/powerpoint/2010/main" val="1710034630"/>
       </p:ext>
     </p:extLst>
   </p:cSld>
@@ -20052,7 +20071,7 @@
           <a:lstStyle/>
           <a:p>
             <a:r>
-              <a:rPr lang="es-ES_tradnl" sz="1800" dirty="0"/>
+              <a:rPr lang="es-ES_tradnl" sz="1800" b="1" dirty="0"/>
               <a:t>Cloud Storage</a:t>
             </a:r>
           </a:p>
@@ -20081,7 +20100,7 @@
     </p:spTree>
     <p:extLst>
       <p:ext uri="{BB962C8B-B14F-4D97-AF65-F5344CB8AC3E}">
-        <p14:creationId xmlns:p14="http://schemas.microsoft.com/office/powerpoint/2010/main" val="1710034630"/>
+        <p14:creationId xmlns:p14="http://schemas.microsoft.com/office/powerpoint/2010/main" val="1167859744"/>
       </p:ext>
     </p:extLst>
   </p:cSld>
@@ -20139,11 +20158,11 @@
           <a:p>
             <a:r>
               <a:rPr dirty="0"/>
-              <a:t>88. </a:t>
+              <a:t>89. </a:t>
             </a:r>
             <a:r>
               <a:rPr lang="en-US" dirty="0"/>
-              <a:t>Data in the form of video, pictures, and audio recordings is well suited to object storage. Which product is best for storing this kind of data?</a:t>
+              <a:t>What is Google's big data database service that powers many core Google services, including Google Search, Google Analytics, Google Maps Platform, and Gmail?</a:t>
             </a:r>
             <a:endParaRPr dirty="0"/>
           </a:p>
@@ -20175,27 +20194,26 @@
           <a:lstStyle/>
           <a:p>
             <a:r>
-              <a:rPr lang="es-ES_tradnl" sz="1800" b="1" dirty="0"/>
+              <a:rPr lang="en-US" sz="1800" dirty="0"/>
+              <a:t>Spanner</a:t>
+            </a:r>
+          </a:p>
+          <a:p>
+            <a:r>
+              <a:rPr lang="en-US" sz="1800" dirty="0"/>
+              <a:t>Cloud SQL</a:t>
+            </a:r>
+          </a:p>
+          <a:p>
+            <a:r>
+              <a:rPr lang="en-US" sz="1800" dirty="0"/>
+              <a:t>Bigtable</a:t>
+            </a:r>
+          </a:p>
+          <a:p>
+            <a:r>
+              <a:rPr lang="en-US" sz="1800" dirty="0"/>
               <a:t>Cloud Storage</a:t>
-            </a:r>
-          </a:p>
-          <a:p>
-            <a:r>
-              <a:rPr lang="es-ES_tradnl" sz="1800" dirty="0"/>
-              <a:t>Cloud SQL</a:t>
-            </a:r>
-          </a:p>
-          <a:p>
-            <a:r>
-              <a:rPr lang="es-ES_tradnl" sz="1800" dirty="0" err="1"/>
-              <a:t>Firestore</a:t>
-            </a:r>
-            <a:endParaRPr lang="es-ES_tradnl" sz="1800" dirty="0"/>
-          </a:p>
-          <a:p>
-            <a:r>
-              <a:rPr lang="es-ES_tradnl" sz="1800" dirty="0" err="1"/>
-              <a:t>BigQuery</a:t>
             </a:r>
             <a:endParaRPr sz="1800" dirty="0"/>
           </a:p>
@@ -20204,7 +20222,7 @@
     </p:spTree>
     <p:extLst>
       <p:ext uri="{BB962C8B-B14F-4D97-AF65-F5344CB8AC3E}">
-        <p14:creationId xmlns:p14="http://schemas.microsoft.com/office/powerpoint/2010/main" val="1167859744"/>
+        <p14:creationId xmlns:p14="http://schemas.microsoft.com/office/powerpoint/2010/main" val="2637438348"/>
       </p:ext>
     </p:extLst>
   </p:cSld>
@@ -20310,7 +20328,7 @@
           </a:p>
           <a:p>
             <a:r>
-              <a:rPr lang="en-US" sz="1800" dirty="0"/>
+              <a:rPr lang="en-US" sz="1800" b="1" dirty="0"/>
               <a:t>Bigtable</a:t>
             </a:r>
           </a:p>
@@ -20326,7 +20344,7 @@
     </p:spTree>
     <p:extLst>
       <p:ext uri="{BB962C8B-B14F-4D97-AF65-F5344CB8AC3E}">
-        <p14:creationId xmlns:p14="http://schemas.microsoft.com/office/powerpoint/2010/main" val="2637438348"/>
+        <p14:creationId xmlns:p14="http://schemas.microsoft.com/office/powerpoint/2010/main" val="4230049422"/>
       </p:ext>
     </p:extLst>
   </p:cSld>
@@ -20476,11 +20494,11 @@
           <a:p>
             <a:r>
               <a:rPr dirty="0"/>
-              <a:t>89. </a:t>
+              <a:t>90. </a:t>
             </a:r>
             <a:r>
               <a:rPr lang="en-US" dirty="0"/>
-              <a:t>What is Google's big data database service that powers many core Google services, including Google Search, Google Analytics, Google Maps Platform, and Gmail?</a:t>
+              <a:t>Which is the best SQL-based storage option for a transactional workload that requires local or regional scalability?</a:t>
             </a:r>
             <a:endParaRPr dirty="0"/>
           </a:p>
@@ -20511,27 +20529,32 @@
           </a:bodyPr>
           <a:lstStyle/>
           <a:p>
-            <a:r>
-              <a:rPr lang="en-US" sz="1800" dirty="0"/>
+            <a:endParaRPr lang="es-ES_tradnl" sz="1800" dirty="0"/>
+          </a:p>
+          <a:p>
+            <a:r>
+              <a:rPr lang="es-ES_tradnl" sz="1800" dirty="0"/>
+              <a:t>Cloud Storage</a:t>
+            </a:r>
+          </a:p>
+          <a:p>
+            <a:r>
+              <a:rPr lang="es-ES_tradnl" sz="1800" dirty="0" err="1"/>
               <a:t>Spanner</a:t>
             </a:r>
-          </a:p>
-          <a:p>
-            <a:r>
-              <a:rPr lang="en-US" sz="1800" dirty="0"/>
+            <a:endParaRPr lang="es-ES_tradnl" sz="1800" dirty="0"/>
+          </a:p>
+          <a:p>
+            <a:r>
+              <a:rPr lang="es-ES_tradnl" sz="1800" dirty="0" err="1"/>
+              <a:t>Bigtable</a:t>
+            </a:r>
+            <a:endParaRPr lang="es-ES_tradnl" sz="1800" dirty="0"/>
+          </a:p>
+          <a:p>
+            <a:r>
+              <a:rPr lang="es-ES_tradnl" sz="1800" dirty="0"/>
               <a:t>Cloud SQL</a:t>
-            </a:r>
-          </a:p>
-          <a:p>
-            <a:r>
-              <a:rPr lang="en-US" sz="1800" b="1" dirty="0"/>
-              <a:t>Bigtable</a:t>
-            </a:r>
-          </a:p>
-          <a:p>
-            <a:r>
-              <a:rPr lang="en-US" sz="1800" dirty="0"/>
-              <a:t>Cloud Storage</a:t>
             </a:r>
             <a:endParaRPr sz="1800" dirty="0"/>
           </a:p>
@@ -20540,7 +20563,7 @@
     </p:spTree>
     <p:extLst>
       <p:ext uri="{BB962C8B-B14F-4D97-AF65-F5344CB8AC3E}">
-        <p14:creationId xmlns:p14="http://schemas.microsoft.com/office/powerpoint/2010/main" val="4230049422"/>
+        <p14:creationId xmlns:p14="http://schemas.microsoft.com/office/powerpoint/2010/main" val="2537724619"/>
       </p:ext>
     </p:extLst>
   </p:cSld>
@@ -20657,17 +20680,17 @@
           </a:p>
           <a:p>
             <a:r>
-              <a:rPr lang="es-ES_tradnl" sz="1800" dirty="0"/>
+              <a:rPr lang="es-ES_tradnl" sz="1800" b="1" dirty="0"/>
               <a:t>Cloud SQL</a:t>
             </a:r>
-            <a:endParaRPr sz="1800" dirty="0"/>
+            <a:endParaRPr sz="1800" b="1" dirty="0"/>
           </a:p>
         </p:txBody>
       </p:sp>
     </p:spTree>
     <p:extLst>
       <p:ext uri="{BB962C8B-B14F-4D97-AF65-F5344CB8AC3E}">
-        <p14:creationId xmlns:p14="http://schemas.microsoft.com/office/powerpoint/2010/main" val="2537724619"/>
+        <p14:creationId xmlns:p14="http://schemas.microsoft.com/office/powerpoint/2010/main" val="1096882878"/>
       </p:ext>
     </p:extLst>
   </p:cSld>
@@ -20725,11 +20748,11 @@
           <a:p>
             <a:r>
               <a:rPr dirty="0"/>
-              <a:t>90. </a:t>
+              <a:t>91. </a:t>
             </a:r>
             <a:r>
               <a:rPr lang="en-US" dirty="0"/>
-              <a:t>Which is the best SQL-based storage option for a transactional workload that requires local or regional scalability?</a:t>
+              <a:t>BigQuery works in a multicloud environment. How do organizations benefit from this feature?</a:t>
             </a:r>
             <a:endParaRPr dirty="0"/>
           </a:p>
@@ -20760,41 +20783,63 @@
           </a:bodyPr>
           <a:lstStyle/>
           <a:p>
-            <a:endParaRPr lang="es-ES_tradnl" sz="1800" dirty="0"/>
-          </a:p>
-          <a:p>
-            <a:r>
-              <a:rPr lang="es-ES_tradnl" sz="1800" dirty="0"/>
-              <a:t>Cloud Storage</a:t>
-            </a:r>
-          </a:p>
-          <a:p>
-            <a:r>
-              <a:rPr lang="es-ES_tradnl" sz="1800" dirty="0" err="1"/>
-              <a:t>Spanner</a:t>
-            </a:r>
-            <a:endParaRPr lang="es-ES_tradnl" sz="1800" dirty="0"/>
-          </a:p>
-          <a:p>
-            <a:r>
-              <a:rPr lang="es-ES_tradnl" sz="1800" dirty="0" err="1"/>
-              <a:t>Bigtable</a:t>
-            </a:r>
-            <a:endParaRPr lang="es-ES_tradnl" sz="1800" dirty="0"/>
-          </a:p>
-          <a:p>
-            <a:r>
-              <a:rPr lang="es-ES_tradnl" sz="1800" b="1" dirty="0"/>
-              <a:t>Cloud SQL</a:t>
-            </a:r>
-            <a:endParaRPr sz="1800" b="1" dirty="0"/>
+            <a:endParaRPr lang="en-US" sz="1800" dirty="0"/>
+          </a:p>
+          <a:p>
+            <a:r>
+              <a:rPr lang="en-US" sz="1800" dirty="0"/>
+              <a:t>Security is more effective when </a:t>
+            </a:r>
+            <a:r>
+              <a:rPr lang="en-US" sz="1800" dirty="0" err="1"/>
+              <a:t>BigQuery</a:t>
+            </a:r>
+            <a:r>
+              <a:rPr lang="en-US" sz="1800" dirty="0"/>
+              <a:t> is run in on-premises environments.</a:t>
+            </a:r>
+          </a:p>
+          <a:p>
+            <a:r>
+              <a:rPr lang="en-US" sz="1800" dirty="0"/>
+              <a:t>Data teams can eradicate data silos by analyzing data across multiple cloud providers.</a:t>
+            </a:r>
+          </a:p>
+          <a:p>
+            <a:r>
+              <a:rPr lang="en-US" sz="1800" dirty="0" err="1"/>
+              <a:t>BigQuery</a:t>
+            </a:r>
+            <a:r>
+              <a:rPr lang="en-US" sz="1800" dirty="0"/>
+              <a:t> lets organizations save costs by limiting the number of cloud providers they use.</a:t>
+            </a:r>
+          </a:p>
+          <a:p>
+            <a:r>
+              <a:rPr lang="en-US" sz="1800" dirty="0" err="1"/>
+              <a:t>Multicloud</a:t>
+            </a:r>
+            <a:r>
+              <a:rPr lang="en-US" sz="1800" dirty="0"/>
+              <a:t> support in </a:t>
+            </a:r>
+            <a:r>
+              <a:rPr lang="en-US" sz="1800" dirty="0" err="1"/>
+              <a:t>BigQuery</a:t>
+            </a:r>
+            <a:r>
+              <a:rPr lang="en-US" sz="1800" dirty="0"/>
+              <a:t> is only intended for use in disaster recovery scenarios.</a:t>
+            </a:r>
+            <a:endParaRPr sz="1800" dirty="0"/>
           </a:p>
         </p:txBody>
       </p:sp>
     </p:spTree>
     <p:extLst>
       <p:ext uri="{BB962C8B-B14F-4D97-AF65-F5344CB8AC3E}">
-        <p14:creationId xmlns:p14="http://schemas.microsoft.com/office/powerpoint/2010/main" val="1096882878"/>
+        <p14:creationId xmlns:p14="http://schemas.microsoft.com/office/powerpoint/2010/main" val="4254127713"/>
       </p:ext>
     </p:extLst>
   </p:cSld>
@@ -20905,7 +20950,7 @@
           </a:p>
           <a:p>
             <a:r>
-              <a:rPr lang="en-US" sz="1800" dirty="0"/>
+              <a:rPr lang="en-US" sz="1800" b="1" dirty="0"/>
               <a:t>Data teams can eradicate data silos by analyzing data across multiple cloud providers.</a:t>
             </a:r>
           </a:p>
@@ -20943,7 +20988,7 @@
     </p:spTree>
     <p:extLst>
       <p:ext uri="{BB962C8B-B14F-4D97-AF65-F5344CB8AC3E}">
-        <p14:creationId xmlns:p14="http://schemas.microsoft.com/office/powerpoint/2010/main" val="4254127713"/>
+        <p14:creationId xmlns:p14="http://schemas.microsoft.com/office/powerpoint/2010/main" val="737774877"/>
       </p:ext>
     </p:extLst>
   </p:cSld>
@@ -21001,11 +21046,11 @@
           <a:p>
             <a:r>
               <a:rPr dirty="0"/>
-              <a:t>91. </a:t>
+              <a:t>86. </a:t>
             </a:r>
             <a:r>
               <a:rPr lang="en-US" dirty="0"/>
-              <a:t>BigQuery works in a multicloud environment. How do organizations benefit from this feature?</a:t>
+              <a:t>What feature of Looker makes it easy to integrate into existing workflows and share with multiple teams at an organization?</a:t>
             </a:r>
             <a:endParaRPr dirty="0"/>
           </a:p>
@@ -21041,49 +21086,25 @@
           <a:p>
             <a:r>
               <a:rPr lang="en-US" sz="1800" dirty="0"/>
-              <a:t>Security is more effective when </a:t>
-            </a:r>
-            <a:r>
-              <a:rPr lang="en-US" sz="1800" dirty="0" err="1"/>
-              <a:t>BigQuery</a:t>
-            </a:r>
+              <a:t>It supports over 60 different SQL databases.</a:t>
+            </a:r>
+          </a:p>
+          <a:p>
             <a:r>
               <a:rPr lang="en-US" sz="1800" dirty="0"/>
-              <a:t> is run in on-premises environments.</a:t>
-            </a:r>
-          </a:p>
-          <a:p>
-            <a:r>
-              <a:rPr lang="en-US" sz="1800" b="1" dirty="0"/>
-              <a:t>Data teams can eradicate data silos by analyzing data across multiple cloud providers.</a:t>
-            </a:r>
-          </a:p>
-          <a:p>
-            <a:r>
-              <a:rPr lang="en-US" sz="1800" dirty="0" err="1"/>
-              <a:t>BigQuery</a:t>
-            </a:r>
+              <a:t>It’s cost effective.</a:t>
+            </a:r>
+          </a:p>
+          <a:p>
             <a:r>
               <a:rPr lang="en-US" sz="1800" dirty="0"/>
-              <a:t> lets organizations save costs by limiting the number of cloud providers they use.</a:t>
-            </a:r>
-          </a:p>
-          <a:p>
-            <a:r>
-              <a:rPr lang="en-US" sz="1800" dirty="0" err="1"/>
-              <a:t>Multicloud</a:t>
-            </a:r>
+              <a:t>It’s 100% web based.</a:t>
+            </a:r>
+          </a:p>
+          <a:p>
             <a:r>
               <a:rPr lang="en-US" sz="1800" dirty="0"/>
-              <a:t> support in </a:t>
-            </a:r>
-            <a:r>
-              <a:rPr lang="en-US" sz="1800" dirty="0" err="1"/>
-              <a:t>BigQuery</a:t>
-            </a:r>
-            <a:r>
-              <a:rPr lang="en-US" sz="1800" dirty="0"/>
-              <a:t> is only intended for use in disaster recovery scenarios.</a:t>
+              <a:t>It creates easy to understand visualizations.</a:t>
             </a:r>
             <a:endParaRPr sz="1800" dirty="0"/>
           </a:p>
@@ -21092,7 +21113,7 @@
     </p:spTree>
     <p:extLst>
       <p:ext uri="{BB962C8B-B14F-4D97-AF65-F5344CB8AC3E}">
-        <p14:creationId xmlns:p14="http://schemas.microsoft.com/office/powerpoint/2010/main" val="737774877"/>
+        <p14:creationId xmlns:p14="http://schemas.microsoft.com/office/powerpoint/2010/main" val="4206816191"/>
       </p:ext>
     </p:extLst>
   </p:cSld>
@@ -21150,11 +21171,11 @@
           <a:p>
             <a:r>
               <a:rPr dirty="0"/>
-              <a:t>85. </a:t>
+              <a:t>86. </a:t>
             </a:r>
             <a:r>
               <a:rPr lang="en-US" dirty="0"/>
-              <a:t>What is Google Cloud’s distributed messaging service that can receive messages from various device streams such as gaming events, Internet of Things (IoT) devices, and application streams?</a:t>
+              <a:t>What feature of Looker makes it easy to integrate into existing workflows and share with multiple teams at an organization?</a:t>
             </a:r>
             <a:endParaRPr dirty="0"/>
           </a:p>
@@ -21190,26 +21211,25 @@
           <a:p>
             <a:r>
               <a:rPr lang="en-US" sz="1800" dirty="0"/>
-              <a:t>Looker</a:t>
+              <a:t>It supports over 60 different SQL databases.</a:t>
             </a:r>
           </a:p>
           <a:p>
             <a:r>
               <a:rPr lang="en-US" sz="1800" dirty="0"/>
-              <a:t>Pub/Sub</a:t>
-            </a:r>
-          </a:p>
-          <a:p>
-            <a:r>
-              <a:rPr lang="en-US" sz="1800" dirty="0" err="1"/>
-              <a:t>Dataproc</a:t>
-            </a:r>
-            <a:endParaRPr lang="en-US" sz="1800" dirty="0"/>
-          </a:p>
-          <a:p>
-            <a:r>
-              <a:rPr lang="en-US" sz="1800" dirty="0" err="1"/>
-              <a:t>Dataplex</a:t>
+              <a:t>It’s cost effective.</a:t>
+            </a:r>
+          </a:p>
+          <a:p>
+            <a:r>
+              <a:rPr lang="en-US" sz="1800" b="1" dirty="0"/>
+              <a:t>It’s 100% web based.</a:t>
+            </a:r>
+          </a:p>
+          <a:p>
+            <a:r>
+              <a:rPr lang="en-US" sz="1800" dirty="0"/>
+              <a:t>It creates easy to understand visualizations.</a:t>
             </a:r>
             <a:endParaRPr sz="1800" dirty="0"/>
           </a:p>
@@ -21218,7 +21238,7 @@
     </p:spTree>
     <p:extLst>
       <p:ext uri="{BB962C8B-B14F-4D97-AF65-F5344CB8AC3E}">
-        <p14:creationId xmlns:p14="http://schemas.microsoft.com/office/powerpoint/2010/main" val="3768657430"/>
+        <p14:creationId xmlns:p14="http://schemas.microsoft.com/office/powerpoint/2010/main" val="1867794436"/>
       </p:ext>
     </p:extLst>
   </p:cSld>
@@ -21276,11 +21296,11 @@
           <a:p>
             <a:r>
               <a:rPr dirty="0"/>
-              <a:t>85. </a:t>
+              <a:t>87. </a:t>
             </a:r>
             <a:r>
               <a:rPr lang="en-US" dirty="0"/>
-              <a:t>What is Google Cloud’s distributed messaging service that can receive messages from various device streams such as gaming events, Internet of Things (IoT) devices, and application streams?</a:t>
+              <a:t>What Google Cloud business intelligence platform is designed to help individuals and teams analyze, visualize, and share data?	</a:t>
             </a:r>
             <a:endParaRPr dirty="0"/>
           </a:p>
@@ -21315,27 +21335,27 @@
           </a:p>
           <a:p>
             <a:r>
+              <a:rPr lang="en-US" sz="1800" dirty="0" err="1"/>
+              <a:t>Dataplex</a:t>
+            </a:r>
+            <a:endParaRPr lang="en-US" sz="1800" dirty="0"/>
+          </a:p>
+          <a:p>
+            <a:r>
+              <a:rPr lang="en-US" sz="1800" dirty="0"/>
+              <a:t>Cloud Storage</a:t>
+            </a:r>
+          </a:p>
+          <a:p>
+            <a:r>
               <a:rPr lang="en-US" sz="1800" dirty="0"/>
               <a:t>Looker</a:t>
             </a:r>
           </a:p>
           <a:p>
             <a:r>
-              <a:rPr lang="en-US" sz="1800" b="1" dirty="0"/>
-              <a:t>Pub/Sub</a:t>
-            </a:r>
-          </a:p>
-          <a:p>
-            <a:r>
-              <a:rPr lang="en-US" sz="1800" dirty="0" err="1"/>
-              <a:t>Dataproc</a:t>
-            </a:r>
-            <a:endParaRPr lang="en-US" sz="1800" dirty="0"/>
-          </a:p>
-          <a:p>
-            <a:r>
-              <a:rPr lang="en-US" sz="1800" dirty="0" err="1"/>
-              <a:t>Dataplex</a:t>
+              <a:rPr lang="en-US" sz="1800" dirty="0"/>
+              <a:t>Dataflow</a:t>
             </a:r>
             <a:endParaRPr sz="1800" dirty="0"/>
           </a:p>
@@ -21344,7 +21364,7 @@
     </p:spTree>
     <p:extLst>
       <p:ext uri="{BB962C8B-B14F-4D97-AF65-F5344CB8AC3E}">
-        <p14:creationId xmlns:p14="http://schemas.microsoft.com/office/powerpoint/2010/main" val="3790376119"/>
+        <p14:creationId xmlns:p14="http://schemas.microsoft.com/office/powerpoint/2010/main" val="364189558"/>
       </p:ext>
     </p:extLst>
   </p:cSld>
@@ -21402,11 +21422,11 @@
           <a:p>
             <a:r>
               <a:rPr dirty="0"/>
-              <a:t>86. </a:t>
+              <a:t>87. </a:t>
             </a:r>
             <a:r>
               <a:rPr lang="en-US" dirty="0"/>
-              <a:t>What feature of Looker makes it easy to integrate into existing workflows and share with multiple teams at an organization?</a:t>
+              <a:t>What Google Cloud business intelligence platform is designed to help individuals and teams analyze, visualize, and share data?	</a:t>
             </a:r>
             <a:endParaRPr dirty="0"/>
           </a:p>
@@ -21441,26 +21461,27 @@
           </a:p>
           <a:p>
             <a:r>
+              <a:rPr lang="en-US" sz="1800" dirty="0" err="1"/>
+              <a:t>Dataplex</a:t>
+            </a:r>
+            <a:endParaRPr lang="en-US" sz="1800" dirty="0"/>
+          </a:p>
+          <a:p>
+            <a:r>
               <a:rPr lang="en-US" sz="1800" dirty="0"/>
-              <a:t>It supports over 60 different SQL databases.</a:t>
+              <a:t>Cloud Storage</a:t>
+            </a:r>
+          </a:p>
+          <a:p>
+            <a:r>
+              <a:rPr lang="en-US" sz="1800" b="1" dirty="0"/>
+              <a:t>Looker</a:t>
             </a:r>
           </a:p>
           <a:p>
             <a:r>
               <a:rPr lang="en-US" sz="1800" dirty="0"/>
-              <a:t>It’s cost effective.</a:t>
-            </a:r>
-          </a:p>
-          <a:p>
-            <a:r>
-              <a:rPr lang="en-US" sz="1800" dirty="0"/>
-              <a:t>It’s 100% web based.</a:t>
-            </a:r>
-          </a:p>
-          <a:p>
-            <a:r>
-              <a:rPr lang="en-US" sz="1800" dirty="0"/>
-              <a:t>It creates easy to understand visualizations.</a:t>
+              <a:t>Dataflow</a:t>
             </a:r>
             <a:endParaRPr sz="1800" dirty="0"/>
           </a:p>
@@ -21469,7 +21490,7 @@
     </p:spTree>
     <p:extLst>
       <p:ext uri="{BB962C8B-B14F-4D97-AF65-F5344CB8AC3E}">
-        <p14:creationId xmlns:p14="http://schemas.microsoft.com/office/powerpoint/2010/main" val="4206816191"/>
+        <p14:creationId xmlns:p14="http://schemas.microsoft.com/office/powerpoint/2010/main" val="2374992690"/>
       </p:ext>
     </p:extLst>
   </p:cSld>
@@ -21527,11 +21548,11 @@
           <a:p>
             <a:r>
               <a:rPr dirty="0"/>
-              <a:t>86. </a:t>
+              <a:t>88. </a:t>
             </a:r>
             <a:r>
               <a:rPr lang="en-US" dirty="0"/>
-              <a:t>What feature of Looker makes it easy to integrate into existing workflows and share with multiple teams at an organization?</a:t>
+              <a:t>Streaming analytics is the processing and analyzing of data records continuously instead of in batches. Which option is a source of streaming data?</a:t>
             </a:r>
             <a:endParaRPr dirty="0"/>
           </a:p>
@@ -21567,25 +21588,25 @@
           <a:p>
             <a:r>
               <a:rPr lang="en-US" sz="1800" dirty="0"/>
-              <a:t>It supports over 60 different SQL databases.</a:t>
+              <a:t>Medical test results</a:t>
             </a:r>
           </a:p>
           <a:p>
             <a:r>
               <a:rPr lang="en-US" sz="1800" dirty="0"/>
-              <a:t>It’s cost effective.</a:t>
-            </a:r>
-          </a:p>
-          <a:p>
-            <a:r>
-              <a:rPr lang="en-US" sz="1800" b="1" dirty="0"/>
-              <a:t>It’s 100% web based.</a:t>
+              <a:t>Payroll records</a:t>
             </a:r>
           </a:p>
           <a:p>
             <a:r>
               <a:rPr lang="en-US" sz="1800" dirty="0"/>
-              <a:t>It creates easy to understand visualizations.</a:t>
+              <a:t>Customer email addresses</a:t>
+            </a:r>
+          </a:p>
+          <a:p>
+            <a:r>
+              <a:rPr lang="en-US" sz="1800" dirty="0"/>
+              <a:t>Temperature sensors</a:t>
             </a:r>
             <a:endParaRPr sz="1800" dirty="0"/>
           </a:p>
@@ -21594,7 +21615,7 @@
     </p:spTree>
     <p:extLst>
       <p:ext uri="{BB962C8B-B14F-4D97-AF65-F5344CB8AC3E}">
-        <p14:creationId xmlns:p14="http://schemas.microsoft.com/office/powerpoint/2010/main" val="1867794436"/>
+        <p14:creationId xmlns:p14="http://schemas.microsoft.com/office/powerpoint/2010/main" val="4135003408"/>
       </p:ext>
     </p:extLst>
   </p:cSld>
@@ -21652,11 +21673,11 @@
           <a:p>
             <a:r>
               <a:rPr dirty="0"/>
-              <a:t>87. </a:t>
+              <a:t>88. </a:t>
             </a:r>
             <a:r>
               <a:rPr lang="en-US" dirty="0"/>
-              <a:t>What Google Cloud business intelligence platform is designed to help individuals and teams analyze, visualize, and share data?	</a:t>
+              <a:t>Streaming analytics is the processing and analyzing of data records continuously instead of in batches. Which option is a source of streaming data?</a:t>
             </a:r>
             <a:endParaRPr dirty="0"/>
           </a:p>
@@ -21691,36 +21712,35 @@
           </a:p>
           <a:p>
             <a:r>
-              <a:rPr lang="en-US" sz="1800" dirty="0" err="1"/>
-              <a:t>Dataplex</a:t>
-            </a:r>
-            <a:endParaRPr lang="en-US" sz="1800" dirty="0"/>
-          </a:p>
-          <a:p>
-            <a:r>
               <a:rPr lang="en-US" sz="1800" dirty="0"/>
-              <a:t>Cloud Storage</a:t>
+              <a:t>Medical test results</a:t>
             </a:r>
           </a:p>
           <a:p>
             <a:r>
               <a:rPr lang="en-US" sz="1800" dirty="0"/>
-              <a:t>Looker</a:t>
+              <a:t>Payroll records</a:t>
             </a:r>
           </a:p>
           <a:p>
             <a:r>
               <a:rPr lang="en-US" sz="1800" dirty="0"/>
-              <a:t>Dataflow</a:t>
-            </a:r>
-            <a:endParaRPr sz="1800" dirty="0"/>
+              <a:t>Customer email addresses</a:t>
+            </a:r>
+          </a:p>
+          <a:p>
+            <a:r>
+              <a:rPr lang="en-US" sz="1800" b="1" dirty="0"/>
+              <a:t>Temperature sensors</a:t>
+            </a:r>
+            <a:endParaRPr sz="1800" b="1" dirty="0"/>
           </a:p>
         </p:txBody>
       </p:sp>
     </p:spTree>
     <p:extLst>
       <p:ext uri="{BB962C8B-B14F-4D97-AF65-F5344CB8AC3E}">
-        <p14:creationId xmlns:p14="http://schemas.microsoft.com/office/powerpoint/2010/main" val="364189558"/>
+        <p14:creationId xmlns:p14="http://schemas.microsoft.com/office/powerpoint/2010/main" val="656508283"/>
       </p:ext>
     </p:extLst>
   </p:cSld>
@@ -21871,11 +21891,11 @@
           <a:p>
             <a:r>
               <a:rPr dirty="0"/>
-              <a:t>87. </a:t>
+              <a:t>89. </a:t>
             </a:r>
             <a:r>
               <a:rPr lang="en-US" dirty="0"/>
-              <a:t>What Google Cloud business intelligence platform is designed to help individuals and teams analyze, visualize, and share data?	</a:t>
+              <a:t>What does ETL stand for in the context of data processing?</a:t>
             </a:r>
             <a:endParaRPr dirty="0"/>
           </a:p>
@@ -21910,27 +21930,26 @@
           </a:p>
           <a:p>
             <a:r>
-              <a:rPr lang="en-US" sz="1800" dirty="0" err="1"/>
-              <a:t>Dataplex</a:t>
-            </a:r>
-            <a:endParaRPr lang="en-US" sz="1800" dirty="0"/>
-          </a:p>
-          <a:p>
-            <a:r>
               <a:rPr lang="en-US" sz="1800" dirty="0"/>
-              <a:t>Cloud Storage</a:t>
-            </a:r>
-          </a:p>
-          <a:p>
-            <a:r>
-              <a:rPr lang="en-US" sz="1800" b="1" dirty="0"/>
-              <a:t>Looker</a:t>
+              <a:t>Enhanced transaction logic</a:t>
             </a:r>
           </a:p>
           <a:p>
             <a:r>
               <a:rPr lang="en-US" sz="1800" dirty="0"/>
-              <a:t>Dataflow</a:t>
+              <a:t>Event-time logic</a:t>
+            </a:r>
+          </a:p>
+          <a:p>
+            <a:r>
+              <a:rPr lang="en-US" sz="1800" dirty="0"/>
+              <a:t>Extract, transform, and load</a:t>
+            </a:r>
+          </a:p>
+          <a:p>
+            <a:r>
+              <a:rPr lang="en-US" sz="1800" dirty="0"/>
+              <a:t>Enrichment, tagging, and labeling</a:t>
             </a:r>
             <a:endParaRPr sz="1800" dirty="0"/>
           </a:p>
@@ -21939,7 +21958,7 @@
     </p:spTree>
     <p:extLst>
       <p:ext uri="{BB962C8B-B14F-4D97-AF65-F5344CB8AC3E}">
-        <p14:creationId xmlns:p14="http://schemas.microsoft.com/office/powerpoint/2010/main" val="2374992690"/>
+        <p14:creationId xmlns:p14="http://schemas.microsoft.com/office/powerpoint/2010/main" val="1227111929"/>
       </p:ext>
     </p:extLst>
   </p:cSld>
@@ -21997,11 +22016,11 @@
           <a:p>
             <a:r>
               <a:rPr dirty="0"/>
-              <a:t>88. </a:t>
+              <a:t>89. </a:t>
             </a:r>
             <a:r>
               <a:rPr lang="en-US" dirty="0"/>
-              <a:t>Streaming analytics is the processing and analyzing of data records continuously instead of in batches. Which option is a source of streaming data?</a:t>
+              <a:t>What does ETL stand for in the context of data processing?</a:t>
             </a:r>
             <a:endParaRPr dirty="0"/>
           </a:p>
@@ -22037,25 +22056,25 @@
           <a:p>
             <a:r>
               <a:rPr lang="en-US" sz="1800" dirty="0"/>
-              <a:t>Medical test results</a:t>
+              <a:t>Enhanced transaction logic</a:t>
             </a:r>
           </a:p>
           <a:p>
             <a:r>
               <a:rPr lang="en-US" sz="1800" dirty="0"/>
-              <a:t>Payroll records</a:t>
+              <a:t>Event-time logic</a:t>
+            </a:r>
+          </a:p>
+          <a:p>
+            <a:r>
+              <a:rPr lang="en-US" sz="1800" b="1" dirty="0"/>
+              <a:t>Extract, transform, and load</a:t>
             </a:r>
           </a:p>
           <a:p>
             <a:r>
               <a:rPr lang="en-US" sz="1800" dirty="0"/>
-              <a:t>Customer email addresses</a:t>
-            </a:r>
-          </a:p>
-          <a:p>
-            <a:r>
-              <a:rPr lang="en-US" sz="1800" dirty="0"/>
-              <a:t>Temperature sensors</a:t>
+              <a:t>Enrichment, tagging, and labeling</a:t>
             </a:r>
             <a:endParaRPr sz="1800" dirty="0"/>
           </a:p>
@@ -22064,7 +22083,7 @@
     </p:spTree>
     <p:extLst>
       <p:ext uri="{BB962C8B-B14F-4D97-AF65-F5344CB8AC3E}">
-        <p14:creationId xmlns:p14="http://schemas.microsoft.com/office/powerpoint/2010/main" val="4135003408"/>
+        <p14:creationId xmlns:p14="http://schemas.microsoft.com/office/powerpoint/2010/main" val="3016710701"/>
       </p:ext>
     </p:extLst>
   </p:cSld>
@@ -22122,11 +22141,11 @@
           <a:p>
             <a:r>
               <a:rPr dirty="0"/>
-              <a:t>88. </a:t>
+              <a:t>90. </a:t>
             </a:r>
             <a:r>
               <a:rPr lang="en-US" dirty="0"/>
-              <a:t>Streaming analytics is the processing and analyzing of data records continuously instead of in batches. Which option is a source of streaming data?</a:t>
+              <a:t>Which statement is true about Dataflow?</a:t>
             </a:r>
             <a:endParaRPr dirty="0"/>
           </a:p>
@@ -22162,34 +22181,34 @@
           <a:p>
             <a:r>
               <a:rPr lang="en-US" sz="1800" dirty="0"/>
-              <a:t>Medical test results</a:t>
+              <a:t>It’s a cloud-based data warehouse for storing and analyzing streaming and batch data.</a:t>
             </a:r>
           </a:p>
           <a:p>
             <a:r>
               <a:rPr lang="en-US" sz="1800" dirty="0"/>
-              <a:t>Payroll records</a:t>
+              <a:t>It’s a messaging service for receiving messages from various device streams.</a:t>
             </a:r>
           </a:p>
           <a:p>
             <a:r>
               <a:rPr lang="en-US" sz="1800" dirty="0"/>
-              <a:t>Customer email addresses</a:t>
-            </a:r>
-          </a:p>
-          <a:p>
-            <a:r>
-              <a:rPr lang="en-US" sz="1800" b="1" dirty="0"/>
-              <a:t>Temperature sensors</a:t>
-            </a:r>
-            <a:endParaRPr sz="1800" b="1" dirty="0"/>
+              <a:t>It handles infrastructure setup and maintenance for processing pipelines.</a:t>
+            </a:r>
+          </a:p>
+          <a:p>
+            <a:r>
+              <a:rPr lang="en-US" sz="1800" dirty="0"/>
+              <a:t>It allows easy data cleaning and transformation through visual tools and machine learning-based suggestions.</a:t>
+            </a:r>
+            <a:endParaRPr sz="1800" dirty="0"/>
           </a:p>
         </p:txBody>
       </p:sp>
     </p:spTree>
     <p:extLst>
       <p:ext uri="{BB962C8B-B14F-4D97-AF65-F5344CB8AC3E}">
-        <p14:creationId xmlns:p14="http://schemas.microsoft.com/office/powerpoint/2010/main" val="656508283"/>
+        <p14:creationId xmlns:p14="http://schemas.microsoft.com/office/powerpoint/2010/main" val="1750200052"/>
       </p:ext>
     </p:extLst>
   </p:cSld>
@@ -22247,11 +22266,11 @@
           <a:p>
             <a:r>
               <a:rPr dirty="0"/>
-              <a:t>89. </a:t>
+              <a:t>90. </a:t>
             </a:r>
             <a:r>
               <a:rPr lang="en-US" dirty="0"/>
-              <a:t>What does ETL stand for in the context of data processing?</a:t>
+              <a:t>Which statement is true about Dataflow?</a:t>
             </a:r>
             <a:endParaRPr dirty="0"/>
           </a:p>
@@ -22287,25 +22306,25 @@
           <a:p>
             <a:r>
               <a:rPr lang="en-US" sz="1800" dirty="0"/>
-              <a:t>Enhanced transaction logic</a:t>
+              <a:t>It’s a cloud-based data warehouse for storing and analyzing streaming and batch data.</a:t>
             </a:r>
           </a:p>
           <a:p>
             <a:r>
               <a:rPr lang="en-US" sz="1800" dirty="0"/>
-              <a:t>Event-time logic</a:t>
+              <a:t>It’s a messaging service for receiving messages from various device streams.</a:t>
+            </a:r>
+          </a:p>
+          <a:p>
+            <a:r>
+              <a:rPr lang="en-US" sz="1800" b="1" dirty="0"/>
+              <a:t>It handles infrastructure setup and maintenance for processing pipelines.</a:t>
             </a:r>
           </a:p>
           <a:p>
             <a:r>
               <a:rPr lang="en-US" sz="1800" dirty="0"/>
-              <a:t>Extract, transform, and load</a:t>
-            </a:r>
-          </a:p>
-          <a:p>
-            <a:r>
-              <a:rPr lang="en-US" sz="1800" dirty="0"/>
-              <a:t>Enrichment, tagging, and labeling</a:t>
+              <a:t>It allows easy data cleaning and transformation through visual tools and machine learning-based suggestions.</a:t>
             </a:r>
             <a:endParaRPr sz="1800" dirty="0"/>
           </a:p>
@@ -22314,7 +22333,7 @@
     </p:spTree>
     <p:extLst>
       <p:ext uri="{BB962C8B-B14F-4D97-AF65-F5344CB8AC3E}">
-        <p14:creationId xmlns:p14="http://schemas.microsoft.com/office/powerpoint/2010/main" val="1227111929"/>
+        <p14:creationId xmlns:p14="http://schemas.microsoft.com/office/powerpoint/2010/main" val="2975240059"/>
       </p:ext>
     </p:extLst>
   </p:cSld>
@@ -22372,11 +22391,11 @@
           <a:p>
             <a:r>
               <a:rPr dirty="0"/>
-              <a:t>89. </a:t>
+              <a:t>91. </a:t>
             </a:r>
             <a:r>
               <a:rPr lang="en-US" dirty="0"/>
-              <a:t>What does ETL stand for in the context of data processing?</a:t>
+              <a:t>What open source platform, originally developed by Google, manages containerized workloads and services?</a:t>
             </a:r>
             <a:endParaRPr dirty="0"/>
           </a:p>
@@ -22407,30 +22426,30 @@
           </a:bodyPr>
           <a:lstStyle/>
           <a:p>
-            <a:endParaRPr lang="en-US" sz="1800" dirty="0"/>
-          </a:p>
-          <a:p>
-            <a:r>
-              <a:rPr lang="en-US" sz="1800" dirty="0"/>
-              <a:t>Enhanced transaction logic</a:t>
-            </a:r>
-          </a:p>
-          <a:p>
-            <a:r>
-              <a:rPr lang="en-US" sz="1800" dirty="0"/>
-              <a:t>Event-time logic</a:t>
-            </a:r>
-          </a:p>
-          <a:p>
-            <a:r>
-              <a:rPr lang="en-US" sz="1800" b="1" dirty="0"/>
-              <a:t>Extract, transform, and load</a:t>
-            </a:r>
-          </a:p>
-          <a:p>
-            <a:r>
-              <a:rPr lang="en-US" sz="1800" dirty="0"/>
-              <a:t>Enrichment, tagging, and labeling</a:t>
+            <a:r>
+              <a:rPr lang="es-ES_tradnl" sz="1800" dirty="0" err="1"/>
+              <a:t>Kubernetes</a:t>
+            </a:r>
+            <a:endParaRPr lang="es-ES_tradnl" sz="1800" dirty="0"/>
+          </a:p>
+          <a:p>
+            <a:r>
+              <a:rPr lang="es-ES_tradnl" sz="1800" dirty="0" err="1"/>
+              <a:t>Go</a:t>
+            </a:r>
+            <a:endParaRPr lang="es-ES_tradnl" sz="1800" dirty="0"/>
+          </a:p>
+          <a:p>
+            <a:r>
+              <a:rPr lang="es-ES_tradnl" sz="1800" dirty="0" err="1"/>
+              <a:t>TensorFlow</a:t>
+            </a:r>
+            <a:endParaRPr lang="es-ES_tradnl" sz="1800" dirty="0"/>
+          </a:p>
+          <a:p>
+            <a:r>
+              <a:rPr lang="es-ES_tradnl" sz="1800" dirty="0"/>
+              <a:t>Angular</a:t>
             </a:r>
             <a:endParaRPr sz="1800" dirty="0"/>
           </a:p>
@@ -22439,7 +22458,7 @@
     </p:spTree>
     <p:extLst>
       <p:ext uri="{BB962C8B-B14F-4D97-AF65-F5344CB8AC3E}">
-        <p14:creationId xmlns:p14="http://schemas.microsoft.com/office/powerpoint/2010/main" val="3016710701"/>
+        <p14:creationId xmlns:p14="http://schemas.microsoft.com/office/powerpoint/2010/main" val="2854040135"/>
       </p:ext>
     </p:extLst>
   </p:cSld>
@@ -22497,11 +22516,11 @@
           <a:p>
             <a:r>
               <a:rPr dirty="0"/>
-              <a:t>90. </a:t>
+              <a:t>91. </a:t>
             </a:r>
             <a:r>
               <a:rPr lang="en-US" dirty="0"/>
-              <a:t>Which statement is true about Dataflow?</a:t>
+              <a:t>What open source platform, originally developed by Google, manages containerized workloads and services?</a:t>
             </a:r>
             <a:endParaRPr dirty="0"/>
           </a:p>
@@ -22532,30 +22551,30 @@
           </a:bodyPr>
           <a:lstStyle/>
           <a:p>
-            <a:endParaRPr lang="en-US" sz="1800" dirty="0"/>
-          </a:p>
-          <a:p>
-            <a:r>
-              <a:rPr lang="en-US" sz="1800" dirty="0"/>
-              <a:t>It’s a cloud-based data warehouse for storing and analyzing streaming and batch data.</a:t>
-            </a:r>
-          </a:p>
-          <a:p>
-            <a:r>
-              <a:rPr lang="en-US" sz="1800" dirty="0"/>
-              <a:t>It’s a messaging service for receiving messages from various device streams.</a:t>
-            </a:r>
-          </a:p>
-          <a:p>
-            <a:r>
-              <a:rPr lang="en-US" sz="1800" dirty="0"/>
-              <a:t>It handles infrastructure setup and maintenance for processing pipelines.</a:t>
-            </a:r>
-          </a:p>
-          <a:p>
-            <a:r>
-              <a:rPr lang="en-US" sz="1800" dirty="0"/>
-              <a:t>It allows easy data cleaning and transformation through visual tools and machine learning-based suggestions.</a:t>
+            <a:r>
+              <a:rPr lang="es-ES_tradnl" sz="1800" b="1" dirty="0" err="1"/>
+              <a:t>Kubernetes</a:t>
+            </a:r>
+            <a:endParaRPr lang="es-ES_tradnl" sz="1800" b="1" dirty="0"/>
+          </a:p>
+          <a:p>
+            <a:r>
+              <a:rPr lang="es-ES_tradnl" sz="1800" dirty="0" err="1"/>
+              <a:t>Go</a:t>
+            </a:r>
+            <a:endParaRPr lang="es-ES_tradnl" sz="1800" dirty="0"/>
+          </a:p>
+          <a:p>
+            <a:r>
+              <a:rPr lang="es-ES_tradnl" sz="1800" dirty="0" err="1"/>
+              <a:t>TensorFlow</a:t>
+            </a:r>
+            <a:endParaRPr lang="es-ES_tradnl" sz="1800" dirty="0"/>
+          </a:p>
+          <a:p>
+            <a:r>
+              <a:rPr lang="es-ES_tradnl" sz="1800" dirty="0"/>
+              <a:t>Angular</a:t>
             </a:r>
             <a:endParaRPr sz="1800" dirty="0"/>
           </a:p>
@@ -22564,7 +22583,7 @@
     </p:spTree>
     <p:extLst>
       <p:ext uri="{BB962C8B-B14F-4D97-AF65-F5344CB8AC3E}">
-        <p14:creationId xmlns:p14="http://schemas.microsoft.com/office/powerpoint/2010/main" val="1750200052"/>
+        <p14:creationId xmlns:p14="http://schemas.microsoft.com/office/powerpoint/2010/main" val="897593591"/>
       </p:ext>
     </p:extLst>
   </p:cSld>
@@ -22622,11 +22641,11 @@
           <a:p>
             <a:r>
               <a:rPr dirty="0"/>
-              <a:t>90. </a:t>
+              <a:t>92. </a:t>
             </a:r>
             <a:r>
               <a:rPr lang="en-US" dirty="0"/>
-              <a:t>Which statement is true about Dataflow?</a:t>
+              <a:t>A travel company is in the early stages of developing a new application and wants to test it on a variety of configurations: different operating systems, processors, and storage options. What cloud computing option should they use?</a:t>
             </a:r>
             <a:endParaRPr dirty="0"/>
           </a:p>
@@ -22657,30 +22676,46 @@
           </a:bodyPr>
           <a:lstStyle/>
           <a:p>
-            <a:endParaRPr lang="en-US" sz="1800" dirty="0"/>
-          </a:p>
-          <a:p>
-            <a:r>
-              <a:rPr lang="en-US" sz="1800" dirty="0"/>
-              <a:t>It’s a cloud-based data warehouse for storing and analyzing streaming and batch data.</a:t>
-            </a:r>
-          </a:p>
-          <a:p>
-            <a:r>
-              <a:rPr lang="en-US" sz="1800" dirty="0"/>
-              <a:t>It’s a messaging service for receiving messages from various device streams.</a:t>
-            </a:r>
-          </a:p>
-          <a:p>
-            <a:r>
-              <a:rPr lang="en-US" sz="1800" b="1" dirty="0"/>
-              <a:t>It handles infrastructure setup and maintenance for processing pipelines.</a:t>
-            </a:r>
-          </a:p>
-          <a:p>
-            <a:r>
-              <a:rPr lang="en-US" sz="1800" dirty="0"/>
-              <a:t>It allows easy data cleaning and transformation through visual tools and machine learning-based suggestions.</a:t>
+            <a:r>
+              <a:rPr lang="es-ES_tradnl" sz="1800" dirty="0" err="1"/>
+              <a:t>Containers</a:t>
+            </a:r>
+            <a:endParaRPr lang="es-ES_tradnl" sz="1800" dirty="0"/>
+          </a:p>
+          <a:p>
+            <a:r>
+              <a:rPr lang="es-ES_tradnl" sz="1800" dirty="0"/>
+              <a:t>Virtual machine </a:t>
+            </a:r>
+            <a:r>
+              <a:rPr lang="es-ES_tradnl" sz="1800" dirty="0" err="1"/>
+              <a:t>instances</a:t>
+            </a:r>
+            <a:endParaRPr lang="es-ES_tradnl" sz="1800" dirty="0"/>
+          </a:p>
+          <a:p>
+            <a:r>
+              <a:rPr lang="es-ES_tradnl" sz="1800" dirty="0" err="1"/>
+              <a:t>Colocation</a:t>
+            </a:r>
+            <a:endParaRPr lang="es-ES_tradnl" sz="1800" dirty="0"/>
+          </a:p>
+          <a:p>
+            <a:r>
+              <a:rPr lang="es-ES_tradnl" sz="1800" dirty="0"/>
+              <a:t>A local </a:t>
+            </a:r>
+            <a:r>
+              <a:rPr lang="es-ES_tradnl" sz="1800" dirty="0" err="1"/>
+              <a:t>development</a:t>
+            </a:r>
+            <a:r>
+              <a:rPr lang="es-ES_tradnl" sz="1800" dirty="0"/>
+              <a:t> </a:t>
+            </a:r>
+            <a:r>
+              <a:rPr lang="es-ES_tradnl" sz="1800" dirty="0" err="1"/>
+              <a:t>environment</a:t>
             </a:r>
             <a:endParaRPr sz="1800" dirty="0"/>
           </a:p>
@@ -22689,7 +22724,7 @@
     </p:spTree>
     <p:extLst>
       <p:ext uri="{BB962C8B-B14F-4D97-AF65-F5344CB8AC3E}">
-        <p14:creationId xmlns:p14="http://schemas.microsoft.com/office/powerpoint/2010/main" val="2975240059"/>
+        <p14:creationId xmlns:p14="http://schemas.microsoft.com/office/powerpoint/2010/main" val="3289117188"/>
       </p:ext>
     </p:extLst>
   </p:cSld>
@@ -22747,11 +22782,11 @@
           <a:p>
             <a:r>
               <a:rPr dirty="0"/>
-              <a:t>91. </a:t>
+              <a:t>92. </a:t>
             </a:r>
             <a:r>
               <a:rPr lang="en-US" dirty="0"/>
-              <a:t>What open source platform, originally developed by Google, manages containerized workloads and services?</a:t>
+              <a:t>A travel company is in the early stages of developing a new application and wants to test it on a variety of configurations: different operating systems, processors, and storage options. What cloud computing option should they use?</a:t>
             </a:r>
             <a:endParaRPr dirty="0"/>
           </a:p>
@@ -22784,28 +22819,44 @@
           <a:p>
             <a:r>
               <a:rPr lang="es-ES_tradnl" sz="1800" dirty="0" err="1"/>
-              <a:t>Kubernetes</a:t>
+              <a:t>Containers</a:t>
             </a:r>
             <a:endParaRPr lang="es-ES_tradnl" sz="1800" dirty="0"/>
           </a:p>
           <a:p>
             <a:r>
+              <a:rPr lang="es-ES_tradnl" sz="1800" b="1" dirty="0"/>
+              <a:t>Virtual machine </a:t>
+            </a:r>
+            <a:r>
+              <a:rPr lang="es-ES_tradnl" sz="1800" b="1" dirty="0" err="1"/>
+              <a:t>instances</a:t>
+            </a:r>
+            <a:endParaRPr lang="es-ES_tradnl" sz="1800" b="1" dirty="0"/>
+          </a:p>
+          <a:p>
+            <a:r>
               <a:rPr lang="es-ES_tradnl" sz="1800" dirty="0" err="1"/>
-              <a:t>Go</a:t>
+              <a:t>Colocation</a:t>
             </a:r>
             <a:endParaRPr lang="es-ES_tradnl" sz="1800" dirty="0"/>
           </a:p>
           <a:p>
             <a:r>
+              <a:rPr lang="es-ES_tradnl" sz="1800" dirty="0"/>
+              <a:t>A local </a:t>
+            </a:r>
+            <a:r>
               <a:rPr lang="es-ES_tradnl" sz="1800" dirty="0" err="1"/>
-              <a:t>TensorFlow</a:t>
-            </a:r>
-            <a:endParaRPr lang="es-ES_tradnl" sz="1800" dirty="0"/>
-          </a:p>
-          <a:p>
+              <a:t>development</a:t>
+            </a:r>
             <a:r>
               <a:rPr lang="es-ES_tradnl" sz="1800" dirty="0"/>
-              <a:t>Angular</a:t>
+              <a:t> </a:t>
+            </a:r>
+            <a:r>
+              <a:rPr lang="es-ES_tradnl" sz="1800" dirty="0" err="1"/>
+              <a:t>environment</a:t>
             </a:r>
             <a:endParaRPr sz="1800" dirty="0"/>
           </a:p>
@@ -22814,7 +22865,7 @@
     </p:spTree>
     <p:extLst>
       <p:ext uri="{BB962C8B-B14F-4D97-AF65-F5344CB8AC3E}">
-        <p14:creationId xmlns:p14="http://schemas.microsoft.com/office/powerpoint/2010/main" val="2854040135"/>
+        <p14:creationId xmlns:p14="http://schemas.microsoft.com/office/powerpoint/2010/main" val="3234108739"/>
       </p:ext>
     </p:extLst>
   </p:cSld>
@@ -22872,11 +22923,11 @@
           <a:p>
             <a:r>
               <a:rPr dirty="0"/>
-              <a:t>91. </a:t>
+              <a:t>93. </a:t>
             </a:r>
             <a:r>
               <a:rPr lang="en-US" dirty="0"/>
-              <a:t>What open source platform, originally developed by Google, manages containerized workloads and services?</a:t>
+              <a:t>What portion of a machine does a container virtualize?</a:t>
             </a:r>
             <a:endParaRPr dirty="0"/>
           </a:p>
@@ -22908,29 +22959,26 @@
           <a:lstStyle/>
           <a:p>
             <a:r>
-              <a:rPr lang="es-ES_tradnl" sz="1800" b="1" dirty="0" err="1"/>
-              <a:t>Kubernetes</a:t>
-            </a:r>
-            <a:endParaRPr lang="es-ES_tradnl" sz="1800" b="1" dirty="0"/>
-          </a:p>
-          <a:p>
-            <a:r>
-              <a:rPr lang="es-ES_tradnl" sz="1800" dirty="0" err="1"/>
-              <a:t>Go</a:t>
-            </a:r>
-            <a:endParaRPr lang="es-ES_tradnl" sz="1800" dirty="0"/>
-          </a:p>
-          <a:p>
-            <a:r>
-              <a:rPr lang="es-ES_tradnl" sz="1800" dirty="0" err="1"/>
-              <a:t>TensorFlow</a:t>
-            </a:r>
-            <a:endParaRPr lang="es-ES_tradnl" sz="1800" dirty="0"/>
-          </a:p>
-          <a:p>
-            <a:r>
-              <a:rPr lang="es-ES_tradnl" sz="1800" dirty="0"/>
-              <a:t>Angular</a:t>
+              <a:rPr lang="en-US" sz="1800" dirty="0"/>
+              <a:t>Software layers above the operating system level</a:t>
+            </a:r>
+          </a:p>
+          <a:p>
+            <a:r>
+              <a:rPr lang="en-US" sz="1800" dirty="0"/>
+              <a:t>The entire machine</a:t>
+            </a:r>
+          </a:p>
+          <a:p>
+            <a:r>
+              <a:rPr lang="en-US" sz="1800" dirty="0"/>
+              <a:t>Software layers above the firmware level</a:t>
+            </a:r>
+          </a:p>
+          <a:p>
+            <a:r>
+              <a:rPr lang="en-US" sz="1800" dirty="0"/>
+              <a:t>Hardware layers above the electrical level</a:t>
             </a:r>
             <a:endParaRPr sz="1800" dirty="0"/>
           </a:p>
@@ -22939,7 +22987,7 @@
     </p:spTree>
     <p:extLst>
       <p:ext uri="{BB962C8B-B14F-4D97-AF65-F5344CB8AC3E}">
-        <p14:creationId xmlns:p14="http://schemas.microsoft.com/office/powerpoint/2010/main" val="897593591"/>
+        <p14:creationId xmlns:p14="http://schemas.microsoft.com/office/powerpoint/2010/main" val="14347938"/>
       </p:ext>
     </p:extLst>
   </p:cSld>
@@ -22997,11 +23045,11 @@
           <a:p>
             <a:r>
               <a:rPr dirty="0"/>
-              <a:t>92. </a:t>
+              <a:t>93. </a:t>
             </a:r>
             <a:r>
               <a:rPr lang="en-US" dirty="0"/>
-              <a:t>A travel company is in the early stages of developing a new application and wants to test it on a variety of configurations: different operating systems, processors, and storage options. What cloud computing option should they use?</a:t>
+              <a:t>What portion of a machine does a container virtualize?</a:t>
             </a:r>
             <a:endParaRPr dirty="0"/>
           </a:p>
@@ -23033,45 +23081,26 @@
           <a:lstStyle/>
           <a:p>
             <a:r>
-              <a:rPr lang="es-ES_tradnl" sz="1800" dirty="0" err="1"/>
-              <a:t>Containers</a:t>
-            </a:r>
-            <a:endParaRPr lang="es-ES_tradnl" sz="1800" dirty="0"/>
-          </a:p>
-          <a:p>
-            <a:r>
-              <a:rPr lang="es-ES_tradnl" sz="1800" dirty="0"/>
-              <a:t>Virtual machine </a:t>
-            </a:r>
-            <a:r>
-              <a:rPr lang="es-ES_tradnl" sz="1800" dirty="0" err="1"/>
-              <a:t>instances</a:t>
-            </a:r>
-            <a:endParaRPr lang="es-ES_tradnl" sz="1800" dirty="0"/>
-          </a:p>
-          <a:p>
-            <a:r>
-              <a:rPr lang="es-ES_tradnl" sz="1800" dirty="0" err="1"/>
-              <a:t>Colocation</a:t>
-            </a:r>
-            <a:endParaRPr lang="es-ES_tradnl" sz="1800" dirty="0"/>
-          </a:p>
-          <a:p>
-            <a:r>
-              <a:rPr lang="es-ES_tradnl" sz="1800" dirty="0"/>
-              <a:t>A local </a:t>
-            </a:r>
-            <a:r>
-              <a:rPr lang="es-ES_tradnl" sz="1800" dirty="0" err="1"/>
-              <a:t>development</a:t>
-            </a:r>
-            <a:r>
-              <a:rPr lang="es-ES_tradnl" sz="1800" dirty="0"/>
-              <a:t> </a:t>
-            </a:r>
-            <a:r>
-              <a:rPr lang="es-ES_tradnl" sz="1800" dirty="0" err="1"/>
-              <a:t>environment</a:t>
+              <a:rPr lang="en-US" sz="1800" b="1" dirty="0"/>
+              <a:t>Software layers above the operating system level</a:t>
+            </a:r>
+          </a:p>
+          <a:p>
+            <a:r>
+              <a:rPr lang="en-US" sz="1800" dirty="0"/>
+              <a:t>The entire machine</a:t>
+            </a:r>
+          </a:p>
+          <a:p>
+            <a:r>
+              <a:rPr lang="en-US" sz="1800" dirty="0"/>
+              <a:t>Software layers above the firmware level</a:t>
+            </a:r>
+          </a:p>
+          <a:p>
+            <a:r>
+              <a:rPr lang="en-US" sz="1800" dirty="0"/>
+              <a:t>Hardware layers above the electrical level</a:t>
             </a:r>
             <a:endParaRPr sz="1800" dirty="0"/>
           </a:p>
@@ -23080,7 +23109,7 @@
     </p:spTree>
     <p:extLst>
       <p:ext uri="{BB962C8B-B14F-4D97-AF65-F5344CB8AC3E}">
-        <p14:creationId xmlns:p14="http://schemas.microsoft.com/office/powerpoint/2010/main" val="3289117188"/>
+        <p14:creationId xmlns:p14="http://schemas.microsoft.com/office/powerpoint/2010/main" val="616080956"/>
       </p:ext>
     </p:extLst>
   </p:cSld>
@@ -23347,11 +23376,11 @@
           <a:p>
             <a:r>
               <a:rPr dirty="0"/>
-              <a:t>92. </a:t>
+              <a:t>94. </a:t>
             </a:r>
             <a:r>
               <a:rPr lang="en-US" dirty="0"/>
-              <a:t>A travel company is in the early stages of developing a new application and wants to test it on a variety of configurations: different operating systems, processors, and storage options. What cloud computing option should they use?</a:t>
+              <a:t>A manufacturing company is considering shifting their on-premises infrastructure to the cloud, but are concerned that access to their data and applications won’t be available when they need them. They want to ensure that if one data center goes down, another will be available to prevent any disruption of service. What does this refer to?</a:t>
             </a:r>
             <a:endParaRPr dirty="0"/>
           </a:p>
@@ -23382,46 +23411,30 @@
           </a:bodyPr>
           <a:lstStyle/>
           <a:p>
-            <a:r>
-              <a:rPr lang="es-ES_tradnl" sz="1800" dirty="0" err="1"/>
-              <a:t>Containers</a:t>
-            </a:r>
-            <a:endParaRPr lang="es-ES_tradnl" sz="1800" dirty="0"/>
-          </a:p>
-          <a:p>
-            <a:r>
-              <a:rPr lang="es-ES_tradnl" sz="1800" b="1" dirty="0"/>
-              <a:t>Virtual machine </a:t>
-            </a:r>
-            <a:r>
-              <a:rPr lang="es-ES_tradnl" sz="1800" b="1" dirty="0" err="1"/>
-              <a:t>instances</a:t>
-            </a:r>
-            <a:endParaRPr lang="es-ES_tradnl" sz="1800" b="1" dirty="0"/>
-          </a:p>
-          <a:p>
-            <a:r>
-              <a:rPr lang="es-ES_tradnl" sz="1800" dirty="0" err="1"/>
-              <a:t>Colocation</a:t>
-            </a:r>
-            <a:endParaRPr lang="es-ES_tradnl" sz="1800" dirty="0"/>
-          </a:p>
-          <a:p>
-            <a:r>
-              <a:rPr lang="es-ES_tradnl" sz="1800" dirty="0"/>
-              <a:t>A local </a:t>
-            </a:r>
-            <a:r>
-              <a:rPr lang="es-ES_tradnl" sz="1800" dirty="0" err="1"/>
-              <a:t>development</a:t>
-            </a:r>
-            <a:r>
-              <a:rPr lang="es-ES_tradnl" sz="1800" dirty="0"/>
-              <a:t> </a:t>
-            </a:r>
-            <a:r>
-              <a:rPr lang="es-ES_tradnl" sz="1800" dirty="0" err="1"/>
-              <a:t>environment</a:t>
+            <a:endParaRPr lang="en-US" sz="1800" dirty="0"/>
+          </a:p>
+          <a:p>
+            <a:r>
+              <a:rPr lang="en-US" sz="1800" dirty="0"/>
+              <a:t>Security</a:t>
+            </a:r>
+          </a:p>
+          <a:p>
+            <a:r>
+              <a:rPr lang="en-US" sz="1800" dirty="0"/>
+              <a:t>Total cost of ownership</a:t>
+            </a:r>
+          </a:p>
+          <a:p>
+            <a:r>
+              <a:rPr lang="en-US" sz="1800" dirty="0"/>
+              <a:t>Flexibility</a:t>
+            </a:r>
+          </a:p>
+          <a:p>
+            <a:r>
+              <a:rPr lang="en-US" sz="1800" dirty="0"/>
+              <a:t>Reliability</a:t>
             </a:r>
             <a:endParaRPr sz="1800" dirty="0"/>
           </a:p>
@@ -23430,7 +23443,7 @@
     </p:spTree>
     <p:extLst>
       <p:ext uri="{BB962C8B-B14F-4D97-AF65-F5344CB8AC3E}">
-        <p14:creationId xmlns:p14="http://schemas.microsoft.com/office/powerpoint/2010/main" val="3234108739"/>
+        <p14:creationId xmlns:p14="http://schemas.microsoft.com/office/powerpoint/2010/main" val="2493336731"/>
       </p:ext>
     </p:extLst>
   </p:cSld>
@@ -23488,11 +23501,11 @@
           <a:p>
             <a:r>
               <a:rPr dirty="0"/>
-              <a:t>93. </a:t>
+              <a:t>94. </a:t>
             </a:r>
             <a:r>
               <a:rPr lang="en-US" dirty="0"/>
-              <a:t>What portion of a machine does a container virtualize?</a:t>
+              <a:t>A manufacturing company is considering shifting their on-premises infrastructure to the cloud, but are concerned that access to their data and applications won’t be available when they need them. They want to ensure that if one data center goes down, another will be available to prevent any disruption of service. What does this refer to?</a:t>
             </a:r>
             <a:endParaRPr dirty="0"/>
           </a:p>
@@ -23523,36 +23536,39 @@
           </a:bodyPr>
           <a:lstStyle/>
           <a:p>
+            <a:endParaRPr lang="en-US" sz="1800" dirty="0"/>
+          </a:p>
+          <a:p>
             <a:r>
               <a:rPr lang="en-US" sz="1800" dirty="0"/>
-              <a:t>Software layers above the operating system level</a:t>
+              <a:t>Security</a:t>
             </a:r>
           </a:p>
           <a:p>
             <a:r>
               <a:rPr lang="en-US" sz="1800" dirty="0"/>
-              <a:t>The entire machine</a:t>
+              <a:t>Total cost of ownership</a:t>
             </a:r>
           </a:p>
           <a:p>
             <a:r>
               <a:rPr lang="en-US" sz="1800" dirty="0"/>
-              <a:t>Software layers above the firmware level</a:t>
-            </a:r>
-          </a:p>
-          <a:p>
-            <a:r>
-              <a:rPr lang="en-US" sz="1800" dirty="0"/>
-              <a:t>Hardware layers above the electrical level</a:t>
-            </a:r>
-            <a:endParaRPr sz="1800" dirty="0"/>
+              <a:t>Flexibility</a:t>
+            </a:r>
+          </a:p>
+          <a:p>
+            <a:r>
+              <a:rPr lang="en-US" sz="1800" b="1" dirty="0"/>
+              <a:t>Reliability</a:t>
+            </a:r>
+            <a:endParaRPr sz="1800" b="1" dirty="0"/>
           </a:p>
         </p:txBody>
       </p:sp>
     </p:spTree>
     <p:extLst>
       <p:ext uri="{BB962C8B-B14F-4D97-AF65-F5344CB8AC3E}">
-        <p14:creationId xmlns:p14="http://schemas.microsoft.com/office/powerpoint/2010/main" val="14347938"/>
+        <p14:creationId xmlns:p14="http://schemas.microsoft.com/office/powerpoint/2010/main" val="376218748"/>
       </p:ext>
     </p:extLst>
   </p:cSld>
@@ -23610,11 +23626,11 @@
           <a:p>
             <a:r>
               <a:rPr dirty="0"/>
-              <a:t>93. </a:t>
+              <a:t>95. </a:t>
             </a:r>
             <a:r>
               <a:rPr lang="en-US" dirty="0"/>
-              <a:t>What portion of a machine does a container virtualize?</a:t>
+              <a:t>What computing option automatically provisions resources, like compute power, in the background as needed?</a:t>
             </a:r>
             <a:endParaRPr dirty="0"/>
           </a:p>
@@ -23645,27 +23661,87 @@
           </a:bodyPr>
           <a:lstStyle/>
           <a:p>
-            <a:r>
-              <a:rPr lang="en-US" sz="1800" b="1" dirty="0"/>
-              <a:t>Software layers above the operating system level</a:t>
-            </a:r>
-          </a:p>
-          <a:p>
-            <a:r>
-              <a:rPr lang="en-US" sz="1800" dirty="0"/>
-              <a:t>The entire machine</a:t>
-            </a:r>
-          </a:p>
-          <a:p>
-            <a:r>
-              <a:rPr lang="en-US" sz="1800" dirty="0"/>
-              <a:t>Software layers above the firmware level</a:t>
-            </a:r>
-          </a:p>
-          <a:p>
-            <a:r>
-              <a:rPr lang="en-US" sz="1800" dirty="0"/>
-              <a:t>Hardware layers above the electrical level</a:t>
+            <a:endParaRPr lang="es-ES_tradnl" sz="1800" dirty="0"/>
+          </a:p>
+          <a:p>
+            <a:r>
+              <a:rPr lang="es-ES_tradnl" sz="1800" dirty="0" err="1"/>
+              <a:t>Traditional</a:t>
+            </a:r>
+            <a:r>
+              <a:rPr lang="es-ES_tradnl" sz="1800" dirty="0"/>
+              <a:t> </a:t>
+            </a:r>
+            <a:r>
+              <a:rPr lang="es-ES_tradnl" sz="1800" dirty="0" err="1"/>
+              <a:t>on</a:t>
+            </a:r>
+            <a:r>
+              <a:rPr lang="es-ES_tradnl" sz="1800" dirty="0"/>
+              <a:t>-premises </a:t>
+            </a:r>
+            <a:r>
+              <a:rPr lang="es-ES_tradnl" sz="1800" dirty="0" err="1"/>
+              <a:t>computing</a:t>
+            </a:r>
+            <a:endParaRPr lang="es-ES_tradnl" sz="1800" dirty="0"/>
+          </a:p>
+          <a:p>
+            <a:r>
+              <a:rPr lang="es-ES_tradnl" sz="1800" dirty="0"/>
+              <a:t>PaaS (</a:t>
+            </a:r>
+            <a:r>
+              <a:rPr lang="es-ES_tradnl" sz="1800" dirty="0" err="1"/>
+              <a:t>platform</a:t>
+            </a:r>
+            <a:r>
+              <a:rPr lang="es-ES_tradnl" sz="1800" dirty="0"/>
+              <a:t> as a </a:t>
+            </a:r>
+            <a:r>
+              <a:rPr lang="es-ES_tradnl" sz="1800" dirty="0" err="1"/>
+              <a:t>service</a:t>
+            </a:r>
+            <a:r>
+              <a:rPr lang="es-ES_tradnl" sz="1800" dirty="0"/>
+              <a:t>)</a:t>
+            </a:r>
+          </a:p>
+          <a:p>
+            <a:r>
+              <a:rPr lang="es-ES_tradnl" sz="1800" dirty="0"/>
+              <a:t>IaaS (</a:t>
+            </a:r>
+            <a:r>
+              <a:rPr lang="es-ES_tradnl" sz="1800" dirty="0" err="1"/>
+              <a:t>infrastructure</a:t>
+            </a:r>
+            <a:r>
+              <a:rPr lang="es-ES_tradnl" sz="1800" dirty="0"/>
+              <a:t> as a </a:t>
+            </a:r>
+            <a:r>
+              <a:rPr lang="es-ES_tradnl" sz="1800" dirty="0" err="1"/>
+              <a:t>service</a:t>
+            </a:r>
+            <a:r>
+              <a:rPr lang="es-ES_tradnl" sz="1800" dirty="0"/>
+              <a:t>)</a:t>
+            </a:r>
+          </a:p>
+          <a:p>
+            <a:r>
+              <a:rPr lang="es-ES_tradnl" sz="1800" dirty="0" err="1"/>
+              <a:t>Serverless</a:t>
+            </a:r>
+            <a:r>
+              <a:rPr lang="es-ES_tradnl" sz="1800" dirty="0"/>
+              <a:t> </a:t>
+            </a:r>
+            <a:r>
+              <a:rPr lang="es-ES_tradnl" sz="1800" dirty="0" err="1"/>
+              <a:t>computing</a:t>
             </a:r>
             <a:endParaRPr sz="1800" dirty="0"/>
           </a:p>
@@ -23674,7 +23750,7 @@
     </p:spTree>
     <p:extLst>
       <p:ext uri="{BB962C8B-B14F-4D97-AF65-F5344CB8AC3E}">
-        <p14:creationId xmlns:p14="http://schemas.microsoft.com/office/powerpoint/2010/main" val="616080956"/>
+        <p14:creationId xmlns:p14="http://schemas.microsoft.com/office/powerpoint/2010/main" val="3010348579"/>
       </p:ext>
     </p:extLst>
   </p:cSld>
@@ -23732,11 +23808,11 @@
           <a:p>
             <a:r>
               <a:rPr dirty="0"/>
-              <a:t>94. </a:t>
+              <a:t>95. </a:t>
             </a:r>
             <a:r>
               <a:rPr lang="en-US" dirty="0"/>
-              <a:t>A manufacturing company is considering shifting their on-premises infrastructure to the cloud, but are concerned that access to their data and applications won’t be available when they need them. They want to ensure that if one data center goes down, another will be available to prevent any disruption of service. What does this refer to?</a:t>
+              <a:t>What computing option automatically provisions resources, like compute power, in the background as needed?</a:t>
             </a:r>
             <a:endParaRPr dirty="0"/>
           </a:p>
@@ -23767,39 +23843,96 @@
           </a:bodyPr>
           <a:lstStyle/>
           <a:p>
-            <a:endParaRPr lang="en-US" sz="1800" dirty="0"/>
-          </a:p>
-          <a:p>
-            <a:r>
-              <a:rPr lang="en-US" sz="1800" dirty="0"/>
-              <a:t>Security</a:t>
-            </a:r>
-          </a:p>
-          <a:p>
-            <a:r>
-              <a:rPr lang="en-US" sz="1800" dirty="0"/>
-              <a:t>Total cost of ownership</a:t>
-            </a:r>
-          </a:p>
-          <a:p>
-            <a:r>
-              <a:rPr lang="en-US" sz="1800" dirty="0"/>
-              <a:t>Flexibility</a:t>
-            </a:r>
-          </a:p>
-          <a:p>
-            <a:r>
-              <a:rPr lang="en-US" sz="1800" dirty="0"/>
-              <a:t>Reliability</a:t>
-            </a:r>
-            <a:endParaRPr sz="1800" dirty="0"/>
+            <a:endParaRPr lang="es-ES_tradnl" sz="1800" dirty="0"/>
+          </a:p>
+          <a:p>
+            <a:r>
+              <a:rPr lang="es-ES_tradnl" sz="1800" dirty="0" err="1"/>
+              <a:t>Traditional</a:t>
+            </a:r>
+            <a:r>
+              <a:rPr lang="es-ES_tradnl" sz="1800" dirty="0"/>
+              <a:t> </a:t>
+            </a:r>
+            <a:r>
+              <a:rPr lang="es-ES_tradnl" sz="1800" dirty="0" err="1"/>
+              <a:t>on</a:t>
+            </a:r>
+            <a:r>
+              <a:rPr lang="es-ES_tradnl" sz="1800" dirty="0"/>
+              <a:t>-premises </a:t>
+            </a:r>
+            <a:r>
+              <a:rPr lang="es-ES_tradnl" sz="1800" dirty="0" err="1"/>
+              <a:t>computing</a:t>
+            </a:r>
+            <a:endParaRPr lang="es-ES_tradnl" sz="1800" dirty="0"/>
+          </a:p>
+          <a:p>
+            <a:r>
+              <a:rPr lang="es-ES_tradnl" sz="1800" dirty="0"/>
+              <a:t>PaaS (</a:t>
+            </a:r>
+            <a:r>
+              <a:rPr lang="es-ES_tradnl" sz="1800" dirty="0" err="1"/>
+              <a:t>platform</a:t>
+            </a:r>
+            <a:r>
+              <a:rPr lang="es-ES_tradnl" sz="1800" dirty="0"/>
+              <a:t> as a </a:t>
+            </a:r>
+            <a:r>
+              <a:rPr lang="es-ES_tradnl" sz="1800" dirty="0" err="1"/>
+              <a:t>service</a:t>
+            </a:r>
+            <a:r>
+              <a:rPr lang="es-ES_tradnl" sz="1800" dirty="0"/>
+              <a:t>)</a:t>
+            </a:r>
+          </a:p>
+          <a:p>
+            <a:r>
+              <a:rPr lang="es-ES_tradnl" sz="1800" dirty="0"/>
+              <a:t>IaaS (</a:t>
+            </a:r>
+            <a:r>
+              <a:rPr lang="es-ES_tradnl" sz="1800" dirty="0" err="1"/>
+              <a:t>infrastructure</a:t>
+            </a:r>
+            <a:r>
+              <a:rPr lang="es-ES_tradnl" sz="1800" dirty="0"/>
+              <a:t> as a </a:t>
+            </a:r>
+            <a:r>
+              <a:rPr lang="es-ES_tradnl" sz="1800" dirty="0" err="1"/>
+              <a:t>service</a:t>
+            </a:r>
+            <a:r>
+              <a:rPr lang="es-ES_tradnl" sz="1800" dirty="0"/>
+              <a:t>)</a:t>
+            </a:r>
+          </a:p>
+          <a:p>
+            <a:r>
+              <a:rPr lang="es-ES_tradnl" sz="1800" b="1" dirty="0" err="1"/>
+              <a:t>Serverless</a:t>
+            </a:r>
+            <a:r>
+              <a:rPr lang="es-ES_tradnl" sz="1800" b="1" dirty="0"/>
+              <a:t> </a:t>
+            </a:r>
+            <a:r>
+              <a:rPr lang="es-ES_tradnl" sz="1800" b="1" dirty="0" err="1"/>
+              <a:t>computing</a:t>
+            </a:r>
+            <a:endParaRPr sz="1800" b="1" dirty="0"/>
           </a:p>
         </p:txBody>
       </p:sp>
     </p:spTree>
     <p:extLst>
       <p:ext uri="{BB962C8B-B14F-4D97-AF65-F5344CB8AC3E}">
-        <p14:creationId xmlns:p14="http://schemas.microsoft.com/office/powerpoint/2010/main" val="2493336731"/>
+        <p14:creationId xmlns:p14="http://schemas.microsoft.com/office/powerpoint/2010/main" val="1887623173"/>
       </p:ext>
     </p:extLst>
   </p:cSld>
@@ -23857,11 +23990,11 @@
           <a:p>
             <a:r>
               <a:rPr dirty="0"/>
-              <a:t>94. </a:t>
+              <a:t>96. </a:t>
             </a:r>
             <a:r>
               <a:rPr lang="en-US" dirty="0"/>
-              <a:t>A manufacturing company is considering shifting their on-premises infrastructure to the cloud, but are concerned that access to their data and applications won’t be available when they need them. They want to ensure that if one data center goes down, another will be available to prevent any disruption of service. What does this refer to?</a:t>
+              <a:t>In modern cloud application development, what name is given to independently deployable, scalable, and maintainable components that can be used to build a wide range of applications?</a:t>
             </a:r>
             <a:endParaRPr dirty="0"/>
           </a:p>
@@ -23892,39 +24025,41 @@
           </a:bodyPr>
           <a:lstStyle/>
           <a:p>
-            <a:endParaRPr lang="en-US" sz="1800" dirty="0"/>
-          </a:p>
-          <a:p>
-            <a:r>
-              <a:rPr lang="en-US" sz="1800" dirty="0"/>
-              <a:t>Security</a:t>
-            </a:r>
-          </a:p>
-          <a:p>
-            <a:r>
-              <a:rPr lang="en-US" sz="1800" dirty="0"/>
-              <a:t>Total cost of ownership</a:t>
-            </a:r>
-          </a:p>
-          <a:p>
-            <a:r>
-              <a:rPr lang="en-US" sz="1800" dirty="0"/>
-              <a:t>Flexibility</a:t>
-            </a:r>
-          </a:p>
-          <a:p>
-            <a:r>
-              <a:rPr lang="en-US" sz="1800" b="1" dirty="0"/>
-              <a:t>Reliability</a:t>
-            </a:r>
-            <a:endParaRPr sz="1800" b="1" dirty="0"/>
+            <a:endParaRPr lang="es-ES_tradnl" sz="1800" dirty="0"/>
+          </a:p>
+          <a:p>
+            <a:r>
+              <a:rPr lang="es-ES_tradnl" sz="1800" dirty="0" err="1"/>
+              <a:t>Monoliths</a:t>
+            </a:r>
+            <a:endParaRPr lang="es-ES_tradnl" sz="1800" dirty="0"/>
+          </a:p>
+          <a:p>
+            <a:r>
+              <a:rPr lang="es-ES_tradnl" sz="1800" dirty="0" err="1"/>
+              <a:t>Containers</a:t>
+            </a:r>
+            <a:endParaRPr lang="es-ES_tradnl" sz="1800" dirty="0"/>
+          </a:p>
+          <a:p>
+            <a:r>
+              <a:rPr lang="es-ES_tradnl" sz="1800" dirty="0"/>
+              <a:t>DevOps</a:t>
+            </a:r>
+          </a:p>
+          <a:p>
+            <a:r>
+              <a:rPr lang="es-ES_tradnl" sz="1800" dirty="0" err="1"/>
+              <a:t>Microservices</a:t>
+            </a:r>
+            <a:endParaRPr sz="1800" dirty="0"/>
           </a:p>
         </p:txBody>
       </p:sp>
     </p:spTree>
     <p:extLst>
       <p:ext uri="{BB962C8B-B14F-4D97-AF65-F5344CB8AC3E}">
-        <p14:creationId xmlns:p14="http://schemas.microsoft.com/office/powerpoint/2010/main" val="376218748"/>
+        <p14:creationId xmlns:p14="http://schemas.microsoft.com/office/powerpoint/2010/main" val="3388660570"/>
       </p:ext>
     </p:extLst>
   </p:cSld>
@@ -23982,11 +24117,11 @@
           <a:p>
             <a:r>
               <a:rPr dirty="0"/>
-              <a:t>95. </a:t>
+              <a:t>96. </a:t>
             </a:r>
             <a:r>
               <a:rPr lang="en-US" dirty="0"/>
-              <a:t>What computing option automatically provisions resources, like compute power, in the background as needed?</a:t>
+              <a:t>In modern cloud application development, what name is given to independently deployable, scalable, and maintainable components that can be used to build a wide range of applications?</a:t>
             </a:r>
             <a:endParaRPr dirty="0"/>
           </a:p>
@@ -24022,91 +24157,36 @@
           <a:p>
             <a:r>
               <a:rPr lang="es-ES_tradnl" sz="1800" dirty="0" err="1"/>
-              <a:t>Traditional</a:t>
-            </a:r>
+              <a:t>Monoliths</a:t>
+            </a:r>
+            <a:endParaRPr lang="es-ES_tradnl" sz="1800" dirty="0"/>
+          </a:p>
+          <a:p>
+            <a:r>
+              <a:rPr lang="es-ES_tradnl" sz="1800" dirty="0" err="1"/>
+              <a:t>Containers</a:t>
+            </a:r>
+            <a:endParaRPr lang="es-ES_tradnl" sz="1800" dirty="0"/>
+          </a:p>
+          <a:p>
             <a:r>
               <a:rPr lang="es-ES_tradnl" sz="1800" dirty="0"/>
-              <a:t> </a:t>
-            </a:r>
-            <a:r>
-              <a:rPr lang="es-ES_tradnl" sz="1800" dirty="0" err="1"/>
-              <a:t>on</a:t>
-            </a:r>
-            <a:r>
-              <a:rPr lang="es-ES_tradnl" sz="1800" dirty="0"/>
-              <a:t>-premises </a:t>
-            </a:r>
-            <a:r>
-              <a:rPr lang="es-ES_tradnl" sz="1800" dirty="0" err="1"/>
-              <a:t>computing</a:t>
-            </a:r>
-            <a:endParaRPr lang="es-ES_tradnl" sz="1800" dirty="0"/>
-          </a:p>
-          <a:p>
-            <a:r>
-              <a:rPr lang="es-ES_tradnl" sz="1800" dirty="0"/>
-              <a:t>PaaS (</a:t>
-            </a:r>
-            <a:r>
-              <a:rPr lang="es-ES_tradnl" sz="1800" dirty="0" err="1"/>
-              <a:t>platform</a:t>
-            </a:r>
-            <a:r>
-              <a:rPr lang="es-ES_tradnl" sz="1800" dirty="0"/>
-              <a:t> as a </a:t>
-            </a:r>
-            <a:r>
-              <a:rPr lang="es-ES_tradnl" sz="1800" dirty="0" err="1"/>
-              <a:t>service</a:t>
-            </a:r>
-            <a:r>
-              <a:rPr lang="es-ES_tradnl" sz="1800" dirty="0"/>
-              <a:t>)</a:t>
-            </a:r>
-          </a:p>
-          <a:p>
-            <a:r>
-              <a:rPr lang="es-ES_tradnl" sz="1800" dirty="0"/>
-              <a:t>IaaS (</a:t>
-            </a:r>
-            <a:r>
-              <a:rPr lang="es-ES_tradnl" sz="1800" dirty="0" err="1"/>
-              <a:t>infrastructure</a:t>
-            </a:r>
-            <a:r>
-              <a:rPr lang="es-ES_tradnl" sz="1800" dirty="0"/>
-              <a:t> as a </a:t>
-            </a:r>
-            <a:r>
-              <a:rPr lang="es-ES_tradnl" sz="1800" dirty="0" err="1"/>
-              <a:t>service</a:t>
-            </a:r>
-            <a:r>
-              <a:rPr lang="es-ES_tradnl" sz="1800" dirty="0"/>
-              <a:t>)</a:t>
-            </a:r>
-          </a:p>
-          <a:p>
-            <a:r>
-              <a:rPr lang="es-ES_tradnl" sz="1800" dirty="0" err="1"/>
-              <a:t>Serverless</a:t>
-            </a:r>
-            <a:r>
-              <a:rPr lang="es-ES_tradnl" sz="1800" dirty="0"/>
-              <a:t> </a:t>
-            </a:r>
-            <a:r>
-              <a:rPr lang="es-ES_tradnl" sz="1800" dirty="0" err="1"/>
-              <a:t>computing</a:t>
-            </a:r>
-            <a:endParaRPr sz="1800" dirty="0"/>
+              <a:t>DevOps</a:t>
+            </a:r>
+          </a:p>
+          <a:p>
+            <a:r>
+              <a:rPr lang="es-ES_tradnl" sz="1800" b="1" dirty="0" err="1"/>
+              <a:t>Microservices</a:t>
+            </a:r>
+            <a:endParaRPr sz="1800" b="1" dirty="0"/>
           </a:p>
         </p:txBody>
       </p:sp>
     </p:spTree>
     <p:extLst>
       <p:ext uri="{BB962C8B-B14F-4D97-AF65-F5344CB8AC3E}">
-        <p14:creationId xmlns:p14="http://schemas.microsoft.com/office/powerpoint/2010/main" val="3010348579"/>
+        <p14:creationId xmlns:p14="http://schemas.microsoft.com/office/powerpoint/2010/main" val="3091053882"/>
       </p:ext>
     </p:extLst>
   </p:cSld>
@@ -24164,11 +24244,11 @@
           <a:p>
             <a:r>
               <a:rPr dirty="0"/>
-              <a:t>95. </a:t>
+              <a:t>97. </a:t>
             </a:r>
             <a:r>
               <a:rPr lang="en-US" dirty="0"/>
-              <a:t>What computing option automatically provisions resources, like compute power, in the background as needed?</a:t>
+              <a:t>What term describes a set of instructions that lets different software programs communicate with each other?</a:t>
             </a:r>
             <a:endParaRPr dirty="0"/>
           </a:p>
@@ -24199,96 +24279,39 @@
           </a:bodyPr>
           <a:lstStyle/>
           <a:p>
-            <a:endParaRPr lang="es-ES_tradnl" sz="1800" dirty="0"/>
-          </a:p>
-          <a:p>
-            <a:r>
-              <a:rPr lang="es-ES_tradnl" sz="1800" dirty="0" err="1"/>
-              <a:t>Traditional</a:t>
-            </a:r>
-            <a:r>
-              <a:rPr lang="es-ES_tradnl" sz="1800" dirty="0"/>
-              <a:t> </a:t>
-            </a:r>
-            <a:r>
-              <a:rPr lang="es-ES_tradnl" sz="1800" dirty="0" err="1"/>
-              <a:t>on</a:t>
-            </a:r>
-            <a:r>
-              <a:rPr lang="es-ES_tradnl" sz="1800" dirty="0"/>
-              <a:t>-premises </a:t>
-            </a:r>
-            <a:r>
-              <a:rPr lang="es-ES_tradnl" sz="1800" dirty="0" err="1"/>
-              <a:t>computing</a:t>
-            </a:r>
-            <a:endParaRPr lang="es-ES_tradnl" sz="1800" dirty="0"/>
-          </a:p>
-          <a:p>
-            <a:r>
-              <a:rPr lang="es-ES_tradnl" sz="1800" dirty="0"/>
-              <a:t>PaaS (</a:t>
-            </a:r>
-            <a:r>
-              <a:rPr lang="es-ES_tradnl" sz="1800" dirty="0" err="1"/>
-              <a:t>platform</a:t>
-            </a:r>
-            <a:r>
-              <a:rPr lang="es-ES_tradnl" sz="1800" dirty="0"/>
-              <a:t> as a </a:t>
-            </a:r>
-            <a:r>
-              <a:rPr lang="es-ES_tradnl" sz="1800" dirty="0" err="1"/>
-              <a:t>service</a:t>
-            </a:r>
-            <a:r>
-              <a:rPr lang="es-ES_tradnl" sz="1800" dirty="0"/>
-              <a:t>)</a:t>
-            </a:r>
-          </a:p>
-          <a:p>
-            <a:r>
-              <a:rPr lang="es-ES_tradnl" sz="1800" dirty="0"/>
-              <a:t>IaaS (</a:t>
-            </a:r>
-            <a:r>
-              <a:rPr lang="es-ES_tradnl" sz="1800" dirty="0" err="1"/>
-              <a:t>infrastructure</a:t>
-            </a:r>
-            <a:r>
-              <a:rPr lang="es-ES_tradnl" sz="1800" dirty="0"/>
-              <a:t> as a </a:t>
-            </a:r>
-            <a:r>
-              <a:rPr lang="es-ES_tradnl" sz="1800" dirty="0" err="1"/>
-              <a:t>service</a:t>
-            </a:r>
-            <a:r>
-              <a:rPr lang="es-ES_tradnl" sz="1800" dirty="0"/>
-              <a:t>)</a:t>
-            </a:r>
-          </a:p>
-          <a:p>
-            <a:r>
-              <a:rPr lang="es-ES_tradnl" sz="1800" b="1" dirty="0" err="1"/>
-              <a:t>Serverless</a:t>
-            </a:r>
-            <a:r>
-              <a:rPr lang="es-ES_tradnl" sz="1800" b="1" dirty="0"/>
-              <a:t> </a:t>
-            </a:r>
-            <a:r>
-              <a:rPr lang="es-ES_tradnl" sz="1800" b="1" dirty="0" err="1"/>
-              <a:t>computing</a:t>
-            </a:r>
-            <a:endParaRPr sz="1800" b="1" dirty="0"/>
+            <a:endParaRPr lang="en-US" sz="1800" dirty="0"/>
+          </a:p>
+          <a:p>
+            <a:r>
+              <a:rPr lang="en-US" sz="1800" dirty="0"/>
+              <a:t>Programming communication link</a:t>
+            </a:r>
+          </a:p>
+          <a:p>
+            <a:r>
+              <a:rPr lang="en-US" sz="1800" dirty="0"/>
+              <a:t>Network programming interface</a:t>
+            </a:r>
+          </a:p>
+          <a:p>
+            <a:r>
+              <a:rPr lang="en-US" sz="1800" dirty="0"/>
+              <a:t>Communication link interface</a:t>
+            </a:r>
+          </a:p>
+          <a:p>
+            <a:r>
+              <a:rPr lang="en-US" sz="1800" dirty="0"/>
+              <a:t>Application programming interface</a:t>
+            </a:r>
+            <a:endParaRPr sz="1800" dirty="0"/>
           </a:p>
         </p:txBody>
       </p:sp>
     </p:spTree>
     <p:extLst>
       <p:ext uri="{BB962C8B-B14F-4D97-AF65-F5344CB8AC3E}">
-        <p14:creationId xmlns:p14="http://schemas.microsoft.com/office/powerpoint/2010/main" val="1887623173"/>
+        <p14:creationId xmlns:p14="http://schemas.microsoft.com/office/powerpoint/2010/main" val="2455183884"/>
       </p:ext>
     </p:extLst>
   </p:cSld>
@@ -24346,11 +24369,11 @@
           <a:p>
             <a:r>
               <a:rPr dirty="0"/>
-              <a:t>96. </a:t>
+              <a:t>97. </a:t>
             </a:r>
             <a:r>
               <a:rPr lang="en-US" dirty="0"/>
-              <a:t>In modern cloud application development, what name is given to independently deployable, scalable, and maintainable components that can be used to build a wide range of applications?</a:t>
+              <a:t>What term describes a set of instructions that lets different software programs communicate with each other?</a:t>
             </a:r>
             <a:endParaRPr dirty="0"/>
           </a:p>
@@ -24381,41 +24404,39 @@
           </a:bodyPr>
           <a:lstStyle/>
           <a:p>
-            <a:endParaRPr lang="es-ES_tradnl" sz="1800" dirty="0"/>
-          </a:p>
-          <a:p>
-            <a:r>
-              <a:rPr lang="es-ES_tradnl" sz="1800" dirty="0" err="1"/>
-              <a:t>Monoliths</a:t>
-            </a:r>
-            <a:endParaRPr lang="es-ES_tradnl" sz="1800" dirty="0"/>
-          </a:p>
-          <a:p>
-            <a:r>
-              <a:rPr lang="es-ES_tradnl" sz="1800" dirty="0" err="1"/>
-              <a:t>Containers</a:t>
-            </a:r>
-            <a:endParaRPr lang="es-ES_tradnl" sz="1800" dirty="0"/>
-          </a:p>
-          <a:p>
-            <a:r>
-              <a:rPr lang="es-ES_tradnl" sz="1800" dirty="0"/>
-              <a:t>DevOps</a:t>
-            </a:r>
-          </a:p>
-          <a:p>
-            <a:r>
-              <a:rPr lang="es-ES_tradnl" sz="1800" dirty="0" err="1"/>
-              <a:t>Microservices</a:t>
-            </a:r>
-            <a:endParaRPr sz="1800" dirty="0"/>
+            <a:endParaRPr lang="en-US" sz="1800" dirty="0"/>
+          </a:p>
+          <a:p>
+            <a:r>
+              <a:rPr lang="en-US" sz="1800" dirty="0"/>
+              <a:t>Programming communication link</a:t>
+            </a:r>
+          </a:p>
+          <a:p>
+            <a:r>
+              <a:rPr lang="en-US" sz="1800" dirty="0"/>
+              <a:t>Network programming interface</a:t>
+            </a:r>
+          </a:p>
+          <a:p>
+            <a:r>
+              <a:rPr lang="en-US" sz="1800" dirty="0"/>
+              <a:t>Communication link interface</a:t>
+            </a:r>
+          </a:p>
+          <a:p>
+            <a:r>
+              <a:rPr lang="en-US" sz="1800" b="1" dirty="0"/>
+              <a:t>Application programming interface</a:t>
+            </a:r>
+            <a:endParaRPr sz="1800" b="1" dirty="0"/>
           </a:p>
         </p:txBody>
       </p:sp>
     </p:spTree>
     <p:extLst>
       <p:ext uri="{BB962C8B-B14F-4D97-AF65-F5344CB8AC3E}">
-        <p14:creationId xmlns:p14="http://schemas.microsoft.com/office/powerpoint/2010/main" val="3388660570"/>
+        <p14:creationId xmlns:p14="http://schemas.microsoft.com/office/powerpoint/2010/main" val="1665556093"/>
       </p:ext>
     </p:extLst>
   </p:cSld>
@@ -24473,11 +24494,11 @@
           <a:p>
             <a:r>
               <a:rPr dirty="0"/>
-              <a:t>96. </a:t>
+              <a:t>98. </a:t>
             </a:r>
             <a:r>
               <a:rPr lang="en-US" dirty="0"/>
-              <a:t>In modern cloud application development, what name is given to independently deployable, scalable, and maintainable components that can be used to build a wide range of applications?</a:t>
+              <a:t>What term is commonly used to describe a rehost migration strategy for an organization that runs specialized legacy applications that aren’t compatible with cloud-native applications?</a:t>
             </a:r>
             <a:endParaRPr dirty="0"/>
           </a:p>
@@ -24508,41 +24529,36 @@
           </a:bodyPr>
           <a:lstStyle/>
           <a:p>
-            <a:endParaRPr lang="es-ES_tradnl" sz="1800" dirty="0"/>
-          </a:p>
-          <a:p>
-            <a:r>
-              <a:rPr lang="es-ES_tradnl" sz="1800" dirty="0" err="1"/>
-              <a:t>Monoliths</a:t>
-            </a:r>
-            <a:endParaRPr lang="es-ES_tradnl" sz="1800" dirty="0"/>
-          </a:p>
-          <a:p>
-            <a:r>
-              <a:rPr lang="es-ES_tradnl" sz="1800" dirty="0" err="1"/>
-              <a:t>Containers</a:t>
-            </a:r>
-            <a:endParaRPr lang="es-ES_tradnl" sz="1800" dirty="0"/>
-          </a:p>
-          <a:p>
-            <a:r>
-              <a:rPr lang="es-ES_tradnl" sz="1800" dirty="0"/>
-              <a:t>DevOps</a:t>
-            </a:r>
-          </a:p>
-          <a:p>
-            <a:r>
-              <a:rPr lang="es-ES_tradnl" sz="1800" b="1" dirty="0" err="1"/>
-              <a:t>Microservices</a:t>
-            </a:r>
-            <a:endParaRPr sz="1800" b="1" dirty="0"/>
+            <a:r>
+              <a:rPr lang="en-US" sz="1800" dirty="0"/>
+              <a:t>Lift and shift</a:t>
+            </a:r>
+          </a:p>
+          <a:p>
+            <a:r>
+              <a:rPr lang="en-US" sz="1800" dirty="0"/>
+              <a:t>Build and deploy</a:t>
+            </a:r>
+          </a:p>
+          <a:p>
+            <a:r>
+              <a:rPr lang="en-US" sz="1800" dirty="0"/>
+              <a:t>Move and improve</a:t>
+            </a:r>
+          </a:p>
+          <a:p>
+            <a:r>
+              <a:rPr lang="en-US" sz="1800" dirty="0"/>
+              <a:t>Install and fall</a:t>
+            </a:r>
+            <a:endParaRPr sz="1800" dirty="0"/>
           </a:p>
         </p:txBody>
       </p:sp>
     </p:spTree>
     <p:extLst>
       <p:ext uri="{BB962C8B-B14F-4D97-AF65-F5344CB8AC3E}">
-        <p14:creationId xmlns:p14="http://schemas.microsoft.com/office/powerpoint/2010/main" val="3091053882"/>
+        <p14:creationId xmlns:p14="http://schemas.microsoft.com/office/powerpoint/2010/main" val="342413065"/>
       </p:ext>
     </p:extLst>
   </p:cSld>
@@ -24600,11 +24616,11 @@
           <a:p>
             <a:r>
               <a:rPr dirty="0"/>
-              <a:t>97. </a:t>
+              <a:t>98. </a:t>
             </a:r>
             <a:r>
               <a:rPr lang="en-US" dirty="0"/>
-              <a:t>What term describes a set of instructions that lets different software programs communicate with each other?</a:t>
+              <a:t>What term is commonly used to describe a rehost migration strategy for an organization that runs specialized legacy applications that aren’t compatible with cloud-native applications?</a:t>
             </a:r>
             <a:endParaRPr dirty="0"/>
           </a:p>
@@ -24635,30 +24651,27 @@
           </a:bodyPr>
           <a:lstStyle/>
           <a:p>
-            <a:endParaRPr lang="en-US" sz="1800" dirty="0"/>
+            <a:r>
+              <a:rPr lang="en-US" sz="1800" b="1" dirty="0"/>
+              <a:t>Lift and shift</a:t>
+            </a:r>
           </a:p>
           <a:p>
             <a:r>
               <a:rPr lang="en-US" sz="1800" dirty="0"/>
-              <a:t>Programming communication link</a:t>
+              <a:t>Build and deploy</a:t>
             </a:r>
           </a:p>
           <a:p>
             <a:r>
               <a:rPr lang="en-US" sz="1800" dirty="0"/>
-              <a:t>Network programming interface</a:t>
+              <a:t>Move and improve</a:t>
             </a:r>
           </a:p>
           <a:p>
             <a:r>
               <a:rPr lang="en-US" sz="1800" dirty="0"/>
-              <a:t>Communication link interface</a:t>
-            </a:r>
-          </a:p>
-          <a:p>
-            <a:r>
-              <a:rPr lang="en-US" sz="1800" dirty="0"/>
-              <a:t>Application programming interface</a:t>
+              <a:t>Install and fall</a:t>
             </a:r>
             <a:endParaRPr sz="1800" dirty="0"/>
           </a:p>
@@ -24667,7 +24680,7 @@
     </p:spTree>
     <p:extLst>
       <p:ext uri="{BB962C8B-B14F-4D97-AF65-F5344CB8AC3E}">
-        <p14:creationId xmlns:p14="http://schemas.microsoft.com/office/powerpoint/2010/main" val="2455183884"/>
+        <p14:creationId xmlns:p14="http://schemas.microsoft.com/office/powerpoint/2010/main" val="2641954261"/>
       </p:ext>
     </p:extLst>
   </p:cSld>
@@ -24818,11 +24831,11 @@
           <a:p>
             <a:r>
               <a:rPr dirty="0"/>
-              <a:t>97. </a:t>
+              <a:t>99. </a:t>
             </a:r>
             <a:r>
               <a:rPr lang="en-US" dirty="0"/>
-              <a:t>What term describes a set of instructions that lets different software programs communicate with each other?</a:t>
+              <a:t>What name is given to an environment that comprises some combination of on-premises or private cloud infrastructure and public cloud services?</a:t>
             </a:r>
             <a:endParaRPr dirty="0"/>
           </a:p>
@@ -24853,39 +24866,59 @@
           </a:bodyPr>
           <a:lstStyle/>
           <a:p>
-            <a:endParaRPr lang="en-US" sz="1800" dirty="0"/>
-          </a:p>
-          <a:p>
-            <a:r>
-              <a:rPr lang="en-US" sz="1800" dirty="0"/>
-              <a:t>Programming communication link</a:t>
-            </a:r>
-          </a:p>
-          <a:p>
-            <a:r>
-              <a:rPr lang="en-US" sz="1800" dirty="0"/>
-              <a:t>Network programming interface</a:t>
-            </a:r>
-          </a:p>
-          <a:p>
-            <a:r>
-              <a:rPr lang="en-US" sz="1800" dirty="0"/>
-              <a:t>Communication link interface</a:t>
-            </a:r>
-          </a:p>
-          <a:p>
-            <a:r>
-              <a:rPr lang="en-US" sz="1800" b="1" dirty="0"/>
-              <a:t>Application programming interface</a:t>
-            </a:r>
-            <a:endParaRPr sz="1800" b="1" dirty="0"/>
+            <a:r>
+              <a:rPr lang="es-ES_tradnl" sz="1800" dirty="0" err="1"/>
+              <a:t>Hybrid</a:t>
+            </a:r>
+            <a:r>
+              <a:rPr lang="es-ES_tradnl" sz="1800" dirty="0"/>
+              <a:t> </a:t>
+            </a:r>
+            <a:r>
+              <a:rPr lang="es-ES_tradnl" sz="1800" dirty="0" err="1"/>
+              <a:t>cloud</a:t>
+            </a:r>
+            <a:endParaRPr lang="es-ES_tradnl" sz="1800" dirty="0"/>
+          </a:p>
+          <a:p>
+            <a:r>
+              <a:rPr lang="es-ES_tradnl" sz="1800" dirty="0" err="1"/>
+              <a:t>Secure</a:t>
+            </a:r>
+            <a:r>
+              <a:rPr lang="es-ES_tradnl" sz="1800" dirty="0"/>
+              <a:t> </a:t>
+            </a:r>
+            <a:r>
+              <a:rPr lang="es-ES_tradnl" sz="1800" dirty="0" err="1"/>
+              <a:t>cloud</a:t>
+            </a:r>
+            <a:endParaRPr lang="es-ES_tradnl" sz="1800" dirty="0"/>
+          </a:p>
+          <a:p>
+            <a:r>
+              <a:rPr lang="es-ES_tradnl" sz="1800" dirty="0"/>
+              <a:t>Smart </a:t>
+            </a:r>
+            <a:r>
+              <a:rPr lang="es-ES_tradnl" sz="1800" dirty="0" err="1"/>
+              <a:t>cloud</a:t>
+            </a:r>
+            <a:endParaRPr lang="es-ES_tradnl" sz="1800" dirty="0"/>
+          </a:p>
+          <a:p>
+            <a:r>
+              <a:rPr lang="es-ES_tradnl" sz="1800" dirty="0" err="1"/>
+              <a:t>Multicloud</a:t>
+            </a:r>
+            <a:endParaRPr sz="1800" dirty="0"/>
           </a:p>
         </p:txBody>
       </p:sp>
     </p:spTree>
     <p:extLst>
       <p:ext uri="{BB962C8B-B14F-4D97-AF65-F5344CB8AC3E}">
-        <p14:creationId xmlns:p14="http://schemas.microsoft.com/office/powerpoint/2010/main" val="1665556093"/>
+        <p14:creationId xmlns:p14="http://schemas.microsoft.com/office/powerpoint/2010/main" val="1871426106"/>
       </p:ext>
     </p:extLst>
   </p:cSld>
@@ -24943,11 +24976,11 @@
           <a:p>
             <a:r>
               <a:rPr dirty="0"/>
-              <a:t>98. </a:t>
+              <a:t>99. </a:t>
             </a:r>
             <a:r>
               <a:rPr lang="en-US" dirty="0"/>
-              <a:t>What term is commonly used to describe a rehost migration strategy for an organization that runs specialized legacy applications that aren’t compatible with cloud-native applications?</a:t>
+              <a:t>What name is given to an environment that comprises some combination of on-premises or private cloud infrastructure and public cloud services?</a:t>
             </a:r>
             <a:endParaRPr dirty="0"/>
           </a:p>
@@ -24979,26 +25012,49 @@
           <a:lstStyle/>
           <a:p>
             <a:r>
-              <a:rPr lang="en-US" sz="1800" dirty="0"/>
-              <a:t>Lift and shift</a:t>
-            </a:r>
-          </a:p>
-          <a:p>
-            <a:r>
-              <a:rPr lang="en-US" sz="1800" dirty="0"/>
-              <a:t>Build and deploy</a:t>
-            </a:r>
-          </a:p>
-          <a:p>
-            <a:r>
-              <a:rPr lang="en-US" sz="1800" dirty="0"/>
-              <a:t>Move and improve</a:t>
-            </a:r>
-          </a:p>
-          <a:p>
-            <a:r>
-              <a:rPr lang="en-US" sz="1800" dirty="0"/>
-              <a:t>Install and fall</a:t>
+              <a:rPr lang="es-ES_tradnl" sz="1800" b="1" dirty="0" err="1"/>
+              <a:t>Hybrid</a:t>
+            </a:r>
+            <a:r>
+              <a:rPr lang="es-ES_tradnl" sz="1800" b="1" dirty="0"/>
+              <a:t> </a:t>
+            </a:r>
+            <a:r>
+              <a:rPr lang="es-ES_tradnl" sz="1800" b="1" dirty="0" err="1"/>
+              <a:t>cloud</a:t>
+            </a:r>
+            <a:endParaRPr lang="es-ES_tradnl" sz="1800" b="1" dirty="0"/>
+          </a:p>
+          <a:p>
+            <a:r>
+              <a:rPr lang="es-ES_tradnl" sz="1800" dirty="0" err="1"/>
+              <a:t>Secure</a:t>
+            </a:r>
+            <a:r>
+              <a:rPr lang="es-ES_tradnl" sz="1800" dirty="0"/>
+              <a:t> </a:t>
+            </a:r>
+            <a:r>
+              <a:rPr lang="es-ES_tradnl" sz="1800" dirty="0" err="1"/>
+              <a:t>cloud</a:t>
+            </a:r>
+            <a:endParaRPr lang="es-ES_tradnl" sz="1800" dirty="0"/>
+          </a:p>
+          <a:p>
+            <a:r>
+              <a:rPr lang="es-ES_tradnl" sz="1800" dirty="0"/>
+              <a:t>Smart </a:t>
+            </a:r>
+            <a:r>
+              <a:rPr lang="es-ES_tradnl" sz="1800" dirty="0" err="1"/>
+              <a:t>cloud</a:t>
+            </a:r>
+            <a:endParaRPr lang="es-ES_tradnl" sz="1800" dirty="0"/>
+          </a:p>
+          <a:p>
+            <a:r>
+              <a:rPr lang="es-ES_tradnl" sz="1800" dirty="0" err="1"/>
+              <a:t>Multicloud</a:t>
             </a:r>
             <a:endParaRPr sz="1800" dirty="0"/>
           </a:p>
@@ -25007,7 +25063,7 @@
     </p:spTree>
     <p:extLst>
       <p:ext uri="{BB962C8B-B14F-4D97-AF65-F5344CB8AC3E}">
-        <p14:creationId xmlns:p14="http://schemas.microsoft.com/office/powerpoint/2010/main" val="342413065"/>
+        <p14:creationId xmlns:p14="http://schemas.microsoft.com/office/powerpoint/2010/main" val="2333606815"/>
       </p:ext>
     </p:extLst>
   </p:cSld>
@@ -25065,11 +25121,11 @@
           <a:p>
             <a:r>
               <a:rPr dirty="0"/>
-              <a:t>98. </a:t>
+              <a:t>100. </a:t>
             </a:r>
             <a:r>
               <a:rPr lang="en-US" dirty="0"/>
-              <a:t>What term is commonly used to describe a rehost migration strategy for an organization that runs specialized legacy applications that aren’t compatible with cloud-native applications?</a:t>
+              <a:t>Which is a fully managed cloud infrastructure solution that lets organizations run their Oracle workloads on dedicated servers in the cloud?</a:t>
             </a:r>
             <a:endParaRPr dirty="0"/>
           </a:p>
@@ -25101,26 +25157,52 @@
           <a:lstStyle/>
           <a:p>
             <a:r>
-              <a:rPr lang="en-US" sz="1800" b="1" dirty="0"/>
-              <a:t>Lift and shift</a:t>
-            </a:r>
-          </a:p>
-          <a:p>
-            <a:r>
-              <a:rPr lang="en-US" sz="1800" dirty="0"/>
-              <a:t>Build and deploy</a:t>
-            </a:r>
-          </a:p>
-          <a:p>
-            <a:r>
-              <a:rPr lang="en-US" sz="1800" dirty="0"/>
-              <a:t>Move and improve</a:t>
-            </a:r>
-          </a:p>
-          <a:p>
-            <a:r>
-              <a:rPr lang="en-US" sz="1800" dirty="0"/>
-              <a:t>Install and fall</a:t>
+              <a:rPr lang="es-ES_tradnl" sz="1800" dirty="0" err="1"/>
+              <a:t>Bare</a:t>
+            </a:r>
+            <a:r>
+              <a:rPr lang="es-ES_tradnl" sz="1800" dirty="0"/>
+              <a:t> metal </a:t>
+            </a:r>
+            <a:r>
+              <a:rPr lang="es-ES_tradnl" sz="1800" dirty="0" err="1"/>
+              <a:t>solution</a:t>
+            </a:r>
+            <a:endParaRPr lang="es-ES_tradnl" sz="1800" dirty="0"/>
+          </a:p>
+          <a:p>
+            <a:r>
+              <a:rPr lang="es-ES_tradnl" sz="1800" dirty="0"/>
+              <a:t>App </a:t>
+            </a:r>
+            <a:r>
+              <a:rPr lang="es-ES_tradnl" sz="1800" dirty="0" err="1"/>
+              <a:t>Engine</a:t>
+            </a:r>
+            <a:endParaRPr lang="es-ES_tradnl" sz="1800" dirty="0"/>
+          </a:p>
+          <a:p>
+            <a:r>
+              <a:rPr lang="es-ES_tradnl" sz="1800" dirty="0"/>
+              <a:t>SQL Server </a:t>
+            </a:r>
+            <a:r>
+              <a:rPr lang="es-ES_tradnl" sz="1800" dirty="0" err="1"/>
+              <a:t>on</a:t>
+            </a:r>
+            <a:r>
+              <a:rPr lang="es-ES_tradnl" sz="1800" dirty="0"/>
+              <a:t> Google Cloud</a:t>
+            </a:r>
+          </a:p>
+          <a:p>
+            <a:r>
+              <a:rPr lang="es-ES_tradnl" sz="1800" dirty="0"/>
+              <a:t>Google Cloud VMware </a:t>
+            </a:r>
+            <a:r>
+              <a:rPr lang="es-ES_tradnl" sz="1800" dirty="0" err="1"/>
+              <a:t>Engine</a:t>
             </a:r>
             <a:endParaRPr sz="1800" dirty="0"/>
           </a:p>
@@ -25129,7 +25211,7 @@
     </p:spTree>
     <p:extLst>
       <p:ext uri="{BB962C8B-B14F-4D97-AF65-F5344CB8AC3E}">
-        <p14:creationId xmlns:p14="http://schemas.microsoft.com/office/powerpoint/2010/main" val="2641954261"/>
+        <p14:creationId xmlns:p14="http://schemas.microsoft.com/office/powerpoint/2010/main" val="876238780"/>
       </p:ext>
     </p:extLst>
   </p:cSld>
@@ -25187,11 +25269,11 @@
           <a:p>
             <a:r>
               <a:rPr dirty="0"/>
-              <a:t>99. </a:t>
+              <a:t>100. </a:t>
             </a:r>
             <a:r>
               <a:rPr lang="en-US" dirty="0"/>
-              <a:t>What name is given to an environment that comprises some combination of on-premises or private cloud infrastructure and public cloud services?</a:t>
+              <a:t>Which is a fully managed cloud infrastructure solution that lets organizations run their Oracle workloads on dedicated servers in the cloud?</a:t>
             </a:r>
             <a:endParaRPr dirty="0"/>
           </a:p>
@@ -25223,49 +25305,52 @@
           <a:lstStyle/>
           <a:p>
             <a:r>
+              <a:rPr lang="es-ES_tradnl" sz="1800" b="1" dirty="0" err="1"/>
+              <a:t>Bare</a:t>
+            </a:r>
+            <a:r>
+              <a:rPr lang="es-ES_tradnl" sz="1800" b="1" dirty="0"/>
+              <a:t> metal </a:t>
+            </a:r>
+            <a:r>
+              <a:rPr lang="es-ES_tradnl" sz="1800" b="1" dirty="0" err="1"/>
+              <a:t>solution</a:t>
+            </a:r>
+            <a:endParaRPr lang="es-ES_tradnl" sz="1800" b="1" dirty="0"/>
+          </a:p>
+          <a:p>
+            <a:r>
+              <a:rPr lang="es-ES_tradnl" sz="1800" dirty="0"/>
+              <a:t>App </a:t>
+            </a:r>
+            <a:r>
               <a:rPr lang="es-ES_tradnl" sz="1800" dirty="0" err="1"/>
-              <a:t>Hybrid</a:t>
-            </a:r>
+              <a:t>Engine</a:t>
+            </a:r>
+            <a:endParaRPr lang="es-ES_tradnl" sz="1800" dirty="0"/>
+          </a:p>
+          <a:p>
             <a:r>
               <a:rPr lang="es-ES_tradnl" sz="1800" dirty="0"/>
-              <a:t> </a:t>
+              <a:t>SQL Server </a:t>
             </a:r>
             <a:r>
               <a:rPr lang="es-ES_tradnl" sz="1800" dirty="0" err="1"/>
-              <a:t>cloud</a:t>
-            </a:r>
-            <a:endParaRPr lang="es-ES_tradnl" sz="1800" dirty="0"/>
-          </a:p>
-          <a:p>
+              <a:t>on</a:t>
+            </a:r>
+            <a:r>
+              <a:rPr lang="es-ES_tradnl" sz="1800" dirty="0"/>
+              <a:t> Google Cloud</a:t>
+            </a:r>
+          </a:p>
+          <a:p>
+            <a:r>
+              <a:rPr lang="es-ES_tradnl" sz="1800" dirty="0"/>
+              <a:t>Google Cloud VMware </a:t>
+            </a:r>
             <a:r>
               <a:rPr lang="es-ES_tradnl" sz="1800" dirty="0" err="1"/>
-              <a:t>Secure</a:t>
-            </a:r>
-            <a:r>
-              <a:rPr lang="es-ES_tradnl" sz="1800" dirty="0"/>
-              <a:t> </a:t>
-            </a:r>
-            <a:r>
-              <a:rPr lang="es-ES_tradnl" sz="1800" dirty="0" err="1"/>
-              <a:t>cloud</a:t>
-            </a:r>
-            <a:endParaRPr lang="es-ES_tradnl" sz="1800" dirty="0"/>
-          </a:p>
-          <a:p>
-            <a:r>
-              <a:rPr lang="es-ES_tradnl" sz="1800" dirty="0"/>
-              <a:t>Smart </a:t>
-            </a:r>
-            <a:r>
-              <a:rPr lang="es-ES_tradnl" sz="1800" dirty="0" err="1"/>
-              <a:t>cloud</a:t>
-            </a:r>
-            <a:endParaRPr lang="es-ES_tradnl" sz="1800" dirty="0"/>
-          </a:p>
-          <a:p>
-            <a:r>
-              <a:rPr lang="es-ES_tradnl" sz="1800" dirty="0" err="1"/>
-              <a:t>Multicloud</a:t>
+              <a:t>Engine</a:t>
             </a:r>
             <a:endParaRPr sz="1800" dirty="0"/>
           </a:p>
@@ -25274,7 +25359,7 @@
     </p:spTree>
     <p:extLst>
       <p:ext uri="{BB962C8B-B14F-4D97-AF65-F5344CB8AC3E}">
-        <p14:creationId xmlns:p14="http://schemas.microsoft.com/office/powerpoint/2010/main" val="1871426106"/>
+        <p14:creationId xmlns:p14="http://schemas.microsoft.com/office/powerpoint/2010/main" val="2043979588"/>
       </p:ext>
     </p:extLst>
   </p:cSld>
@@ -25332,11 +25417,11 @@
           <a:p>
             <a:r>
               <a:rPr dirty="0"/>
-              <a:t>99. </a:t>
+              <a:t>101. </a:t>
             </a:r>
             <a:r>
               <a:rPr lang="en-US" dirty="0"/>
-              <a:t>What name is given to an environment that comprises some combination of on-premises or private cloud infrastructure and public cloud services?</a:t>
+              <a:t>In modern application development, which is responsible for the day-to-day management of cloud-based infrastructure, such as patching, upgrades, and monitoring?</a:t>
             </a:r>
             <a:endParaRPr dirty="0"/>
           </a:p>
@@ -25368,49 +25453,26 @@
           <a:lstStyle/>
           <a:p>
             <a:r>
-              <a:rPr lang="es-ES_tradnl" sz="1800" b="1" dirty="0" err="1"/>
-              <a:t>Hybrid</a:t>
-            </a:r>
-            <a:r>
-              <a:rPr lang="es-ES_tradnl" sz="1800" b="1" dirty="0"/>
-              <a:t> </a:t>
-            </a:r>
-            <a:r>
-              <a:rPr lang="es-ES_tradnl" sz="1800" b="1" dirty="0" err="1"/>
-              <a:t>cloud</a:t>
-            </a:r>
-            <a:endParaRPr lang="es-ES_tradnl" sz="1800" b="1" dirty="0"/>
-          </a:p>
-          <a:p>
-            <a:r>
-              <a:rPr lang="es-ES_tradnl" sz="1800" dirty="0" err="1"/>
-              <a:t>Secure</a:t>
-            </a:r>
-            <a:r>
-              <a:rPr lang="es-ES_tradnl" sz="1800" dirty="0"/>
-              <a:t> </a:t>
-            </a:r>
-            <a:r>
-              <a:rPr lang="es-ES_tradnl" sz="1800" dirty="0" err="1"/>
-              <a:t>cloud</a:t>
-            </a:r>
-            <a:endParaRPr lang="es-ES_tradnl" sz="1800" dirty="0"/>
-          </a:p>
-          <a:p>
-            <a:r>
-              <a:rPr lang="es-ES_tradnl" sz="1800" dirty="0"/>
-              <a:t>Smart </a:t>
-            </a:r>
-            <a:r>
-              <a:rPr lang="es-ES_tradnl" sz="1800" dirty="0" err="1"/>
-              <a:t>cloud</a:t>
-            </a:r>
-            <a:endParaRPr lang="es-ES_tradnl" sz="1800" dirty="0"/>
-          </a:p>
-          <a:p>
-            <a:r>
-              <a:rPr lang="es-ES_tradnl" sz="1800" dirty="0" err="1"/>
-              <a:t>Multicloud</a:t>
+              <a:rPr lang="en-US" sz="1800" dirty="0"/>
+              <a:t>Containers</a:t>
+            </a:r>
+          </a:p>
+          <a:p>
+            <a:r>
+              <a:rPr lang="en-US" sz="1800" dirty="0"/>
+              <a:t>DevOps</a:t>
+            </a:r>
+          </a:p>
+          <a:p>
+            <a:r>
+              <a:rPr lang="en-US" sz="1800" dirty="0"/>
+              <a:t>Cloud security</a:t>
+            </a:r>
+          </a:p>
+          <a:p>
+            <a:r>
+              <a:rPr lang="en-US" sz="1800" dirty="0"/>
+              <a:t>Managed services</a:t>
             </a:r>
             <a:endParaRPr sz="1800" dirty="0"/>
           </a:p>
@@ -25419,7 +25481,7 @@
     </p:spTree>
     <p:extLst>
       <p:ext uri="{BB962C8B-B14F-4D97-AF65-F5344CB8AC3E}">
-        <p14:creationId xmlns:p14="http://schemas.microsoft.com/office/powerpoint/2010/main" val="2333606815"/>
+        <p14:creationId xmlns:p14="http://schemas.microsoft.com/office/powerpoint/2010/main" val="2385728500"/>
       </p:ext>
     </p:extLst>
   </p:cSld>
@@ -25477,11 +25539,11 @@
           <a:p>
             <a:r>
               <a:rPr dirty="0"/>
-              <a:t>100. </a:t>
+              <a:t>101. </a:t>
             </a:r>
             <a:r>
               <a:rPr lang="en-US" dirty="0"/>
-              <a:t>Which is a fully managed cloud infrastructure solution that lets organizations run their Oracle workloads on dedicated servers in the cloud?</a:t>
+              <a:t>In modern application development, which is responsible for the day-to-day management of cloud-based infrastructure, such as patching, upgrades, and monitoring?</a:t>
             </a:r>
             <a:endParaRPr dirty="0"/>
           </a:p>
@@ -25513,61 +25575,35 @@
           <a:lstStyle/>
           <a:p>
             <a:r>
-              <a:rPr lang="es-ES_tradnl" sz="1800" dirty="0" err="1"/>
-              <a:t>Bare</a:t>
-            </a:r>
-            <a:r>
-              <a:rPr lang="es-ES_tradnl" sz="1800" dirty="0"/>
-              <a:t> metal </a:t>
-            </a:r>
-            <a:r>
-              <a:rPr lang="es-ES_tradnl" sz="1800" dirty="0" err="1"/>
-              <a:t>solution</a:t>
-            </a:r>
-            <a:endParaRPr lang="es-ES_tradnl" sz="1800" dirty="0"/>
-          </a:p>
-          <a:p>
-            <a:r>
-              <a:rPr lang="es-ES_tradnl" sz="1800" dirty="0"/>
-              <a:t>App </a:t>
-            </a:r>
-            <a:r>
-              <a:rPr lang="es-ES_tradnl" sz="1800" dirty="0" err="1"/>
-              <a:t>Engine</a:t>
-            </a:r>
-            <a:endParaRPr lang="es-ES_tradnl" sz="1800" dirty="0"/>
-          </a:p>
-          <a:p>
-            <a:r>
-              <a:rPr lang="es-ES_tradnl" sz="1800" dirty="0"/>
-              <a:t>SQL Server </a:t>
-            </a:r>
-            <a:r>
-              <a:rPr lang="es-ES_tradnl" sz="1800" dirty="0" err="1"/>
-              <a:t>on</a:t>
-            </a:r>
-            <a:r>
-              <a:rPr lang="es-ES_tradnl" sz="1800" dirty="0"/>
-              <a:t> Google Cloud</a:t>
-            </a:r>
-          </a:p>
-          <a:p>
-            <a:r>
-              <a:rPr lang="es-ES_tradnl" sz="1800" dirty="0"/>
-              <a:t>Google Cloud VMware </a:t>
-            </a:r>
-            <a:r>
-              <a:rPr lang="es-ES_tradnl" sz="1800" dirty="0" err="1"/>
-              <a:t>Engine</a:t>
-            </a:r>
-            <a:endParaRPr sz="1800" dirty="0"/>
+              <a:rPr lang="en-US" sz="1800" dirty="0"/>
+              <a:t>Containers</a:t>
+            </a:r>
+          </a:p>
+          <a:p>
+            <a:r>
+              <a:rPr lang="en-US" sz="1800" dirty="0"/>
+              <a:t>DevOps</a:t>
+            </a:r>
+          </a:p>
+          <a:p>
+            <a:r>
+              <a:rPr lang="en-US" sz="1800" dirty="0"/>
+              <a:t>Cloud security</a:t>
+            </a:r>
+          </a:p>
+          <a:p>
+            <a:r>
+              <a:rPr lang="en-US" sz="1800" b="1" dirty="0"/>
+              <a:t>Managed services</a:t>
+            </a:r>
+            <a:endParaRPr sz="1800" b="1" dirty="0"/>
           </a:p>
         </p:txBody>
       </p:sp>
     </p:spTree>
     <p:extLst>
       <p:ext uri="{BB962C8B-B14F-4D97-AF65-F5344CB8AC3E}">
-        <p14:creationId xmlns:p14="http://schemas.microsoft.com/office/powerpoint/2010/main" val="876238780"/>
+        <p14:creationId xmlns:p14="http://schemas.microsoft.com/office/powerpoint/2010/main" val="747828290"/>
       </p:ext>
     </p:extLst>
   </p:cSld>
@@ -25625,11 +25661,11 @@
           <a:p>
             <a:r>
               <a:rPr dirty="0"/>
-              <a:t>100. </a:t>
+              <a:t>102. </a:t>
             </a:r>
             <a:r>
               <a:rPr lang="en-US" dirty="0"/>
-              <a:t>Which is a fully managed cloud infrastructure solution that lets organizations run their Oracle workloads on dedicated servers in the cloud?</a:t>
+              <a:t>What’s the name of Google Cloud’s production-ready platform for running Kuberenetes applications across multiple cloud environments?</a:t>
             </a:r>
             <a:endParaRPr dirty="0"/>
           </a:p>
@@ -25661,23 +25697,27 @@
           <a:lstStyle/>
           <a:p>
             <a:r>
-              <a:rPr lang="es-ES_tradnl" sz="1800" b="1" dirty="0" err="1"/>
-              <a:t>Bare</a:t>
-            </a:r>
-            <a:r>
-              <a:rPr lang="es-ES_tradnl" sz="1800" b="1" dirty="0"/>
-              <a:t> metal </a:t>
-            </a:r>
-            <a:r>
-              <a:rPr lang="es-ES_tradnl" sz="1800" b="1" dirty="0" err="1"/>
-              <a:t>solution</a:t>
-            </a:r>
-            <a:endParaRPr lang="es-ES_tradnl" sz="1800" b="1" dirty="0"/>
-          </a:p>
-          <a:p>
-            <a:r>
               <a:rPr lang="es-ES_tradnl" sz="1800" dirty="0"/>
-              <a:t>App </a:t>
+              <a:t>Container </a:t>
+            </a:r>
+            <a:r>
+              <a:rPr lang="es-ES_tradnl" sz="1800" dirty="0" err="1"/>
+              <a:t>Registry</a:t>
+            </a:r>
+            <a:endParaRPr lang="es-ES_tradnl" sz="1800" dirty="0"/>
+          </a:p>
+          <a:p>
+            <a:r>
+              <a:rPr lang="es-ES_tradnl" sz="1800" dirty="0"/>
+              <a:t>Google </a:t>
+            </a:r>
+            <a:r>
+              <a:rPr lang="es-ES_tradnl" sz="1800" dirty="0" err="1"/>
+              <a:t>Kubernetes</a:t>
+            </a:r>
+            <a:r>
+              <a:rPr lang="es-ES_tradnl" sz="1800" dirty="0"/>
+              <a:t> </a:t>
             </a:r>
             <a:r>
               <a:rPr lang="es-ES_tradnl" sz="1800" dirty="0" err="1"/>
@@ -25687,26 +25727,15 @@
           </a:p>
           <a:p>
             <a:r>
+              <a:rPr lang="es-ES_tradnl" sz="1800" dirty="0" err="1"/>
+              <a:t>Knative</a:t>
+            </a:r>
+            <a:endParaRPr lang="es-ES_tradnl" sz="1800" dirty="0"/>
+          </a:p>
+          <a:p>
+            <a:r>
               <a:rPr lang="es-ES_tradnl" sz="1800" dirty="0"/>
-              <a:t>SQL Server </a:t>
-            </a:r>
-            <a:r>
-              <a:rPr lang="es-ES_tradnl" sz="1800" dirty="0" err="1"/>
-              <a:t>on</a:t>
-            </a:r>
-            <a:r>
-              <a:rPr lang="es-ES_tradnl" sz="1800" dirty="0"/>
-              <a:t> Google Cloud</a:t>
-            </a:r>
-          </a:p>
-          <a:p>
-            <a:r>
-              <a:rPr lang="es-ES_tradnl" sz="1800" dirty="0"/>
-              <a:t>Google Cloud VMware </a:t>
-            </a:r>
-            <a:r>
-              <a:rPr lang="es-ES_tradnl" sz="1800" dirty="0" err="1"/>
-              <a:t>Engine</a:t>
+              <a:t>GKE Enterprise</a:t>
             </a:r>
             <a:endParaRPr sz="1800" dirty="0"/>
           </a:p>
@@ -25715,7 +25744,7 @@
     </p:spTree>
     <p:extLst>
       <p:ext uri="{BB962C8B-B14F-4D97-AF65-F5344CB8AC3E}">
-        <p14:creationId xmlns:p14="http://schemas.microsoft.com/office/powerpoint/2010/main" val="2043979588"/>
+        <p14:creationId xmlns:p14="http://schemas.microsoft.com/office/powerpoint/2010/main" val="2693247296"/>
       </p:ext>
     </p:extLst>
   </p:cSld>
@@ -25773,11 +25802,11 @@
           <a:p>
             <a:r>
               <a:rPr dirty="0"/>
-              <a:t>101. </a:t>
+              <a:t>102. </a:t>
             </a:r>
             <a:r>
               <a:rPr lang="en-US" dirty="0"/>
-              <a:t>In modern application development, which is responsible for the day-to-day management of cloud-based infrastructure, such as patching, upgrades, and monitoring?</a:t>
+              <a:t>What’s the name of Google Cloud’s production-ready platform for running Kuberenetes applications across multiple cloud environments?</a:t>
             </a:r>
             <a:endParaRPr dirty="0"/>
           </a:p>
@@ -25809,35 +25838,62 @@
           <a:lstStyle/>
           <a:p>
             <a:r>
-              <a:rPr lang="en-US" sz="1800" dirty="0"/>
-              <a:t>Containers</a:t>
-            </a:r>
-          </a:p>
-          <a:p>
-            <a:r>
-              <a:rPr lang="en-US" sz="1800" dirty="0"/>
-              <a:t>DevOps</a:t>
-            </a:r>
-          </a:p>
-          <a:p>
-            <a:r>
-              <a:rPr lang="en-US" sz="1800" dirty="0"/>
-              <a:t>Cloud security</a:t>
-            </a:r>
-          </a:p>
-          <a:p>
-            <a:r>
-              <a:rPr lang="en-US" sz="1800" dirty="0"/>
-              <a:t>Managed services</a:t>
-            </a:r>
-            <a:endParaRPr sz="1800" dirty="0"/>
+              <a:rPr lang="es-ES_tradnl" sz="1800" dirty="0"/>
+              <a:t>Container </a:t>
+            </a:r>
+            <a:r>
+              <a:rPr lang="es-ES_tradnl" sz="1800" dirty="0" err="1"/>
+              <a:t>Registry</a:t>
+            </a:r>
+            <a:endParaRPr lang="es-ES_tradnl" sz="1800" dirty="0"/>
+          </a:p>
+          <a:p>
+            <a:r>
+              <a:rPr lang="es-ES_tradnl" sz="1800" dirty="0"/>
+              <a:t>Google </a:t>
+            </a:r>
+            <a:r>
+              <a:rPr lang="es-ES_tradnl" sz="1800" dirty="0" err="1"/>
+              <a:t>Kubernetes</a:t>
+            </a:r>
+            <a:r>
+              <a:rPr lang="es-ES_tradnl" sz="1800" dirty="0"/>
+              <a:t> </a:t>
+            </a:r>
+            <a:r>
+              <a:rPr lang="es-ES_tradnl" sz="1800" dirty="0" err="1"/>
+              <a:t>Engine</a:t>
+            </a:r>
+            <a:endParaRPr lang="es-ES_tradnl" sz="1800" dirty="0"/>
+          </a:p>
+          <a:p>
+            <a:r>
+              <a:rPr lang="es-ES_tradnl" sz="1800" dirty="0" err="1"/>
+              <a:t>Knative</a:t>
+            </a:r>
+            <a:endParaRPr lang="es-ES_tradnl" sz="1800" dirty="0"/>
+          </a:p>
+          <a:p>
+            <a:r>
+              <a:rPr lang="es-ES_tradnl" sz="1800" b="1" dirty="0"/>
+              <a:t>GKE</a:t>
+            </a:r>
+            <a:r>
+              <a:rPr lang="es-ES_tradnl" sz="1800" dirty="0"/>
+              <a:t> </a:t>
+            </a:r>
+            <a:r>
+              <a:rPr lang="es-ES_tradnl" sz="1800" b="1" dirty="0"/>
+              <a:t>Enterprise</a:t>
+            </a:r>
+            <a:endParaRPr sz="1800" b="1" dirty="0"/>
           </a:p>
         </p:txBody>
       </p:sp>
     </p:spTree>
     <p:extLst>
       <p:ext uri="{BB962C8B-B14F-4D97-AF65-F5344CB8AC3E}">
-        <p14:creationId xmlns:p14="http://schemas.microsoft.com/office/powerpoint/2010/main" val="2385728500"/>
+        <p14:creationId xmlns:p14="http://schemas.microsoft.com/office/powerpoint/2010/main" val="2280135942"/>
       </p:ext>
     </p:extLst>
   </p:cSld>
@@ -25895,11 +25951,11 @@
           <a:p>
             <a:r>
               <a:rPr dirty="0"/>
-              <a:t>101. </a:t>
+              <a:t>103. </a:t>
             </a:r>
             <a:r>
               <a:rPr lang="en-US" dirty="0"/>
-              <a:t>In modern application development, which is responsible for the day-to-day management of cloud-based infrastructure, such as patching, upgrades, and monitoring?</a:t>
+              <a:t>What is one way that organizations can create new revenue streams through APIs?</a:t>
             </a:r>
             <a:endParaRPr dirty="0"/>
           </a:p>
@@ -25932,34 +25988,34 @@
           <a:p>
             <a:r>
               <a:rPr lang="en-US" sz="1800" dirty="0"/>
-              <a:t>Containers</a:t>
+              <a:t>By developing new products and services internally</a:t>
             </a:r>
           </a:p>
           <a:p>
             <a:r>
               <a:rPr lang="en-US" sz="1800" dirty="0"/>
-              <a:t>DevOps</a:t>
+              <a:t>By allowing developers to access their data for free</a:t>
             </a:r>
           </a:p>
           <a:p>
             <a:r>
               <a:rPr lang="en-US" sz="1800" dirty="0"/>
-              <a:t>Cloud security</a:t>
-            </a:r>
-          </a:p>
-          <a:p>
-            <a:r>
-              <a:rPr lang="en-US" sz="1800" b="1" dirty="0"/>
-              <a:t>Managed services</a:t>
-            </a:r>
-            <a:endParaRPr sz="1800" b="1" dirty="0"/>
+              <a:t>By using APIs to track customer shipments</a:t>
+            </a:r>
+          </a:p>
+          <a:p>
+            <a:r>
+              <a:rPr lang="en-US" sz="1800" dirty="0"/>
+              <a:t>By charging developers to access their APIs</a:t>
+            </a:r>
+            <a:endParaRPr sz="1800" dirty="0"/>
           </a:p>
         </p:txBody>
       </p:sp>
     </p:spTree>
     <p:extLst>
       <p:ext uri="{BB962C8B-B14F-4D97-AF65-F5344CB8AC3E}">
-        <p14:creationId xmlns:p14="http://schemas.microsoft.com/office/powerpoint/2010/main" val="747828290"/>
+        <p14:creationId xmlns:p14="http://schemas.microsoft.com/office/powerpoint/2010/main" val="1288378249"/>
       </p:ext>
     </p:extLst>
   </p:cSld>
@@ -26017,11 +26073,11 @@
           <a:p>
             <a:r>
               <a:rPr dirty="0"/>
-              <a:t>102. </a:t>
+              <a:t>103. </a:t>
             </a:r>
             <a:r>
               <a:rPr lang="en-US" dirty="0"/>
-              <a:t>What’s the name of Google Cloud’s production-ready platform for running Kuberenetes applications across multiple cloud environments?</a:t>
+              <a:t>What is one way that organizations can create new revenue streams through APIs?</a:t>
             </a:r>
             <a:endParaRPr dirty="0"/>
           </a:p>
@@ -26053,54 +26109,35 @@
           <a:lstStyle/>
           <a:p>
             <a:r>
-              <a:rPr lang="es-ES_tradnl" sz="1800" dirty="0"/>
-              <a:t>Container </a:t>
-            </a:r>
-            <a:r>
-              <a:rPr lang="es-ES_tradnl" sz="1800" dirty="0" err="1"/>
-              <a:t>Registry</a:t>
-            </a:r>
-            <a:endParaRPr lang="es-ES_tradnl" sz="1800" dirty="0"/>
-          </a:p>
-          <a:p>
-            <a:r>
-              <a:rPr lang="es-ES_tradnl" sz="1800" dirty="0"/>
-              <a:t>Google </a:t>
-            </a:r>
-            <a:r>
-              <a:rPr lang="es-ES_tradnl" sz="1800" dirty="0" err="1"/>
-              <a:t>Kubernetes</a:t>
-            </a:r>
-            <a:r>
-              <a:rPr lang="es-ES_tradnl" sz="1800" dirty="0"/>
-              <a:t> </a:t>
-            </a:r>
-            <a:r>
-              <a:rPr lang="es-ES_tradnl" sz="1800" dirty="0" err="1"/>
-              <a:t>Engine</a:t>
-            </a:r>
-            <a:endParaRPr lang="es-ES_tradnl" sz="1800" dirty="0"/>
-          </a:p>
-          <a:p>
-            <a:r>
-              <a:rPr lang="es-ES_tradnl" sz="1800" dirty="0" err="1"/>
-              <a:t>Knative</a:t>
-            </a:r>
-            <a:endParaRPr lang="es-ES_tradnl" sz="1800" dirty="0"/>
-          </a:p>
-          <a:p>
-            <a:r>
-              <a:rPr lang="es-ES_tradnl" sz="1800" dirty="0"/>
-              <a:t>GKE Enterprise</a:t>
-            </a:r>
-            <a:endParaRPr sz="1800" dirty="0"/>
+              <a:rPr lang="en-US" sz="1800" dirty="0"/>
+              <a:t>By developing new products and services internally</a:t>
+            </a:r>
+          </a:p>
+          <a:p>
+            <a:r>
+              <a:rPr lang="en-US" sz="1800" dirty="0"/>
+              <a:t>By allowing developers to access their data for free</a:t>
+            </a:r>
+          </a:p>
+          <a:p>
+            <a:r>
+              <a:rPr lang="en-US" sz="1800" dirty="0"/>
+              <a:t>By using APIs to track customer shipments</a:t>
+            </a:r>
+          </a:p>
+          <a:p>
+            <a:r>
+              <a:rPr lang="en-US" sz="1800" b="1" dirty="0"/>
+              <a:t>By charging developers to access their APIs</a:t>
+            </a:r>
+            <a:endParaRPr sz="1800" b="1" dirty="0"/>
           </a:p>
         </p:txBody>
       </p:sp>
     </p:spTree>
     <p:extLst>
       <p:ext uri="{BB962C8B-B14F-4D97-AF65-F5344CB8AC3E}">
-        <p14:creationId xmlns:p14="http://schemas.microsoft.com/office/powerpoint/2010/main" val="2693247296"/>
+        <p14:creationId xmlns:p14="http://schemas.microsoft.com/office/powerpoint/2010/main" val="3980636315"/>
       </p:ext>
     </p:extLst>
   </p:cSld>
@@ -26251,11 +26288,11 @@
           <a:p>
             <a:r>
               <a:rPr dirty="0"/>
-              <a:t>102. </a:t>
+              <a:t>104. </a:t>
             </a:r>
             <a:r>
               <a:rPr lang="en-US" dirty="0"/>
-              <a:t>What’s the name of Google Cloud’s production-ready platform for running Kuberenetes applications across multiple cloud environments?</a:t>
+              <a:t>What is the name of Google Cloud's API management service that can operate APIs with enhanced scale, security, and automation?</a:t>
             </a:r>
             <a:endParaRPr dirty="0"/>
           </a:p>
@@ -26287,27 +26324,22 @@
           <a:lstStyle/>
           <a:p>
             <a:r>
+              <a:rPr lang="es-ES_tradnl" sz="1800" dirty="0" err="1"/>
+              <a:t>Apigee</a:t>
+            </a:r>
+            <a:endParaRPr lang="es-ES_tradnl" sz="1800" dirty="0"/>
+          </a:p>
+          <a:p>
+            <a:r>
+              <a:rPr lang="es-ES_tradnl" sz="1800" dirty="0" err="1"/>
+              <a:t>AppSheet</a:t>
+            </a:r>
+            <a:endParaRPr lang="es-ES_tradnl" sz="1800" dirty="0"/>
+          </a:p>
+          <a:p>
+            <a:r>
               <a:rPr lang="es-ES_tradnl" sz="1800" dirty="0"/>
-              <a:t>Container </a:t>
-            </a:r>
-            <a:r>
-              <a:rPr lang="es-ES_tradnl" sz="1800" dirty="0" err="1"/>
-              <a:t>Registry</a:t>
-            </a:r>
-            <a:endParaRPr lang="es-ES_tradnl" sz="1800" dirty="0"/>
-          </a:p>
-          <a:p>
-            <a:r>
-              <a:rPr lang="es-ES_tradnl" sz="1800" dirty="0"/>
-              <a:t>Google </a:t>
-            </a:r>
-            <a:r>
-              <a:rPr lang="es-ES_tradnl" sz="1800" dirty="0" err="1"/>
-              <a:t>Kubernetes</a:t>
-            </a:r>
-            <a:r>
-              <a:rPr lang="es-ES_tradnl" sz="1800" dirty="0"/>
-              <a:t> </a:t>
+              <a:t>App </a:t>
             </a:r>
             <a:r>
               <a:rPr lang="es-ES_tradnl" sz="1800" dirty="0" err="1"/>
@@ -26317,32 +26349,17 @@
           </a:p>
           <a:p>
             <a:r>
-              <a:rPr lang="es-ES_tradnl" sz="1800" dirty="0" err="1"/>
-              <a:t>Knative</a:t>
-            </a:r>
-            <a:endParaRPr lang="es-ES_tradnl" sz="1800" dirty="0"/>
-          </a:p>
-          <a:p>
-            <a:r>
-              <a:rPr lang="es-ES_tradnl" sz="1800" b="1" dirty="0"/>
-              <a:t>GKE</a:t>
-            </a:r>
-            <a:r>
               <a:rPr lang="es-ES_tradnl" sz="1800" dirty="0"/>
-              <a:t> </a:t>
-            </a:r>
-            <a:r>
-              <a:rPr lang="es-ES_tradnl" sz="1800" b="1" dirty="0"/>
-              <a:t>Enterprise</a:t>
-            </a:r>
-            <a:endParaRPr sz="1800" b="1" dirty="0"/>
+              <a:t>Cloud API Manager</a:t>
+            </a:r>
+            <a:endParaRPr sz="1800" dirty="0"/>
           </a:p>
         </p:txBody>
       </p:sp>
     </p:spTree>
     <p:extLst>
       <p:ext uri="{BB962C8B-B14F-4D97-AF65-F5344CB8AC3E}">
-        <p14:creationId xmlns:p14="http://schemas.microsoft.com/office/powerpoint/2010/main" val="2280135942"/>
+        <p14:creationId xmlns:p14="http://schemas.microsoft.com/office/powerpoint/2010/main" val="1581522689"/>
       </p:ext>
     </p:extLst>
   </p:cSld>
@@ -26400,11 +26417,11 @@
           <a:p>
             <a:r>
               <a:rPr dirty="0"/>
-              <a:t>103. </a:t>
+              <a:t>104. </a:t>
             </a:r>
             <a:r>
               <a:rPr lang="en-US" dirty="0"/>
-              <a:t>What is one way that organizations can create new revenue streams through APIs?</a:t>
+              <a:t>What is the name of Google Cloud's API management service that can operate APIs with enhanced scale, security, and automation?</a:t>
             </a:r>
             <a:endParaRPr dirty="0"/>
           </a:p>
@@ -26436,26 +26453,33 @@
           <a:lstStyle/>
           <a:p>
             <a:r>
-              <a:rPr lang="en-US" sz="1800" dirty="0"/>
-              <a:t>By developing new products and services internally</a:t>
-            </a:r>
-          </a:p>
-          <a:p>
-            <a:r>
-              <a:rPr lang="en-US" sz="1800" dirty="0"/>
-              <a:t>By allowing developers to access their data for free</a:t>
-            </a:r>
-          </a:p>
-          <a:p>
-            <a:r>
-              <a:rPr lang="en-US" sz="1800" dirty="0"/>
-              <a:t>By using APIs to track customer shipments</a:t>
-            </a:r>
-          </a:p>
-          <a:p>
-            <a:r>
-              <a:rPr lang="en-US" sz="1800" dirty="0"/>
-              <a:t>By charging developers to access their APIs</a:t>
+              <a:rPr lang="es-ES_tradnl" sz="1800" b="1" dirty="0" err="1"/>
+              <a:t>Apigee</a:t>
+            </a:r>
+            <a:endParaRPr lang="es-ES_tradnl" sz="1800" b="1" dirty="0"/>
+          </a:p>
+          <a:p>
+            <a:r>
+              <a:rPr lang="es-ES_tradnl" sz="1800" dirty="0" err="1"/>
+              <a:t>AppSheet</a:t>
+            </a:r>
+            <a:endParaRPr lang="es-ES_tradnl" sz="1800" dirty="0"/>
+          </a:p>
+          <a:p>
+            <a:r>
+              <a:rPr lang="es-ES_tradnl" sz="1800" dirty="0"/>
+              <a:t>App </a:t>
+            </a:r>
+            <a:r>
+              <a:rPr lang="es-ES_tradnl" sz="1800" dirty="0" err="1"/>
+              <a:t>Engine</a:t>
+            </a:r>
+            <a:endParaRPr lang="es-ES_tradnl" sz="1800" dirty="0"/>
+          </a:p>
+          <a:p>
+            <a:r>
+              <a:rPr lang="es-ES_tradnl" sz="1800" dirty="0"/>
+              <a:t>Cloud API Manager</a:t>
             </a:r>
             <a:endParaRPr sz="1800" dirty="0"/>
           </a:p>
@@ -26464,7 +26488,7 @@
     </p:spTree>
     <p:extLst>
       <p:ext uri="{BB962C8B-B14F-4D97-AF65-F5344CB8AC3E}">
-        <p14:creationId xmlns:p14="http://schemas.microsoft.com/office/powerpoint/2010/main" val="1288378249"/>
+        <p14:creationId xmlns:p14="http://schemas.microsoft.com/office/powerpoint/2010/main" val="581843242"/>
       </p:ext>
     </p:extLst>
   </p:cSld>
@@ -26522,11 +26546,11 @@
           <a:p>
             <a:r>
               <a:rPr dirty="0"/>
-              <a:t>103. </a:t>
+              <a:t>105. </a:t>
             </a:r>
             <a:r>
               <a:rPr lang="en-US" dirty="0"/>
-              <a:t>What is one way that organizations can create new revenue streams through APIs?</a:t>
+              <a:t>What name is given to an environment where an organization uses more than one public cloud provider as part of its architecture?</a:t>
             </a:r>
             <a:endParaRPr dirty="0"/>
           </a:p>
@@ -26557,36 +26581,40 @@
           </a:bodyPr>
           <a:lstStyle/>
           <a:p>
+            <a:endParaRPr lang="en-US" sz="1800" dirty="0"/>
+          </a:p>
+          <a:p>
             <a:r>
               <a:rPr lang="en-US" sz="1800" dirty="0"/>
-              <a:t>By developing new products and services internally</a:t>
+              <a:t>Hybrid cloud</a:t>
             </a:r>
           </a:p>
           <a:p>
             <a:r>
               <a:rPr lang="en-US" sz="1800" dirty="0"/>
-              <a:t>By allowing developers to access their data for free</a:t>
-            </a:r>
+              <a:t>Community cloud</a:t>
+            </a:r>
+          </a:p>
+          <a:p>
+            <a:r>
+              <a:rPr lang="en-US" sz="1800" dirty="0" err="1"/>
+              <a:t>Multicloud</a:t>
+            </a:r>
+            <a:endParaRPr lang="en-US" sz="1800" dirty="0"/>
           </a:p>
           <a:p>
             <a:r>
               <a:rPr lang="en-US" sz="1800" dirty="0"/>
-              <a:t>By using APIs to track customer shipments</a:t>
-            </a:r>
-          </a:p>
-          <a:p>
-            <a:r>
-              <a:rPr lang="en-US" sz="1800" b="1" dirty="0"/>
-              <a:t>By charging developers to access their APIs</a:t>
-            </a:r>
-            <a:endParaRPr sz="1800" b="1" dirty="0"/>
+              <a:t>Edge cloud</a:t>
+            </a:r>
+            <a:endParaRPr sz="1800" dirty="0"/>
           </a:p>
         </p:txBody>
       </p:sp>
     </p:spTree>
     <p:extLst>
       <p:ext uri="{BB962C8B-B14F-4D97-AF65-F5344CB8AC3E}">
-        <p14:creationId xmlns:p14="http://schemas.microsoft.com/office/powerpoint/2010/main" val="3980636315"/>
+        <p14:creationId xmlns:p14="http://schemas.microsoft.com/office/powerpoint/2010/main" val="2405764524"/>
       </p:ext>
     </p:extLst>
   </p:cSld>
@@ -26644,390 +26672,6 @@
           <a:p>
             <a:r>
               <a:rPr dirty="0"/>
-              <a:t>104. </a:t>
-            </a:r>
-            <a:r>
-              <a:rPr lang="en-US" dirty="0"/>
-              <a:t>What is the name of Google Cloud's API management service that can operate APIs with enhanced scale, security, and automation?</a:t>
-            </a:r>
-            <a:endParaRPr dirty="0"/>
-          </a:p>
-        </p:txBody>
-      </p:sp>
-      <p:sp>
-        <p:nvSpPr>
-          <p:cNvPr id="3" name="Content Placeholder 2">
-            <a:extLst>
-              <a:ext uri="{FF2B5EF4-FFF2-40B4-BE49-F238E27FC236}">
-                <a16:creationId xmlns:a16="http://schemas.microsoft.com/office/drawing/2014/main" id="{2557C43C-3D41-0309-2433-DE85071154D9}"/>
-              </a:ext>
-            </a:extLst>
-          </p:cNvPr>
-          <p:cNvSpPr>
-            <a:spLocks noGrp="1"/>
-          </p:cNvSpPr>
-          <p:nvPr>
-            <p:ph idx="1"/>
-          </p:nvPr>
-        </p:nvSpPr>
-        <p:spPr>
-          <a:noFill/>
-        </p:spPr>
-        <p:txBody>
-          <a:bodyPr vert="horz" lIns="91440" tIns="45720" rIns="91440" bIns="45720" rtlCol="0">
-            <a:normAutofit/>
-          </a:bodyPr>
-          <a:lstStyle/>
-          <a:p>
-            <a:r>
-              <a:rPr lang="es-ES_tradnl" sz="1800" dirty="0" err="1"/>
-              <a:t>Apigee</a:t>
-            </a:r>
-            <a:endParaRPr lang="es-ES_tradnl" sz="1800" dirty="0"/>
-          </a:p>
-          <a:p>
-            <a:r>
-              <a:rPr lang="es-ES_tradnl" sz="1800" dirty="0" err="1"/>
-              <a:t>AppSheet</a:t>
-            </a:r>
-            <a:endParaRPr lang="es-ES_tradnl" sz="1800" dirty="0"/>
-          </a:p>
-          <a:p>
-            <a:r>
-              <a:rPr lang="es-ES_tradnl" sz="1800" dirty="0"/>
-              <a:t>App </a:t>
-            </a:r>
-            <a:r>
-              <a:rPr lang="es-ES_tradnl" sz="1800" dirty="0" err="1"/>
-              <a:t>Engine</a:t>
-            </a:r>
-            <a:endParaRPr lang="es-ES_tradnl" sz="1800" dirty="0"/>
-          </a:p>
-          <a:p>
-            <a:r>
-              <a:rPr lang="es-ES_tradnl" sz="1800" dirty="0"/>
-              <a:t>Cloud API Manager</a:t>
-            </a:r>
-            <a:endParaRPr sz="1800" dirty="0"/>
-          </a:p>
-        </p:txBody>
-      </p:sp>
-    </p:spTree>
-    <p:extLst>
-      <p:ext uri="{BB962C8B-B14F-4D97-AF65-F5344CB8AC3E}">
-        <p14:creationId xmlns:p14="http://schemas.microsoft.com/office/powerpoint/2010/main" val="1581522689"/>
-      </p:ext>
-    </p:extLst>
-  </p:cSld>
-  <p:clrMapOvr>
-    <a:masterClrMapping/>
-  </p:clrMapOvr>
-</p:sld>
-</file>
-
-<file path=ppt/slides/slide224.xml><?xml version="1.0" encoding="utf-8"?>
-<p:sld xmlns:a="http://schemas.openxmlformats.org/drawingml/2006/main" xmlns:r="http://schemas.openxmlformats.org/officeDocument/2006/relationships" xmlns:p="http://schemas.openxmlformats.org/presentationml/2006/main">
-  <p:cSld>
-    <p:spTree>
-      <p:nvGrpSpPr>
-        <p:cNvPr id="1" name="">
-          <a:extLst>
-            <a:ext uri="{FF2B5EF4-FFF2-40B4-BE49-F238E27FC236}">
-              <a16:creationId xmlns:a16="http://schemas.microsoft.com/office/drawing/2014/main" id="{BDFA8C52-6ACA-5B06-87A3-C5D48A7D07C4}"/>
-            </a:ext>
-          </a:extLst>
-        </p:cNvPr>
-        <p:cNvGrpSpPr/>
-        <p:nvPr/>
-      </p:nvGrpSpPr>
-      <p:grpSpPr>
-        <a:xfrm>
-          <a:off x="0" y="0"/>
-          <a:ext cx="0" cy="0"/>
-          <a:chOff x="0" y="0"/>
-          <a:chExt cx="0" cy="0"/>
-        </a:xfrm>
-      </p:grpSpPr>
-      <p:sp>
-        <p:nvSpPr>
-          <p:cNvPr id="2" name="Title 1">
-            <a:extLst>
-              <a:ext uri="{FF2B5EF4-FFF2-40B4-BE49-F238E27FC236}">
-                <a16:creationId xmlns:a16="http://schemas.microsoft.com/office/drawing/2014/main" id="{1F1C788A-47E4-E11D-85E0-731C75960702}"/>
-              </a:ext>
-            </a:extLst>
-          </p:cNvPr>
-          <p:cNvSpPr>
-            <a:spLocks noGrp="1"/>
-          </p:cNvSpPr>
-          <p:nvPr>
-            <p:ph type="title"/>
-          </p:nvPr>
-        </p:nvSpPr>
-        <p:spPr/>
-        <p:txBody>
-          <a:bodyPr>
-            <a:normAutofit/>
-          </a:bodyPr>
-          <a:lstStyle/>
-          <a:p>
-            <a:r>
-              <a:rPr dirty="0"/>
-              <a:t>104. </a:t>
-            </a:r>
-            <a:r>
-              <a:rPr lang="en-US" dirty="0"/>
-              <a:t>What is the name of Google Cloud's API management service that can operate APIs with enhanced scale, security, and automation?</a:t>
-            </a:r>
-            <a:endParaRPr dirty="0"/>
-          </a:p>
-        </p:txBody>
-      </p:sp>
-      <p:sp>
-        <p:nvSpPr>
-          <p:cNvPr id="3" name="Content Placeholder 2">
-            <a:extLst>
-              <a:ext uri="{FF2B5EF4-FFF2-40B4-BE49-F238E27FC236}">
-                <a16:creationId xmlns:a16="http://schemas.microsoft.com/office/drawing/2014/main" id="{2557C43C-3D41-0309-2433-DE85071154D9}"/>
-              </a:ext>
-            </a:extLst>
-          </p:cNvPr>
-          <p:cNvSpPr>
-            <a:spLocks noGrp="1"/>
-          </p:cNvSpPr>
-          <p:nvPr>
-            <p:ph idx="1"/>
-          </p:nvPr>
-        </p:nvSpPr>
-        <p:spPr>
-          <a:noFill/>
-        </p:spPr>
-        <p:txBody>
-          <a:bodyPr vert="horz" lIns="91440" tIns="45720" rIns="91440" bIns="45720" rtlCol="0">
-            <a:normAutofit/>
-          </a:bodyPr>
-          <a:lstStyle/>
-          <a:p>
-            <a:r>
-              <a:rPr lang="es-ES_tradnl" sz="1800" b="1" dirty="0" err="1"/>
-              <a:t>Apigee</a:t>
-            </a:r>
-            <a:endParaRPr lang="es-ES_tradnl" sz="1800" b="1" dirty="0"/>
-          </a:p>
-          <a:p>
-            <a:r>
-              <a:rPr lang="es-ES_tradnl" sz="1800" dirty="0" err="1"/>
-              <a:t>AppSheet</a:t>
-            </a:r>
-            <a:endParaRPr lang="es-ES_tradnl" sz="1800" dirty="0"/>
-          </a:p>
-          <a:p>
-            <a:r>
-              <a:rPr lang="es-ES_tradnl" sz="1800" dirty="0"/>
-              <a:t>App </a:t>
-            </a:r>
-            <a:r>
-              <a:rPr lang="es-ES_tradnl" sz="1800" dirty="0" err="1"/>
-              <a:t>Engine</a:t>
-            </a:r>
-            <a:endParaRPr lang="es-ES_tradnl" sz="1800" dirty="0"/>
-          </a:p>
-          <a:p>
-            <a:r>
-              <a:rPr lang="es-ES_tradnl" sz="1800" dirty="0"/>
-              <a:t>Cloud API Manager</a:t>
-            </a:r>
-            <a:endParaRPr sz="1800" dirty="0"/>
-          </a:p>
-        </p:txBody>
-      </p:sp>
-    </p:spTree>
-    <p:extLst>
-      <p:ext uri="{BB962C8B-B14F-4D97-AF65-F5344CB8AC3E}">
-        <p14:creationId xmlns:p14="http://schemas.microsoft.com/office/powerpoint/2010/main" val="581843242"/>
-      </p:ext>
-    </p:extLst>
-  </p:cSld>
-  <p:clrMapOvr>
-    <a:masterClrMapping/>
-  </p:clrMapOvr>
-</p:sld>
-</file>
-
-<file path=ppt/slides/slide225.xml><?xml version="1.0" encoding="utf-8"?>
-<p:sld xmlns:a="http://schemas.openxmlformats.org/drawingml/2006/main" xmlns:r="http://schemas.openxmlformats.org/officeDocument/2006/relationships" xmlns:p="http://schemas.openxmlformats.org/presentationml/2006/main">
-  <p:cSld>
-    <p:spTree>
-      <p:nvGrpSpPr>
-        <p:cNvPr id="1" name="">
-          <a:extLst>
-            <a:ext uri="{FF2B5EF4-FFF2-40B4-BE49-F238E27FC236}">
-              <a16:creationId xmlns:a16="http://schemas.microsoft.com/office/drawing/2014/main" id="{BDFA8C52-6ACA-5B06-87A3-C5D48A7D07C4}"/>
-            </a:ext>
-          </a:extLst>
-        </p:cNvPr>
-        <p:cNvGrpSpPr/>
-        <p:nvPr/>
-      </p:nvGrpSpPr>
-      <p:grpSpPr>
-        <a:xfrm>
-          <a:off x="0" y="0"/>
-          <a:ext cx="0" cy="0"/>
-          <a:chOff x="0" y="0"/>
-          <a:chExt cx="0" cy="0"/>
-        </a:xfrm>
-      </p:grpSpPr>
-      <p:sp>
-        <p:nvSpPr>
-          <p:cNvPr id="2" name="Title 1">
-            <a:extLst>
-              <a:ext uri="{FF2B5EF4-FFF2-40B4-BE49-F238E27FC236}">
-                <a16:creationId xmlns:a16="http://schemas.microsoft.com/office/drawing/2014/main" id="{1F1C788A-47E4-E11D-85E0-731C75960702}"/>
-              </a:ext>
-            </a:extLst>
-          </p:cNvPr>
-          <p:cNvSpPr>
-            <a:spLocks noGrp="1"/>
-          </p:cNvSpPr>
-          <p:nvPr>
-            <p:ph type="title"/>
-          </p:nvPr>
-        </p:nvSpPr>
-        <p:spPr/>
-        <p:txBody>
-          <a:bodyPr>
-            <a:normAutofit/>
-          </a:bodyPr>
-          <a:lstStyle/>
-          <a:p>
-            <a:r>
-              <a:rPr dirty="0"/>
-              <a:t>105. </a:t>
-            </a:r>
-            <a:r>
-              <a:rPr lang="en-US" dirty="0"/>
-              <a:t>What name is given to an environment where an organization uses more than one public cloud provider as part of its architecture?</a:t>
-            </a:r>
-            <a:endParaRPr dirty="0"/>
-          </a:p>
-        </p:txBody>
-      </p:sp>
-      <p:sp>
-        <p:nvSpPr>
-          <p:cNvPr id="3" name="Content Placeholder 2">
-            <a:extLst>
-              <a:ext uri="{FF2B5EF4-FFF2-40B4-BE49-F238E27FC236}">
-                <a16:creationId xmlns:a16="http://schemas.microsoft.com/office/drawing/2014/main" id="{2557C43C-3D41-0309-2433-DE85071154D9}"/>
-              </a:ext>
-            </a:extLst>
-          </p:cNvPr>
-          <p:cNvSpPr>
-            <a:spLocks noGrp="1"/>
-          </p:cNvSpPr>
-          <p:nvPr>
-            <p:ph idx="1"/>
-          </p:nvPr>
-        </p:nvSpPr>
-        <p:spPr>
-          <a:noFill/>
-        </p:spPr>
-        <p:txBody>
-          <a:bodyPr vert="horz" lIns="91440" tIns="45720" rIns="91440" bIns="45720" rtlCol="0">
-            <a:normAutofit/>
-          </a:bodyPr>
-          <a:lstStyle/>
-          <a:p>
-            <a:endParaRPr lang="en-US" sz="1800" dirty="0"/>
-          </a:p>
-          <a:p>
-            <a:r>
-              <a:rPr lang="en-US" sz="1800" dirty="0"/>
-              <a:t>Hybrid cloud</a:t>
-            </a:r>
-          </a:p>
-          <a:p>
-            <a:r>
-              <a:rPr lang="en-US" sz="1800" dirty="0"/>
-              <a:t>Community cloud</a:t>
-            </a:r>
-          </a:p>
-          <a:p>
-            <a:r>
-              <a:rPr lang="en-US" sz="1800" dirty="0" err="1"/>
-              <a:t>Multicloud</a:t>
-            </a:r>
-            <a:endParaRPr lang="en-US" sz="1800" dirty="0"/>
-          </a:p>
-          <a:p>
-            <a:r>
-              <a:rPr lang="en-US" sz="1800" dirty="0"/>
-              <a:t>Edge cloud</a:t>
-            </a:r>
-            <a:endParaRPr sz="1800" dirty="0"/>
-          </a:p>
-        </p:txBody>
-      </p:sp>
-    </p:spTree>
-    <p:extLst>
-      <p:ext uri="{BB962C8B-B14F-4D97-AF65-F5344CB8AC3E}">
-        <p14:creationId xmlns:p14="http://schemas.microsoft.com/office/powerpoint/2010/main" val="2405764524"/>
-      </p:ext>
-    </p:extLst>
-  </p:cSld>
-  <p:clrMapOvr>
-    <a:masterClrMapping/>
-  </p:clrMapOvr>
-</p:sld>
-</file>
-
-<file path=ppt/slides/slide226.xml><?xml version="1.0" encoding="utf-8"?>
-<p:sld xmlns:a="http://schemas.openxmlformats.org/drawingml/2006/main" xmlns:r="http://schemas.openxmlformats.org/officeDocument/2006/relationships" xmlns:p="http://schemas.openxmlformats.org/presentationml/2006/main">
-  <p:cSld>
-    <p:spTree>
-      <p:nvGrpSpPr>
-        <p:cNvPr id="1" name="">
-          <a:extLst>
-            <a:ext uri="{FF2B5EF4-FFF2-40B4-BE49-F238E27FC236}">
-              <a16:creationId xmlns:a16="http://schemas.microsoft.com/office/drawing/2014/main" id="{BDFA8C52-6ACA-5B06-87A3-C5D48A7D07C4}"/>
-            </a:ext>
-          </a:extLst>
-        </p:cNvPr>
-        <p:cNvGrpSpPr/>
-        <p:nvPr/>
-      </p:nvGrpSpPr>
-      <p:grpSpPr>
-        <a:xfrm>
-          <a:off x="0" y="0"/>
-          <a:ext cx="0" cy="0"/>
-          <a:chOff x="0" y="0"/>
-          <a:chExt cx="0" cy="0"/>
-        </a:xfrm>
-      </p:grpSpPr>
-      <p:sp>
-        <p:nvSpPr>
-          <p:cNvPr id="2" name="Title 1">
-            <a:extLst>
-              <a:ext uri="{FF2B5EF4-FFF2-40B4-BE49-F238E27FC236}">
-                <a16:creationId xmlns:a16="http://schemas.microsoft.com/office/drawing/2014/main" id="{1F1C788A-47E4-E11D-85E0-731C75960702}"/>
-              </a:ext>
-            </a:extLst>
-          </p:cNvPr>
-          <p:cNvSpPr>
-            <a:spLocks noGrp="1"/>
-          </p:cNvSpPr>
-          <p:nvPr>
-            <p:ph type="title"/>
-          </p:nvPr>
-        </p:nvSpPr>
-        <p:spPr/>
-        <p:txBody>
-          <a:bodyPr>
-            <a:normAutofit/>
-          </a:bodyPr>
-          <a:lstStyle/>
-          <a:p>
-            <a:r>
-              <a:rPr dirty="0"/>
               <a:t>105. </a:t>
             </a:r>
             <a:r>
@@ -27106,7 +26750,7 @@
 </p:sld>
 </file>
 
-<file path=ppt/slides/slide227.xml><?xml version="1.0" encoding="utf-8"?>
+<file path=ppt/slides/slide224.xml><?xml version="1.0" encoding="utf-8"?>
 <p:sld xmlns:a="http://schemas.openxmlformats.org/drawingml/2006/main" xmlns:r="http://schemas.openxmlformats.org/officeDocument/2006/relationships" xmlns:p="http://schemas.openxmlformats.org/presentationml/2006/main">
   <p:cSld>
     <p:spTree>
@@ -27491,7 +27135,7 @@
 </p:sld>
 </file>
 
-<file path=ppt/slides/slide228.xml><?xml version="1.0" encoding="utf-8"?>
+<file path=ppt/slides/slide225.xml><?xml version="1.0" encoding="utf-8"?>
 <p:sld xmlns:a="http://schemas.openxmlformats.org/drawingml/2006/main" xmlns:r="http://schemas.openxmlformats.org/officeDocument/2006/relationships" xmlns:p="http://schemas.openxmlformats.org/presentationml/2006/main">
   <p:cSld>
     <p:spTree>
@@ -27876,6 +27520,383 @@
 </p:sld>
 </file>
 
+<file path=ppt/slides/slide226.xml><?xml version="1.0" encoding="utf-8"?>
+<p:sld xmlns:a="http://schemas.openxmlformats.org/drawingml/2006/main" xmlns:r="http://schemas.openxmlformats.org/officeDocument/2006/relationships" xmlns:p="http://schemas.openxmlformats.org/presentationml/2006/main">
+  <p:cSld>
+    <p:spTree>
+      <p:nvGrpSpPr>
+        <p:cNvPr id="1" name="">
+          <a:extLst>
+            <a:ext uri="{FF2B5EF4-FFF2-40B4-BE49-F238E27FC236}">
+              <a16:creationId xmlns:a16="http://schemas.microsoft.com/office/drawing/2014/main" id="{BDFA8C52-6ACA-5B06-87A3-C5D48A7D07C4}"/>
+            </a:ext>
+          </a:extLst>
+        </p:cNvPr>
+        <p:cNvGrpSpPr/>
+        <p:nvPr/>
+      </p:nvGrpSpPr>
+      <p:grpSpPr>
+        <a:xfrm>
+          <a:off x="0" y="0"/>
+          <a:ext cx="0" cy="0"/>
+          <a:chOff x="0" y="0"/>
+          <a:chExt cx="0" cy="0"/>
+        </a:xfrm>
+      </p:grpSpPr>
+      <p:sp>
+        <p:nvSpPr>
+          <p:cNvPr id="2" name="Title 1">
+            <a:extLst>
+              <a:ext uri="{FF2B5EF4-FFF2-40B4-BE49-F238E27FC236}">
+                <a16:creationId xmlns:a16="http://schemas.microsoft.com/office/drawing/2014/main" id="{1F1C788A-47E4-E11D-85E0-731C75960702}"/>
+              </a:ext>
+            </a:extLst>
+          </p:cNvPr>
+          <p:cNvSpPr>
+            <a:spLocks noGrp="1"/>
+          </p:cNvSpPr>
+          <p:nvPr>
+            <p:ph type="title"/>
+          </p:nvPr>
+        </p:nvSpPr>
+        <p:spPr/>
+        <p:txBody>
+          <a:bodyPr>
+            <a:normAutofit/>
+          </a:bodyPr>
+          <a:lstStyle/>
+          <a:p>
+            <a:r>
+              <a:rPr dirty="0"/>
+              <a:t>107. </a:t>
+            </a:r>
+            <a:r>
+              <a:rPr lang="en-US" dirty="0"/>
+              <a:t>Which is a benefit of cloud security over traditional on-premises security?</a:t>
+            </a:r>
+            <a:br>
+              <a:rPr lang="en-US" dirty="0"/>
+            </a:br>
+            <a:r>
+              <a:rPr lang="en-US" dirty="0"/>
+              <a:t>check</a:t>
+            </a:r>
+            <a:endParaRPr dirty="0"/>
+          </a:p>
+        </p:txBody>
+      </p:sp>
+      <p:sp>
+        <p:nvSpPr>
+          <p:cNvPr id="3" name="Content Placeholder 2">
+            <a:extLst>
+              <a:ext uri="{FF2B5EF4-FFF2-40B4-BE49-F238E27FC236}">
+                <a16:creationId xmlns:a16="http://schemas.microsoft.com/office/drawing/2014/main" id="{2557C43C-3D41-0309-2433-DE85071154D9}"/>
+              </a:ext>
+            </a:extLst>
+          </p:cNvPr>
+          <p:cNvSpPr>
+            <a:spLocks noGrp="1"/>
+          </p:cNvSpPr>
+          <p:nvPr>
+            <p:ph idx="1"/>
+          </p:nvPr>
+        </p:nvSpPr>
+        <p:spPr>
+          <a:noFill/>
+        </p:spPr>
+        <p:txBody>
+          <a:bodyPr vert="horz" lIns="91440" tIns="45720" rIns="91440" bIns="45720" rtlCol="0">
+            <a:normAutofit/>
+          </a:bodyPr>
+          <a:lstStyle/>
+          <a:p>
+            <a:r>
+              <a:rPr lang="en-US" sz="1800" dirty="0"/>
+              <a:t>Increased scalability</a:t>
+            </a:r>
+          </a:p>
+          <a:p>
+            <a:r>
+              <a:rPr lang="en-US" sz="1800" dirty="0"/>
+              <a:t>Only having to install security updates on a weekly basis.</a:t>
+            </a:r>
+          </a:p>
+          <a:p>
+            <a:r>
+              <a:rPr lang="en-US" sz="1800" dirty="0"/>
+              <a:t>Having physical access to hardware.</a:t>
+            </a:r>
+          </a:p>
+          <a:p>
+            <a:r>
+              <a:rPr lang="en-US" sz="1800" dirty="0"/>
+              <a:t>Large upfront capital investment.</a:t>
+            </a:r>
+          </a:p>
+        </p:txBody>
+      </p:sp>
+    </p:spTree>
+    <p:extLst>
+      <p:ext uri="{BB962C8B-B14F-4D97-AF65-F5344CB8AC3E}">
+        <p14:creationId xmlns:p14="http://schemas.microsoft.com/office/powerpoint/2010/main" val="1046493995"/>
+      </p:ext>
+    </p:extLst>
+  </p:cSld>
+  <p:clrMapOvr>
+    <a:masterClrMapping/>
+  </p:clrMapOvr>
+</p:sld>
+</file>
+
+<file path=ppt/slides/slide227.xml><?xml version="1.0" encoding="utf-8"?>
+<p:sld xmlns:a="http://schemas.openxmlformats.org/drawingml/2006/main" xmlns:r="http://schemas.openxmlformats.org/officeDocument/2006/relationships" xmlns:p="http://schemas.openxmlformats.org/presentationml/2006/main">
+  <p:cSld>
+    <p:spTree>
+      <p:nvGrpSpPr>
+        <p:cNvPr id="1" name="">
+          <a:extLst>
+            <a:ext uri="{FF2B5EF4-FFF2-40B4-BE49-F238E27FC236}">
+              <a16:creationId xmlns:a16="http://schemas.microsoft.com/office/drawing/2014/main" id="{BDFA8C52-6ACA-5B06-87A3-C5D48A7D07C4}"/>
+            </a:ext>
+          </a:extLst>
+        </p:cNvPr>
+        <p:cNvGrpSpPr/>
+        <p:nvPr/>
+      </p:nvGrpSpPr>
+      <p:grpSpPr>
+        <a:xfrm>
+          <a:off x="0" y="0"/>
+          <a:ext cx="0" cy="0"/>
+          <a:chOff x="0" y="0"/>
+          <a:chExt cx="0" cy="0"/>
+        </a:xfrm>
+      </p:grpSpPr>
+      <p:sp>
+        <p:nvSpPr>
+          <p:cNvPr id="2" name="Title 1">
+            <a:extLst>
+              <a:ext uri="{FF2B5EF4-FFF2-40B4-BE49-F238E27FC236}">
+                <a16:creationId xmlns:a16="http://schemas.microsoft.com/office/drawing/2014/main" id="{1F1C788A-47E4-E11D-85E0-731C75960702}"/>
+              </a:ext>
+            </a:extLst>
+          </p:cNvPr>
+          <p:cNvSpPr>
+            <a:spLocks noGrp="1"/>
+          </p:cNvSpPr>
+          <p:nvPr>
+            <p:ph type="title"/>
+          </p:nvPr>
+        </p:nvSpPr>
+        <p:spPr/>
+        <p:txBody>
+          <a:bodyPr>
+            <a:normAutofit/>
+          </a:bodyPr>
+          <a:lstStyle/>
+          <a:p>
+            <a:r>
+              <a:rPr dirty="0"/>
+              <a:t>107. </a:t>
+            </a:r>
+            <a:r>
+              <a:rPr lang="en-US" dirty="0"/>
+              <a:t>Which is a benefit of cloud security over traditional on-premises security?</a:t>
+            </a:r>
+            <a:br>
+              <a:rPr lang="en-US" dirty="0"/>
+            </a:br>
+            <a:r>
+              <a:rPr lang="en-US" dirty="0"/>
+              <a:t>check</a:t>
+            </a:r>
+            <a:endParaRPr dirty="0"/>
+          </a:p>
+        </p:txBody>
+      </p:sp>
+      <p:sp>
+        <p:nvSpPr>
+          <p:cNvPr id="3" name="Content Placeholder 2">
+            <a:extLst>
+              <a:ext uri="{FF2B5EF4-FFF2-40B4-BE49-F238E27FC236}">
+                <a16:creationId xmlns:a16="http://schemas.microsoft.com/office/drawing/2014/main" id="{2557C43C-3D41-0309-2433-DE85071154D9}"/>
+              </a:ext>
+            </a:extLst>
+          </p:cNvPr>
+          <p:cNvSpPr>
+            <a:spLocks noGrp="1"/>
+          </p:cNvSpPr>
+          <p:nvPr>
+            <p:ph idx="1"/>
+          </p:nvPr>
+        </p:nvSpPr>
+        <p:spPr>
+          <a:noFill/>
+        </p:spPr>
+        <p:txBody>
+          <a:bodyPr vert="horz" lIns="91440" tIns="45720" rIns="91440" bIns="45720" rtlCol="0">
+            <a:normAutofit/>
+          </a:bodyPr>
+          <a:lstStyle/>
+          <a:p>
+            <a:r>
+              <a:rPr lang="en-US" sz="1800" b="1" dirty="0"/>
+              <a:t>Increased scalability</a:t>
+            </a:r>
+          </a:p>
+          <a:p>
+            <a:r>
+              <a:rPr lang="en-US" sz="1800" dirty="0"/>
+              <a:t>Only having to install security updates on a weekly basis.</a:t>
+            </a:r>
+          </a:p>
+          <a:p>
+            <a:r>
+              <a:rPr lang="en-US" sz="1800" dirty="0"/>
+              <a:t>Having physical access to hardware.</a:t>
+            </a:r>
+          </a:p>
+          <a:p>
+            <a:r>
+              <a:rPr lang="en-US" sz="1800" dirty="0"/>
+              <a:t>Large upfront capital investment.</a:t>
+            </a:r>
+          </a:p>
+        </p:txBody>
+      </p:sp>
+    </p:spTree>
+    <p:extLst>
+      <p:ext uri="{BB962C8B-B14F-4D97-AF65-F5344CB8AC3E}">
+        <p14:creationId xmlns:p14="http://schemas.microsoft.com/office/powerpoint/2010/main" val="2264348232"/>
+      </p:ext>
+    </p:extLst>
+  </p:cSld>
+  <p:clrMapOvr>
+    <a:masterClrMapping/>
+  </p:clrMapOvr>
+</p:sld>
+</file>
+
+<file path=ppt/slides/slide228.xml><?xml version="1.0" encoding="utf-8"?>
+<p:sld xmlns:a="http://schemas.openxmlformats.org/drawingml/2006/main" xmlns:r="http://schemas.openxmlformats.org/officeDocument/2006/relationships" xmlns:p="http://schemas.openxmlformats.org/presentationml/2006/main">
+  <p:cSld>
+    <p:spTree>
+      <p:nvGrpSpPr>
+        <p:cNvPr id="1" name="">
+          <a:extLst>
+            <a:ext uri="{FF2B5EF4-FFF2-40B4-BE49-F238E27FC236}">
+              <a16:creationId xmlns:a16="http://schemas.microsoft.com/office/drawing/2014/main" id="{BDFA8C52-6ACA-5B06-87A3-C5D48A7D07C4}"/>
+            </a:ext>
+          </a:extLst>
+        </p:cNvPr>
+        <p:cNvGrpSpPr/>
+        <p:nvPr/>
+      </p:nvGrpSpPr>
+      <p:grpSpPr>
+        <a:xfrm>
+          <a:off x="0" y="0"/>
+          <a:ext cx="0" cy="0"/>
+          <a:chOff x="0" y="0"/>
+          <a:chExt cx="0" cy="0"/>
+        </a:xfrm>
+      </p:grpSpPr>
+      <p:sp>
+        <p:nvSpPr>
+          <p:cNvPr id="2" name="Title 1">
+            <a:extLst>
+              <a:ext uri="{FF2B5EF4-FFF2-40B4-BE49-F238E27FC236}">
+                <a16:creationId xmlns:a16="http://schemas.microsoft.com/office/drawing/2014/main" id="{1F1C788A-47E4-E11D-85E0-731C75960702}"/>
+              </a:ext>
+            </a:extLst>
+          </p:cNvPr>
+          <p:cNvSpPr>
+            <a:spLocks noGrp="1"/>
+          </p:cNvSpPr>
+          <p:nvPr>
+            <p:ph type="title"/>
+          </p:nvPr>
+        </p:nvSpPr>
+        <p:spPr/>
+        <p:txBody>
+          <a:bodyPr>
+            <a:normAutofit/>
+          </a:bodyPr>
+          <a:lstStyle/>
+          <a:p>
+            <a:r>
+              <a:rPr dirty="0"/>
+              <a:t>108. </a:t>
+            </a:r>
+            <a:r>
+              <a:rPr lang="en-US" dirty="0"/>
+              <a:t>Which is a benefit of cloud security over traditional on-premises security?</a:t>
+            </a:r>
+            <a:endParaRPr dirty="0"/>
+          </a:p>
+        </p:txBody>
+      </p:sp>
+      <p:sp>
+        <p:nvSpPr>
+          <p:cNvPr id="3" name="Content Placeholder 2">
+            <a:extLst>
+              <a:ext uri="{FF2B5EF4-FFF2-40B4-BE49-F238E27FC236}">
+                <a16:creationId xmlns:a16="http://schemas.microsoft.com/office/drawing/2014/main" id="{2557C43C-3D41-0309-2433-DE85071154D9}"/>
+              </a:ext>
+            </a:extLst>
+          </p:cNvPr>
+          <p:cNvSpPr>
+            <a:spLocks noGrp="1"/>
+          </p:cNvSpPr>
+          <p:nvPr>
+            <p:ph idx="1"/>
+          </p:nvPr>
+        </p:nvSpPr>
+        <p:spPr>
+          <a:noFill/>
+        </p:spPr>
+        <p:txBody>
+          <a:bodyPr vert="horz" lIns="91440" tIns="45720" rIns="91440" bIns="45720" rtlCol="0">
+            <a:normAutofit/>
+          </a:bodyPr>
+          <a:lstStyle/>
+          <a:p>
+            <a:r>
+              <a:rPr lang="en-US" sz="1800" dirty="0"/>
+              <a:t>Increased scalability.</a:t>
+            </a:r>
+          </a:p>
+          <a:p>
+            <a:r>
+              <a:rPr lang="en-US" sz="1800" dirty="0"/>
+              <a:t>Only having to install security updates on a weekly basis.</a:t>
+            </a:r>
+          </a:p>
+          <a:p>
+            <a:r>
+              <a:rPr lang="en-US" sz="1800" dirty="0"/>
+              <a:t>Having physical access to hardware.</a:t>
+            </a:r>
+          </a:p>
+          <a:p>
+            <a:r>
+              <a:rPr lang="en-US" sz="1800" dirty="0"/>
+              <a:t>Large upfront capital investment.</a:t>
+            </a:r>
+          </a:p>
+        </p:txBody>
+      </p:sp>
+    </p:spTree>
+    <p:extLst>
+      <p:ext uri="{BB962C8B-B14F-4D97-AF65-F5344CB8AC3E}">
+        <p14:creationId xmlns:p14="http://schemas.microsoft.com/office/powerpoint/2010/main" val="2325255548"/>
+      </p:ext>
+    </p:extLst>
+  </p:cSld>
+  <p:clrMapOvr>
+    <a:masterClrMapping/>
+  </p:clrMapOvr>
+</p:sld>
+</file>
+
 <file path=ppt/slides/slide229.xml><?xml version="1.0" encoding="utf-8"?>
 <p:sld xmlns:a="http://schemas.openxmlformats.org/drawingml/2006/main" xmlns:r="http://schemas.openxmlformats.org/officeDocument/2006/relationships" xmlns:p="http://schemas.openxmlformats.org/presentationml/2006/main">
   <p:cSld>
@@ -27924,18 +27945,11 @@
           <a:p>
             <a:r>
               <a:rPr dirty="0"/>
-              <a:t>107. </a:t>
+              <a:t>108. </a:t>
             </a:r>
             <a:r>
               <a:rPr lang="en-US" dirty="0"/>
               <a:t>Which is a benefit of cloud security over traditional on-premises security?</a:t>
-            </a:r>
-            <a:br>
-              <a:rPr lang="en-US" dirty="0"/>
-            </a:br>
-            <a:r>
-              <a:rPr lang="en-US" dirty="0"/>
-              <a:t>check</a:t>
             </a:r>
             <a:endParaRPr dirty="0"/>
           </a:p>
@@ -27967,8 +27981,8 @@
           <a:lstStyle/>
           <a:p>
             <a:r>
-              <a:rPr lang="en-US" sz="1800" dirty="0"/>
-              <a:t>Increased scalability</a:t>
+              <a:rPr lang="en-US" sz="1800" b="1" dirty="0"/>
+              <a:t>Increased scalability.</a:t>
             </a:r>
           </a:p>
           <a:p>
@@ -27994,7 +28008,7 @@
     </p:spTree>
     <p:extLst>
       <p:ext uri="{BB962C8B-B14F-4D97-AF65-F5344CB8AC3E}">
-        <p14:creationId xmlns:p14="http://schemas.microsoft.com/office/powerpoint/2010/main" val="1046493995"/>
+        <p14:creationId xmlns:p14="http://schemas.microsoft.com/office/powerpoint/2010/main" val="1466625137"/>
       </p:ext>
     </p:extLst>
   </p:cSld>
@@ -28145,18 +28159,11 @@
           <a:p>
             <a:r>
               <a:rPr dirty="0"/>
-              <a:t>107. </a:t>
+              <a:t>109. </a:t>
             </a:r>
             <a:r>
               <a:rPr lang="en-US" dirty="0"/>
-              <a:t>Which is a benefit of cloud security over traditional on-premises security?</a:t>
-            </a:r>
-            <a:br>
-              <a:rPr lang="en-US" dirty="0"/>
-            </a:br>
-            <a:r>
-              <a:rPr lang="en-US" dirty="0"/>
-              <a:t>check</a:t>
+              <a:t>Which is the responsibility of the cloud provider in a cloud security model?</a:t>
             </a:r>
             <a:endParaRPr dirty="0"/>
           </a:p>
@@ -28188,26 +28195,26 @@
           <a:lstStyle/>
           <a:p>
             <a:r>
-              <a:rPr lang="en-US" sz="1800" b="1" dirty="0"/>
-              <a:t>Increased scalability</a:t>
-            </a:r>
-          </a:p>
-          <a:p>
-            <a:r>
               <a:rPr lang="en-US" sz="1800" dirty="0"/>
-              <a:t>Only having to install security updates on a weekly basis.</a:t>
+              <a:t>Configuring the customer's applications.</a:t>
             </a:r>
           </a:p>
           <a:p>
             <a:r>
               <a:rPr lang="en-US" sz="1800" dirty="0"/>
-              <a:t>Having physical access to hardware.</a:t>
+              <a:t>Securing the customer's data.</a:t>
             </a:r>
           </a:p>
           <a:p>
             <a:r>
               <a:rPr lang="en-US" sz="1800" dirty="0"/>
-              <a:t>Large upfront capital investment.</a:t>
+              <a:t>Managing the customer's user access.</a:t>
+            </a:r>
+          </a:p>
+          <a:p>
+            <a:r>
+              <a:rPr lang="en-US" sz="1800" dirty="0"/>
+              <a:t>Maintaining the customer's infrastructure.</a:t>
             </a:r>
           </a:p>
         </p:txBody>
@@ -28215,7 +28222,7 @@
     </p:spTree>
     <p:extLst>
       <p:ext uri="{BB962C8B-B14F-4D97-AF65-F5344CB8AC3E}">
-        <p14:creationId xmlns:p14="http://schemas.microsoft.com/office/powerpoint/2010/main" val="2264348232"/>
+        <p14:creationId xmlns:p14="http://schemas.microsoft.com/office/powerpoint/2010/main" val="3746913932"/>
       </p:ext>
     </p:extLst>
   </p:cSld>
@@ -28273,11 +28280,11 @@
           <a:p>
             <a:r>
               <a:rPr dirty="0"/>
-              <a:t>108. </a:t>
+              <a:t>109. </a:t>
             </a:r>
             <a:r>
               <a:rPr lang="en-US" dirty="0"/>
-              <a:t>Which is a benefit of cloud security over traditional on-premises security?</a:t>
+              <a:t>Which is the responsibility of the cloud provider in a cloud security model?</a:t>
             </a:r>
             <a:endParaRPr dirty="0"/>
           </a:p>
@@ -28310,25 +28317,25 @@
           <a:p>
             <a:r>
               <a:rPr lang="en-US" sz="1800" dirty="0"/>
-              <a:t>Increased scalability.</a:t>
+              <a:t>Configuring the customer's applications.</a:t>
             </a:r>
           </a:p>
           <a:p>
             <a:r>
               <a:rPr lang="en-US" sz="1800" dirty="0"/>
-              <a:t>Only having to install security updates on a weekly basis.</a:t>
+              <a:t>Securing the customer's data.</a:t>
             </a:r>
           </a:p>
           <a:p>
             <a:r>
               <a:rPr lang="en-US" sz="1800" dirty="0"/>
-              <a:t>Having physical access to hardware.</a:t>
-            </a:r>
-          </a:p>
-          <a:p>
-            <a:r>
-              <a:rPr lang="en-US" sz="1800" dirty="0"/>
-              <a:t>Large upfront capital investment.</a:t>
+              <a:t>Managing the customer's user access.</a:t>
+            </a:r>
+          </a:p>
+          <a:p>
+            <a:r>
+              <a:rPr lang="en-US" sz="1800" b="1" dirty="0"/>
+              <a:t>Maintaining the customer's infrastructure.</a:t>
             </a:r>
           </a:p>
         </p:txBody>
@@ -28336,7 +28343,7 @@
     </p:spTree>
     <p:extLst>
       <p:ext uri="{BB962C8B-B14F-4D97-AF65-F5344CB8AC3E}">
-        <p14:creationId xmlns:p14="http://schemas.microsoft.com/office/powerpoint/2010/main" val="2325255548"/>
+        <p14:creationId xmlns:p14="http://schemas.microsoft.com/office/powerpoint/2010/main" val="4226169669"/>
       </p:ext>
     </p:extLst>
   </p:cSld>
@@ -28385,7 +28392,12 @@
             <p:ph type="title"/>
           </p:nvPr>
         </p:nvSpPr>
-        <p:spPr/>
+        <p:spPr>
+          <a:xfrm>
+            <a:off x="607190" y="392853"/>
+            <a:ext cx="8644449" cy="2283691"/>
+          </a:xfrm>
+        </p:spPr>
         <p:txBody>
           <a:bodyPr>
             <a:normAutofit/>
@@ -28394,11 +28406,11 @@
           <a:p>
             <a:r>
               <a:rPr dirty="0"/>
-              <a:t>108. </a:t>
+              <a:t>110. </a:t>
             </a:r>
             <a:r>
               <a:rPr lang="en-US" dirty="0"/>
-              <a:t>Which is a benefit of cloud security over traditional on-premises security?</a:t>
+              <a:t>Which cloud security principle ensures that security practices and measures align with established standards and guidelines?</a:t>
             </a:r>
             <a:endParaRPr dirty="0"/>
           </a:p>
@@ -28430,26 +28442,26 @@
           <a:lstStyle/>
           <a:p>
             <a:r>
-              <a:rPr lang="en-US" sz="1800" b="1" dirty="0"/>
-              <a:t>Increased scalability.</a:t>
-            </a:r>
-          </a:p>
-          <a:p>
-            <a:r>
               <a:rPr lang="en-US" sz="1800" dirty="0"/>
-              <a:t>Only having to install security updates on a weekly basis.</a:t>
+              <a:t>Integrity</a:t>
             </a:r>
           </a:p>
           <a:p>
             <a:r>
               <a:rPr lang="en-US" sz="1800" dirty="0"/>
-              <a:t>Having physical access to hardware.</a:t>
+              <a:t>Confidentiality</a:t>
             </a:r>
           </a:p>
           <a:p>
             <a:r>
               <a:rPr lang="en-US" sz="1800" dirty="0"/>
-              <a:t>Large upfront capital investment.</a:t>
+              <a:t>Control</a:t>
+            </a:r>
+          </a:p>
+          <a:p>
+            <a:r>
+              <a:rPr lang="en-US" sz="1800" dirty="0"/>
+              <a:t>Compliance</a:t>
             </a:r>
           </a:p>
         </p:txBody>
@@ -28457,7 +28469,7 @@
     </p:spTree>
     <p:extLst>
       <p:ext uri="{BB962C8B-B14F-4D97-AF65-F5344CB8AC3E}">
-        <p14:creationId xmlns:p14="http://schemas.microsoft.com/office/powerpoint/2010/main" val="1466625137"/>
+        <p14:creationId xmlns:p14="http://schemas.microsoft.com/office/powerpoint/2010/main" val="3678198970"/>
       </p:ext>
     </p:extLst>
   </p:cSld>
@@ -28506,7 +28518,12 @@
             <p:ph type="title"/>
           </p:nvPr>
         </p:nvSpPr>
-        <p:spPr/>
+        <p:spPr>
+          <a:xfrm>
+            <a:off x="607190" y="392853"/>
+            <a:ext cx="8644449" cy="2283691"/>
+          </a:xfrm>
+        </p:spPr>
         <p:txBody>
           <a:bodyPr>
             <a:normAutofit/>
@@ -28515,11 +28532,11 @@
           <a:p>
             <a:r>
               <a:rPr dirty="0"/>
-              <a:t>109. </a:t>
+              <a:t>110. </a:t>
             </a:r>
             <a:r>
               <a:rPr lang="en-US" dirty="0"/>
-              <a:t>Which is the responsibility of the cloud provider in a cloud security model?</a:t>
+              <a:t>Which cloud security principle ensures that security practices and measures align with established standards and guidelines?</a:t>
             </a:r>
             <a:endParaRPr dirty="0"/>
           </a:p>
@@ -28552,25 +28569,25 @@
           <a:p>
             <a:r>
               <a:rPr lang="en-US" sz="1800" dirty="0"/>
-              <a:t>Configuring the customer's applications.</a:t>
+              <a:t>Integrity</a:t>
             </a:r>
           </a:p>
           <a:p>
             <a:r>
               <a:rPr lang="en-US" sz="1800" dirty="0"/>
-              <a:t>Securing the customer's data.</a:t>
+              <a:t>Confidentiality</a:t>
             </a:r>
           </a:p>
           <a:p>
             <a:r>
               <a:rPr lang="en-US" sz="1800" dirty="0"/>
-              <a:t>Managing the customer's user access.</a:t>
-            </a:r>
-          </a:p>
-          <a:p>
-            <a:r>
-              <a:rPr lang="en-US" sz="1800" dirty="0"/>
-              <a:t>Maintaining the customer's infrastructure.</a:t>
+              <a:t>Control</a:t>
+            </a:r>
+          </a:p>
+          <a:p>
+            <a:r>
+              <a:rPr lang="en-US" sz="1800" b="1" dirty="0"/>
+              <a:t>Compliance</a:t>
             </a:r>
           </a:p>
         </p:txBody>
@@ -28578,7 +28595,7 @@
     </p:spTree>
     <p:extLst>
       <p:ext uri="{BB962C8B-B14F-4D97-AF65-F5344CB8AC3E}">
-        <p14:creationId xmlns:p14="http://schemas.microsoft.com/office/powerpoint/2010/main" val="3746913932"/>
+        <p14:creationId xmlns:p14="http://schemas.microsoft.com/office/powerpoint/2010/main" val="3267363737"/>
       </p:ext>
     </p:extLst>
   </p:cSld>
@@ -28636,11 +28653,11 @@
           <a:p>
             <a:r>
               <a:rPr dirty="0"/>
-              <a:t>109. </a:t>
+              <a:t>111.  </a:t>
             </a:r>
             <a:r>
               <a:rPr lang="en-US" dirty="0"/>
-              <a:t>Which is the responsibility of the cloud provider in a cloud security model?</a:t>
+              <a:t>Which security principle advocates granting users only the access they need to perform their job responsibilities?</a:t>
             </a:r>
             <a:endParaRPr dirty="0"/>
           </a:p>
@@ -28673,25 +28690,25 @@
           <a:p>
             <a:r>
               <a:rPr lang="en-US" sz="1800" dirty="0"/>
-              <a:t>Configuring the customer's applications.</a:t>
+              <a:t>Least privilege</a:t>
             </a:r>
           </a:p>
           <a:p>
             <a:r>
               <a:rPr lang="en-US" sz="1800" dirty="0"/>
-              <a:t>Securing the customer's data.</a:t>
+              <a:t>Zero-trust architecture</a:t>
             </a:r>
           </a:p>
           <a:p>
             <a:r>
               <a:rPr lang="en-US" sz="1800" dirty="0"/>
-              <a:t>Managing the customer's user access.</a:t>
-            </a:r>
-          </a:p>
-          <a:p>
-            <a:r>
-              <a:rPr lang="en-US" sz="1800" b="1" dirty="0"/>
-              <a:t>Maintaining the customer's infrastructure.</a:t>
+              <a:t>Privileged access</a:t>
+            </a:r>
+          </a:p>
+          <a:p>
+            <a:r>
+              <a:rPr lang="en-US" sz="1800" dirty="0"/>
+              <a:t>Security by default</a:t>
             </a:r>
           </a:p>
         </p:txBody>
@@ -28699,7 +28716,7 @@
     </p:spTree>
     <p:extLst>
       <p:ext uri="{BB962C8B-B14F-4D97-AF65-F5344CB8AC3E}">
-        <p14:creationId xmlns:p14="http://schemas.microsoft.com/office/powerpoint/2010/main" val="4226169669"/>
+        <p14:creationId xmlns:p14="http://schemas.microsoft.com/office/powerpoint/2010/main" val="1798306509"/>
       </p:ext>
     </p:extLst>
   </p:cSld>
@@ -28748,12 +28765,7 @@
             <p:ph type="title"/>
           </p:nvPr>
         </p:nvSpPr>
-        <p:spPr>
-          <a:xfrm>
-            <a:off x="607190" y="392853"/>
-            <a:ext cx="8644449" cy="2283691"/>
-          </a:xfrm>
-        </p:spPr>
+        <p:spPr/>
         <p:txBody>
           <a:bodyPr>
             <a:normAutofit/>
@@ -28762,11 +28774,11 @@
           <a:p>
             <a:r>
               <a:rPr dirty="0"/>
-              <a:t>110. </a:t>
+              <a:t>111.  </a:t>
             </a:r>
             <a:r>
               <a:rPr lang="en-US" dirty="0"/>
-              <a:t>Which cloud security principle ensures that security practices and measures align with established standards and guidelines?</a:t>
+              <a:t>Which security principle advocates granting users only the access they need to perform their job responsibilities?</a:t>
             </a:r>
             <a:endParaRPr dirty="0"/>
           </a:p>
@@ -28798,26 +28810,26 @@
           <a:lstStyle/>
           <a:p>
             <a:r>
+              <a:rPr lang="en-US" sz="1800" b="1" dirty="0"/>
+              <a:t>Least privilege</a:t>
+            </a:r>
+          </a:p>
+          <a:p>
+            <a:r>
               <a:rPr lang="en-US" sz="1800" dirty="0"/>
-              <a:t>Integrity</a:t>
+              <a:t>Zero-trust architecture</a:t>
             </a:r>
           </a:p>
           <a:p>
             <a:r>
               <a:rPr lang="en-US" sz="1800" dirty="0"/>
-              <a:t>Confidentiality</a:t>
+              <a:t>Privileged access</a:t>
             </a:r>
           </a:p>
           <a:p>
             <a:r>
               <a:rPr lang="en-US" sz="1800" dirty="0"/>
-              <a:t>Control</a:t>
-            </a:r>
-          </a:p>
-          <a:p>
-            <a:r>
-              <a:rPr lang="en-US" sz="1800" dirty="0"/>
-              <a:t>Compliance</a:t>
+              <a:t>Security by default</a:t>
             </a:r>
           </a:p>
         </p:txBody>
@@ -28825,7 +28837,7 @@
     </p:spTree>
     <p:extLst>
       <p:ext uri="{BB962C8B-B14F-4D97-AF65-F5344CB8AC3E}">
-        <p14:creationId xmlns:p14="http://schemas.microsoft.com/office/powerpoint/2010/main" val="3678198970"/>
+        <p14:creationId xmlns:p14="http://schemas.microsoft.com/office/powerpoint/2010/main" val="1405176574"/>
       </p:ext>
     </p:extLst>
   </p:cSld>
@@ -28874,12 +28886,7 @@
             <p:ph type="title"/>
           </p:nvPr>
         </p:nvSpPr>
-        <p:spPr>
-          <a:xfrm>
-            <a:off x="607190" y="392853"/>
-            <a:ext cx="8644449" cy="2283691"/>
-          </a:xfrm>
-        </p:spPr>
+        <p:spPr/>
         <p:txBody>
           <a:bodyPr>
             <a:normAutofit/>
@@ -28888,11 +28895,11 @@
           <a:p>
             <a:r>
               <a:rPr dirty="0"/>
-              <a:t>110. </a:t>
+              <a:t>112. </a:t>
             </a:r>
             <a:r>
               <a:rPr lang="en-US" dirty="0"/>
-              <a:t>Which cloud security principle ensures that security practices and measures align with established standards and guidelines?</a:t>
+              <a:t>Which cybersecurity threat occurs when errors arise during the setup of resources, inadvertently exposing sensitive data and systems to unauthorized access?</a:t>
             </a:r>
             <a:endParaRPr dirty="0"/>
           </a:p>
@@ -28925,25 +28932,25 @@
           <a:p>
             <a:r>
               <a:rPr lang="en-US" sz="1800" dirty="0"/>
-              <a:t>Integrity</a:t>
+              <a:t>Configuration mishaps</a:t>
             </a:r>
           </a:p>
           <a:p>
             <a:r>
               <a:rPr lang="en-US" sz="1800" dirty="0"/>
-              <a:t>Confidentiality</a:t>
+              <a:t>Phishing</a:t>
             </a:r>
           </a:p>
           <a:p>
             <a:r>
               <a:rPr lang="en-US" sz="1800" dirty="0"/>
-              <a:t>Control</a:t>
-            </a:r>
-          </a:p>
-          <a:p>
-            <a:r>
-              <a:rPr lang="en-US" sz="1800" b="1" dirty="0"/>
-              <a:t>Compliance</a:t>
+              <a:t>Virus</a:t>
+            </a:r>
+          </a:p>
+          <a:p>
+            <a:r>
+              <a:rPr lang="en-US" sz="1800" dirty="0"/>
+              <a:t>Malware</a:t>
             </a:r>
           </a:p>
         </p:txBody>
@@ -28951,7 +28958,7 @@
     </p:spTree>
     <p:extLst>
       <p:ext uri="{BB962C8B-B14F-4D97-AF65-F5344CB8AC3E}">
-        <p14:creationId xmlns:p14="http://schemas.microsoft.com/office/powerpoint/2010/main" val="3267363737"/>
+        <p14:creationId xmlns:p14="http://schemas.microsoft.com/office/powerpoint/2010/main" val="1092878550"/>
       </p:ext>
     </p:extLst>
   </p:cSld>
@@ -29009,11 +29016,11 @@
           <a:p>
             <a:r>
               <a:rPr dirty="0"/>
-              <a:t>111.  </a:t>
+              <a:t>112. </a:t>
             </a:r>
             <a:r>
               <a:rPr lang="en-US" dirty="0"/>
-              <a:t>Which security principle advocates granting users only the access they need to perform their job responsibilities?</a:t>
+              <a:t>Which cybersecurity threat occurs when errors arise during the setup of resources, inadvertently exposing sensitive data and systems to unauthorized access?</a:t>
             </a:r>
             <a:endParaRPr dirty="0"/>
           </a:p>
@@ -29045,26 +29052,26 @@
           <a:lstStyle/>
           <a:p>
             <a:r>
+              <a:rPr lang="en-US" sz="1800" b="1" dirty="0"/>
+              <a:t>Configuration mishaps</a:t>
+            </a:r>
+          </a:p>
+          <a:p>
+            <a:r>
               <a:rPr lang="en-US" sz="1800" dirty="0"/>
-              <a:t>Least privilege</a:t>
+              <a:t>Phishing</a:t>
             </a:r>
           </a:p>
           <a:p>
             <a:r>
               <a:rPr lang="en-US" sz="1800" dirty="0"/>
-              <a:t>Zero-trust architecture</a:t>
+              <a:t>Virus</a:t>
             </a:r>
           </a:p>
           <a:p>
             <a:r>
               <a:rPr lang="en-US" sz="1800" dirty="0"/>
-              <a:t>Privileged access</a:t>
-            </a:r>
-          </a:p>
-          <a:p>
-            <a:r>
-              <a:rPr lang="en-US" sz="1800" dirty="0"/>
-              <a:t>Security by default</a:t>
+              <a:t>Malware</a:t>
             </a:r>
           </a:p>
         </p:txBody>
@@ -29072,7 +29079,7 @@
     </p:spTree>
     <p:extLst>
       <p:ext uri="{BB962C8B-B14F-4D97-AF65-F5344CB8AC3E}">
-        <p14:creationId xmlns:p14="http://schemas.microsoft.com/office/powerpoint/2010/main" val="1798306509"/>
+        <p14:creationId xmlns:p14="http://schemas.microsoft.com/office/powerpoint/2010/main" val="3525337381"/>
       </p:ext>
     </p:extLst>
   </p:cSld>
@@ -29130,11 +29137,11 @@
           <a:p>
             <a:r>
               <a:rPr dirty="0"/>
-              <a:t>111.  </a:t>
+              <a:t>113. </a:t>
             </a:r>
             <a:r>
               <a:rPr lang="en-US" dirty="0"/>
-              <a:t>Which security principle advocates granting users only the access they need to perform their job responsibilities?</a:t>
+              <a:t>What common cybersecurity threat involves tricking users into revealing sensitive information or performing actions that compromise security?</a:t>
             </a:r>
             <a:endParaRPr dirty="0"/>
           </a:p>
@@ -29166,26 +29173,26 @@
           <a:lstStyle/>
           <a:p>
             <a:r>
-              <a:rPr lang="en-US" sz="1800" b="1" dirty="0"/>
-              <a:t>Least privilege</a:t>
-            </a:r>
-          </a:p>
-          <a:p>
-            <a:r>
               <a:rPr lang="en-US" sz="1800" dirty="0"/>
-              <a:t>Zero-trust architecture</a:t>
+              <a:t>Ransomware</a:t>
             </a:r>
           </a:p>
           <a:p>
             <a:r>
               <a:rPr lang="en-US" sz="1800" dirty="0"/>
-              <a:t>Privileged access</a:t>
+              <a:t>Malware</a:t>
             </a:r>
           </a:p>
           <a:p>
             <a:r>
               <a:rPr lang="en-US" sz="1800" dirty="0"/>
-              <a:t>Security by default</a:t>
+              <a:t>Phishing</a:t>
+            </a:r>
+          </a:p>
+          <a:p>
+            <a:r>
+              <a:rPr lang="en-US" sz="1800" dirty="0"/>
+              <a:t>Configuration mishap</a:t>
             </a:r>
           </a:p>
         </p:txBody>
@@ -29193,7 +29200,7 @@
     </p:spTree>
     <p:extLst>
       <p:ext uri="{BB962C8B-B14F-4D97-AF65-F5344CB8AC3E}">
-        <p14:creationId xmlns:p14="http://schemas.microsoft.com/office/powerpoint/2010/main" val="1405176574"/>
+        <p14:creationId xmlns:p14="http://schemas.microsoft.com/office/powerpoint/2010/main" val="2019060709"/>
       </p:ext>
     </p:extLst>
   </p:cSld>
@@ -29251,11 +29258,11 @@
           <a:p>
             <a:r>
               <a:rPr dirty="0"/>
-              <a:t>112. </a:t>
+              <a:t>113. </a:t>
             </a:r>
             <a:r>
               <a:rPr lang="en-US" dirty="0"/>
-              <a:t>Which cybersecurity threat occurs when errors arise during the setup of resources, inadvertently exposing sensitive data and systems to unauthorized access?</a:t>
+              <a:t>What common cybersecurity threat involves tricking users into revealing sensitive information or performing actions that compromise security?</a:t>
             </a:r>
             <a:endParaRPr dirty="0"/>
           </a:p>
@@ -29288,25 +29295,25 @@
           <a:p>
             <a:r>
               <a:rPr lang="en-US" sz="1800" dirty="0"/>
-              <a:t>Configuration mishaps</a:t>
-            </a:r>
-          </a:p>
-          <a:p>
-            <a:r>
-              <a:rPr lang="en-US" sz="1800" dirty="0"/>
-              <a:t>Phishing</a:t>
-            </a:r>
-          </a:p>
-          <a:p>
-            <a:r>
-              <a:rPr lang="en-US" sz="1800" dirty="0"/>
-              <a:t>Virus</a:t>
+              <a:t>Ransomware</a:t>
             </a:r>
           </a:p>
           <a:p>
             <a:r>
               <a:rPr lang="en-US" sz="1800" dirty="0"/>
               <a:t>Malware</a:t>
+            </a:r>
+          </a:p>
+          <a:p>
+            <a:r>
+              <a:rPr lang="en-US" sz="1800" b="1" dirty="0"/>
+              <a:t>Phishing</a:t>
+            </a:r>
+          </a:p>
+          <a:p>
+            <a:r>
+              <a:rPr lang="en-US" sz="1800" dirty="0"/>
+              <a:t>Configuration mishap</a:t>
             </a:r>
           </a:p>
         </p:txBody>
@@ -29314,7 +29321,7 @@
     </p:spTree>
     <p:extLst>
       <p:ext uri="{BB962C8B-B14F-4D97-AF65-F5344CB8AC3E}">
-        <p14:creationId xmlns:p14="http://schemas.microsoft.com/office/powerpoint/2010/main" val="1092878550"/>
+        <p14:creationId xmlns:p14="http://schemas.microsoft.com/office/powerpoint/2010/main" val="1093962818"/>
       </p:ext>
     </p:extLst>
   </p:cSld>
@@ -29465,11 +29472,11 @@
           <a:p>
             <a:r>
               <a:rPr dirty="0"/>
-              <a:t>112. </a:t>
+              <a:t>114. </a:t>
             </a:r>
             <a:r>
               <a:rPr lang="en-US" dirty="0"/>
-              <a:t>Which cybersecurity threat occurs when errors arise during the setup of resources, inadvertently exposing sensitive data and systems to unauthorized access?</a:t>
+              <a:t>Which cloud security principle relates to keeping data accurate and trustworthy?</a:t>
             </a:r>
             <a:endParaRPr dirty="0"/>
           </a:p>
@@ -29501,26 +29508,26 @@
           <a:lstStyle/>
           <a:p>
             <a:r>
-              <a:rPr lang="en-US" sz="1800" b="1" dirty="0"/>
-              <a:t>Configuration mishaps</a:t>
-            </a:r>
-          </a:p>
-          <a:p>
-            <a:r>
               <a:rPr lang="en-US" sz="1800" dirty="0"/>
-              <a:t>Phishing</a:t>
+              <a:t>Confidentiality</a:t>
             </a:r>
           </a:p>
           <a:p>
             <a:r>
               <a:rPr lang="en-US" sz="1800" dirty="0"/>
-              <a:t>Virus</a:t>
+              <a:t>Compliance</a:t>
             </a:r>
           </a:p>
           <a:p>
             <a:r>
               <a:rPr lang="en-US" sz="1800" dirty="0"/>
-              <a:t>Malware</a:t>
+              <a:t>Integrity</a:t>
+            </a:r>
+          </a:p>
+          <a:p>
+            <a:r>
+              <a:rPr lang="en-US" sz="1800" dirty="0"/>
+              <a:t>Control</a:t>
             </a:r>
           </a:p>
         </p:txBody>
@@ -29528,7 +29535,7 @@
     </p:spTree>
     <p:extLst>
       <p:ext uri="{BB962C8B-B14F-4D97-AF65-F5344CB8AC3E}">
-        <p14:creationId xmlns:p14="http://schemas.microsoft.com/office/powerpoint/2010/main" val="3525337381"/>
+        <p14:creationId xmlns:p14="http://schemas.microsoft.com/office/powerpoint/2010/main" val="1044232237"/>
       </p:ext>
     </p:extLst>
   </p:cSld>
@@ -29586,11 +29593,11 @@
           <a:p>
             <a:r>
               <a:rPr dirty="0"/>
-              <a:t>113. </a:t>
+              <a:t>114. </a:t>
             </a:r>
             <a:r>
               <a:rPr lang="en-US" dirty="0"/>
-              <a:t>What common cybersecurity threat involves tricking users into revealing sensitive information or performing actions that compromise security?</a:t>
+              <a:t>Which cloud security principle relates to keeping data accurate and trustworthy?</a:t>
             </a:r>
             <a:endParaRPr dirty="0"/>
           </a:p>
@@ -29623,25 +29630,25 @@
           <a:p>
             <a:r>
               <a:rPr lang="en-US" sz="1800" dirty="0"/>
-              <a:t>Ransomware</a:t>
+              <a:t>Confidentiality</a:t>
             </a:r>
           </a:p>
           <a:p>
             <a:r>
               <a:rPr lang="en-US" sz="1800" dirty="0"/>
-              <a:t>Malware</a:t>
+              <a:t>Compliance</a:t>
+            </a:r>
+          </a:p>
+          <a:p>
+            <a:r>
+              <a:rPr lang="en-US" sz="1800" b="1" dirty="0"/>
+              <a:t>Integrity</a:t>
             </a:r>
           </a:p>
           <a:p>
             <a:r>
               <a:rPr lang="en-US" sz="1800" dirty="0"/>
-              <a:t>Phishing</a:t>
-            </a:r>
-          </a:p>
-          <a:p>
-            <a:r>
-              <a:rPr lang="en-US" sz="1800" dirty="0"/>
-              <a:t>Configuration mishap</a:t>
+              <a:t>Control</a:t>
             </a:r>
           </a:p>
         </p:txBody>
@@ -29649,7 +29656,7 @@
     </p:spTree>
     <p:extLst>
       <p:ext uri="{BB962C8B-B14F-4D97-AF65-F5344CB8AC3E}">
-        <p14:creationId xmlns:p14="http://schemas.microsoft.com/office/powerpoint/2010/main" val="2019060709"/>
+        <p14:creationId xmlns:p14="http://schemas.microsoft.com/office/powerpoint/2010/main" val="3013180018"/>
       </p:ext>
     </p:extLst>
   </p:cSld>
@@ -29707,11 +29714,11 @@
           <a:p>
             <a:r>
               <a:rPr dirty="0"/>
-              <a:t>113. </a:t>
+              <a:t>115. </a:t>
             </a:r>
             <a:r>
               <a:rPr lang="en-US" dirty="0"/>
-              <a:t>What common cybersecurity threat involves tricking users into revealing sensitive information or performing actions that compromise security?</a:t>
+              <a:t>Which three essential aspects of cloud security form the foundation of the CIA triad?</a:t>
             </a:r>
             <a:endParaRPr dirty="0"/>
           </a:p>
@@ -29744,25 +29751,25 @@
           <a:p>
             <a:r>
               <a:rPr lang="en-US" sz="1800" dirty="0"/>
-              <a:t>Ransomware</a:t>
+              <a:t>Certificates, intelligence, and authentication</a:t>
             </a:r>
           </a:p>
           <a:p>
             <a:r>
               <a:rPr lang="en-US" sz="1800" dirty="0"/>
-              <a:t>Malware</a:t>
-            </a:r>
-          </a:p>
-          <a:p>
-            <a:r>
-              <a:rPr lang="en-US" sz="1800" b="1" dirty="0"/>
-              <a:t>Phishing</a:t>
+              <a:t>Compliance, identity, and access management</a:t>
             </a:r>
           </a:p>
           <a:p>
             <a:r>
               <a:rPr lang="en-US" sz="1800" dirty="0"/>
-              <a:t>Configuration mishap</a:t>
+              <a:t>Containers, infrastructure, and architecture</a:t>
+            </a:r>
+          </a:p>
+          <a:p>
+            <a:r>
+              <a:rPr lang="en-US" sz="1800" dirty="0"/>
+              <a:t>Confidentiality, integrity, and availability</a:t>
             </a:r>
           </a:p>
         </p:txBody>
@@ -29770,7 +29777,7 @@
     </p:spTree>
     <p:extLst>
       <p:ext uri="{BB962C8B-B14F-4D97-AF65-F5344CB8AC3E}">
-        <p14:creationId xmlns:p14="http://schemas.microsoft.com/office/powerpoint/2010/main" val="1093962818"/>
+        <p14:creationId xmlns:p14="http://schemas.microsoft.com/office/powerpoint/2010/main" val="353958691"/>
       </p:ext>
     </p:extLst>
   </p:cSld>
@@ -29828,11 +29835,11 @@
           <a:p>
             <a:r>
               <a:rPr dirty="0"/>
-              <a:t>114. </a:t>
+              <a:t>115. </a:t>
             </a:r>
             <a:r>
               <a:rPr lang="en-US" dirty="0"/>
-              <a:t>Which cloud security principle relates to keeping data accurate and trustworthy?</a:t>
+              <a:t>Which three essential aspects of cloud security form the foundation of the CIA triad?</a:t>
             </a:r>
             <a:endParaRPr dirty="0"/>
           </a:p>
@@ -29865,25 +29872,25 @@
           <a:p>
             <a:r>
               <a:rPr lang="en-US" sz="1800" dirty="0"/>
-              <a:t>Confidentiality</a:t>
+              <a:t>Certificates, intelligence, and authentication</a:t>
             </a:r>
           </a:p>
           <a:p>
             <a:r>
               <a:rPr lang="en-US" sz="1800" dirty="0"/>
-              <a:t>Compliance</a:t>
+              <a:t>Compliance, identity, and access management</a:t>
             </a:r>
           </a:p>
           <a:p>
             <a:r>
               <a:rPr lang="en-US" sz="1800" dirty="0"/>
-              <a:t>Integrity</a:t>
-            </a:r>
-          </a:p>
-          <a:p>
-            <a:r>
-              <a:rPr lang="en-US" sz="1800" dirty="0"/>
-              <a:t>Control</a:t>
+              <a:t>Containers, infrastructure, and architecture</a:t>
+            </a:r>
+          </a:p>
+          <a:p>
+            <a:r>
+              <a:rPr lang="en-US" sz="1800" b="1" dirty="0"/>
+              <a:t>Confidentiality, integrity, and availability</a:t>
             </a:r>
           </a:p>
         </p:txBody>
@@ -29891,7 +29898,7 @@
     </p:spTree>
     <p:extLst>
       <p:ext uri="{BB962C8B-B14F-4D97-AF65-F5344CB8AC3E}">
-        <p14:creationId xmlns:p14="http://schemas.microsoft.com/office/powerpoint/2010/main" val="1044232237"/>
+        <p14:creationId xmlns:p14="http://schemas.microsoft.com/office/powerpoint/2010/main" val="241456426"/>
       </p:ext>
     </p:extLst>
   </p:cSld>
@@ -29949,11 +29956,14 @@
           <a:p>
             <a:r>
               <a:rPr dirty="0"/>
-              <a:t>114. </a:t>
-            </a:r>
-            <a:r>
+              <a:t>116. </a:t>
+            </a:r>
+            <a:br>
               <a:rPr lang="en-US" dirty="0"/>
-              <a:t>Which cloud security principle relates to keeping data accurate and trustworthy?</a:t>
+            </a:br>
+            <a:r>
+              <a:rPr lang="en-US" dirty="0"/>
+              <a:t>Which definition best describes a firewall?</a:t>
             </a:r>
             <a:endParaRPr dirty="0"/>
           </a:p>
@@ -29986,25 +29996,25 @@
           <a:p>
             <a:r>
               <a:rPr lang="en-US" sz="1800" dirty="0"/>
-              <a:t>Confidentiality</a:t>
+              <a:t>A software program that encrypts data to make it unreadable to unauthorized users</a:t>
             </a:r>
           </a:p>
           <a:p>
             <a:r>
               <a:rPr lang="en-US" sz="1800" dirty="0"/>
-              <a:t>Compliance</a:t>
-            </a:r>
-          </a:p>
-          <a:p>
-            <a:r>
-              <a:rPr lang="en-US" sz="1800" b="1" dirty="0"/>
-              <a:t>Integrity</a:t>
+              <a:t>A security model that assumes no user or device can be trusted by default</a:t>
             </a:r>
           </a:p>
           <a:p>
             <a:r>
               <a:rPr lang="en-US" sz="1800" dirty="0"/>
-              <a:t>Control</a:t>
+              <a:t>A network security device that monitors and controls incoming and outgoing network traffic based on predefined security rules</a:t>
+            </a:r>
+          </a:p>
+          <a:p>
+            <a:r>
+              <a:rPr lang="en-US" sz="1800" dirty="0"/>
+              <a:t>A set of security measures designed to protect a computer system or network from cyber attacks</a:t>
             </a:r>
           </a:p>
         </p:txBody>
@@ -30012,7 +30022,7 @@
     </p:spTree>
     <p:extLst>
       <p:ext uri="{BB962C8B-B14F-4D97-AF65-F5344CB8AC3E}">
-        <p14:creationId xmlns:p14="http://schemas.microsoft.com/office/powerpoint/2010/main" val="3013180018"/>
+        <p14:creationId xmlns:p14="http://schemas.microsoft.com/office/powerpoint/2010/main" val="2538556694"/>
       </p:ext>
     </p:extLst>
   </p:cSld>
@@ -30070,11 +30080,14 @@
           <a:p>
             <a:r>
               <a:rPr dirty="0"/>
-              <a:t>115. </a:t>
-            </a:r>
-            <a:r>
+              <a:t>116. </a:t>
+            </a:r>
+            <a:br>
               <a:rPr lang="en-US" dirty="0"/>
-              <a:t>Which three essential aspects of cloud security form the foundation of the CIA triad?</a:t>
+            </a:br>
+            <a:r>
+              <a:rPr lang="en-US" dirty="0"/>
+              <a:t>Which definition best describes a firewall?</a:t>
             </a:r>
             <a:endParaRPr dirty="0"/>
           </a:p>
@@ -30107,25 +30120,25 @@
           <a:p>
             <a:r>
               <a:rPr lang="en-US" sz="1800" dirty="0"/>
-              <a:t>Certificates, intelligence, and authentication</a:t>
+              <a:t>A software program that encrypts data to make it unreadable to unauthorized users</a:t>
             </a:r>
           </a:p>
           <a:p>
             <a:r>
               <a:rPr lang="en-US" sz="1800" dirty="0"/>
-              <a:t>Compliance, identity, and access management</a:t>
+              <a:t>A security model that assumes no user or device can be trusted by default</a:t>
+            </a:r>
+          </a:p>
+          <a:p>
+            <a:r>
+              <a:rPr lang="en-US" sz="1800" b="1" dirty="0"/>
+              <a:t>A network security device that monitors and controls incoming and outgoing network traffic based on predefined security rules</a:t>
             </a:r>
           </a:p>
           <a:p>
             <a:r>
               <a:rPr lang="en-US" sz="1800" dirty="0"/>
-              <a:t>Containers, infrastructure, and architecture</a:t>
-            </a:r>
-          </a:p>
-          <a:p>
-            <a:r>
-              <a:rPr lang="en-US" sz="1800" dirty="0"/>
-              <a:t>Confidentiality, integrity, and availability</a:t>
+              <a:t>A set of security measures designed to protect a computer system or network from cyber attacks</a:t>
             </a:r>
           </a:p>
         </p:txBody>
@@ -30133,7 +30146,7 @@
     </p:spTree>
     <p:extLst>
       <p:ext uri="{BB962C8B-B14F-4D97-AF65-F5344CB8AC3E}">
-        <p14:creationId xmlns:p14="http://schemas.microsoft.com/office/powerpoint/2010/main" val="353958691"/>
+        <p14:creationId xmlns:p14="http://schemas.microsoft.com/office/powerpoint/2010/main" val="2789174464"/>
       </p:ext>
     </p:extLst>
   </p:cSld>
@@ -30191,11 +30204,11 @@
           <a:p>
             <a:r>
               <a:rPr dirty="0"/>
-              <a:t>115. </a:t>
+              <a:t>117. </a:t>
             </a:r>
             <a:r>
               <a:rPr lang="en-US" dirty="0"/>
-              <a:t>Which three essential aspects of cloud security form the foundation of the CIA triad?</a:t>
+              <a:t>What is Google Cloud’s modern and serverless data warehousing solution?</a:t>
             </a:r>
             <a:endParaRPr dirty="0"/>
           </a:p>
@@ -30226,35 +30239,40 @@
           </a:bodyPr>
           <a:lstStyle/>
           <a:p>
+            <a:endParaRPr lang="en-US" sz="1800" dirty="0"/>
+          </a:p>
+          <a:p>
             <a:r>
               <a:rPr lang="en-US" sz="1800" dirty="0"/>
-              <a:t>Certificates, intelligence, and authentication</a:t>
+              <a:t>Cloud Storage</a:t>
             </a:r>
           </a:p>
           <a:p>
             <a:r>
               <a:rPr lang="en-US" sz="1800" dirty="0"/>
-              <a:t>Compliance, identity, and access management</a:t>
-            </a:r>
+              <a:t>Compute Engine</a:t>
+            </a:r>
+          </a:p>
+          <a:p>
+            <a:r>
+              <a:rPr lang="en-US" sz="1800" dirty="0" err="1"/>
+              <a:t>BigQuery</a:t>
+            </a:r>
+            <a:endParaRPr lang="en-US" sz="1800" dirty="0"/>
           </a:p>
           <a:p>
             <a:r>
               <a:rPr lang="en-US" sz="1800" dirty="0"/>
-              <a:t>Containers, infrastructure, and architecture</a:t>
-            </a:r>
-          </a:p>
-          <a:p>
-            <a:r>
-              <a:rPr lang="en-US" sz="1800" b="1" dirty="0"/>
-              <a:t>Confidentiality, integrity, and availability</a:t>
-            </a:r>
+              <a:t>Vertex AI</a:t>
+            </a:r>
+            <a:endParaRPr sz="1800" dirty="0"/>
           </a:p>
         </p:txBody>
       </p:sp>
     </p:spTree>
     <p:extLst>
       <p:ext uri="{BB962C8B-B14F-4D97-AF65-F5344CB8AC3E}">
-        <p14:creationId xmlns:p14="http://schemas.microsoft.com/office/powerpoint/2010/main" val="241456426"/>
+        <p14:creationId xmlns:p14="http://schemas.microsoft.com/office/powerpoint/2010/main" val="77948480"/>
       </p:ext>
     </p:extLst>
   </p:cSld>
@@ -30311,15 +30329,11 @@
           <a:lstStyle/>
           <a:p>
             <a:r>
-              <a:rPr dirty="0"/>
-              <a:t>116. </a:t>
-            </a:r>
-            <a:br>
+              <a:t>117. </a:t>
+            </a:r>
+            <a:r>
               <a:rPr lang="en-US" dirty="0"/>
-            </a:br>
-            <a:r>
-              <a:rPr lang="en-US" dirty="0"/>
-              <a:t>Which definition best describes a firewall?</a:t>
+              <a:t>What is Google Cloud’s modern and serverless data warehousing solution?</a:t>
             </a:r>
             <a:endParaRPr dirty="0"/>
           </a:p>
@@ -30350,35 +30364,40 @@
           </a:bodyPr>
           <a:lstStyle/>
           <a:p>
+            <a:endParaRPr lang="en-US" sz="1800" dirty="0"/>
+          </a:p>
+          <a:p>
             <a:r>
               <a:rPr lang="en-US" sz="1800" dirty="0"/>
-              <a:t>A software program that encrypts data to make it unreadable to unauthorized users</a:t>
+              <a:t>Cloud Storage</a:t>
             </a:r>
           </a:p>
           <a:p>
             <a:r>
               <a:rPr lang="en-US" sz="1800" dirty="0"/>
-              <a:t>A security model that assumes no user or device can be trusted by default</a:t>
-            </a:r>
+              <a:t>Compute Engine</a:t>
+            </a:r>
+          </a:p>
+          <a:p>
+            <a:r>
+              <a:rPr lang="en-US" sz="1800" b="1" dirty="0" err="1"/>
+              <a:t>BigQuery</a:t>
+            </a:r>
+            <a:endParaRPr lang="en-US" sz="1800" b="1" dirty="0"/>
           </a:p>
           <a:p>
             <a:r>
               <a:rPr lang="en-US" sz="1800" dirty="0"/>
-              <a:t>A network security device that monitors and controls incoming and outgoing network traffic based on predefined security rules</a:t>
-            </a:r>
-          </a:p>
-          <a:p>
-            <a:r>
-              <a:rPr lang="en-US" sz="1800" dirty="0"/>
-              <a:t>A set of security measures designed to protect a computer system or network from cyber attacks</a:t>
-            </a:r>
+              <a:t>Vertex AI</a:t>
+            </a:r>
+            <a:endParaRPr sz="1800" dirty="0"/>
           </a:p>
         </p:txBody>
       </p:sp>
     </p:spTree>
     <p:extLst>
       <p:ext uri="{BB962C8B-B14F-4D97-AF65-F5344CB8AC3E}">
-        <p14:creationId xmlns:p14="http://schemas.microsoft.com/office/powerpoint/2010/main" val="2538556694"/>
+        <p14:creationId xmlns:p14="http://schemas.microsoft.com/office/powerpoint/2010/main" val="1957674090"/>
       </p:ext>
     </p:extLst>
   </p:cSld>
@@ -30436,14 +30455,11 @@
           <a:p>
             <a:r>
               <a:rPr dirty="0"/>
-              <a:t>116. </a:t>
-            </a:r>
-            <a:br>
+              <a:t>118. </a:t>
+            </a:r>
+            <a:r>
               <a:rPr lang="en-US" dirty="0"/>
-            </a:br>
-            <a:r>
-              <a:rPr lang="en-US" dirty="0"/>
-              <a:t>Which definition best describes a firewall?</a:t>
+              <a:t>What is Google Cloud’s distributed messaging service that can receive messages from various device streams such as gaming events, Internet of Things (IoT) devices, and application streams?</a:t>
             </a:r>
             <a:endParaRPr dirty="0"/>
           </a:p>
@@ -30474,35 +30490,40 @@
           </a:bodyPr>
           <a:lstStyle/>
           <a:p>
+            <a:endParaRPr lang="en-US" sz="1800" dirty="0"/>
+          </a:p>
+          <a:p>
             <a:r>
               <a:rPr lang="en-US" sz="1800" dirty="0"/>
-              <a:t>A software program that encrypts data to make it unreadable to unauthorized users</a:t>
+              <a:t>Looker</a:t>
             </a:r>
           </a:p>
           <a:p>
             <a:r>
               <a:rPr lang="en-US" sz="1800" dirty="0"/>
-              <a:t>A security model that assumes no user or device can be trusted by default</a:t>
-            </a:r>
-          </a:p>
-          <a:p>
-            <a:r>
-              <a:rPr lang="en-US" sz="1800" b="1" dirty="0"/>
-              <a:t>A network security device that monitors and controls incoming and outgoing network traffic based on predefined security rules</a:t>
-            </a:r>
-          </a:p>
-          <a:p>
-            <a:r>
-              <a:rPr lang="en-US" sz="1800" dirty="0"/>
-              <a:t>A set of security measures designed to protect a computer system or network from cyber attacks</a:t>
-            </a:r>
+              <a:t>Pub/Sub</a:t>
+            </a:r>
+          </a:p>
+          <a:p>
+            <a:r>
+              <a:rPr lang="en-US" sz="1800" dirty="0" err="1"/>
+              <a:t>Dataproc</a:t>
+            </a:r>
+            <a:endParaRPr lang="en-US" sz="1800" dirty="0"/>
+          </a:p>
+          <a:p>
+            <a:r>
+              <a:rPr lang="en-US" sz="1800" dirty="0" err="1"/>
+              <a:t>Dataplex</a:t>
+            </a:r>
+            <a:endParaRPr sz="1800" dirty="0"/>
           </a:p>
         </p:txBody>
       </p:sp>
     </p:spTree>
     <p:extLst>
       <p:ext uri="{BB962C8B-B14F-4D97-AF65-F5344CB8AC3E}">
-        <p14:creationId xmlns:p14="http://schemas.microsoft.com/office/powerpoint/2010/main" val="2789174464"/>
+        <p14:creationId xmlns:p14="http://schemas.microsoft.com/office/powerpoint/2010/main" val="550568320"/>
       </p:ext>
     </p:extLst>
   </p:cSld>
@@ -30517,7 +30538,13 @@
   <p:cSld>
     <p:spTree>
       <p:nvGrpSpPr>
-        <p:cNvPr id="1" name=""/>
+        <p:cNvPr id="1" name="">
+          <a:extLst>
+            <a:ext uri="{FF2B5EF4-FFF2-40B4-BE49-F238E27FC236}">
+              <a16:creationId xmlns:a16="http://schemas.microsoft.com/office/drawing/2014/main" id="{BDFA8C52-6ACA-5B06-87A3-C5D48A7D07C4}"/>
+            </a:ext>
+          </a:extLst>
+        </p:cNvPr>
         <p:cNvGrpSpPr/>
         <p:nvPr/>
       </p:nvGrpSpPr>
@@ -30531,10 +30558,10 @@
       </p:grpSpPr>
       <p:sp>
         <p:nvSpPr>
-          <p:cNvPr id="2" name="Text Placeholder 1">
+          <p:cNvPr id="2" name="Title 1">
             <a:extLst>
               <a:ext uri="{FF2B5EF4-FFF2-40B4-BE49-F238E27FC236}">
-                <a16:creationId xmlns:a16="http://schemas.microsoft.com/office/drawing/2014/main" id="{4BA8FE80-29D9-3971-06D3-339DEA281484}"/>
+                <a16:creationId xmlns:a16="http://schemas.microsoft.com/office/drawing/2014/main" id="{1F1C788A-47E4-E11D-85E0-731C75960702}"/>
               </a:ext>
             </a:extLst>
           </p:cNvPr>
@@ -30542,7 +30569,7 @@
             <a:spLocks noGrp="1"/>
           </p:cNvSpPr>
           <p:nvPr>
-            <p:ph type="body" sz="quarter" idx="13"/>
+            <p:ph type="title"/>
           </p:nvPr>
         </p:nvSpPr>
         <p:spPr/>
@@ -30552,20 +30579,77 @@
           </a:bodyPr>
           <a:lstStyle/>
           <a:p>
-            <a:pPr marL="0" indent="0">
-              <a:buNone/>
-            </a:pPr>
-            <a:r>
-              <a:rPr lang="en-US" noProof="0" dirty="0"/>
-              <a:t>ready for the test !</a:t>
-            </a:r>
+            <a:r>
+              <a:rPr dirty="0"/>
+              <a:t>118. </a:t>
+            </a:r>
+            <a:r>
+              <a:rPr lang="en-US" dirty="0"/>
+              <a:t>What is Google Cloud’s distributed messaging service that can receive messages from various device streams such as gaming events, Internet of Things (IoT) devices, and application streams?</a:t>
+            </a:r>
+            <a:endParaRPr dirty="0"/>
+          </a:p>
+        </p:txBody>
+      </p:sp>
+      <p:sp>
+        <p:nvSpPr>
+          <p:cNvPr id="3" name="Content Placeholder 2">
+            <a:extLst>
+              <a:ext uri="{FF2B5EF4-FFF2-40B4-BE49-F238E27FC236}">
+                <a16:creationId xmlns:a16="http://schemas.microsoft.com/office/drawing/2014/main" id="{2557C43C-3D41-0309-2433-DE85071154D9}"/>
+              </a:ext>
+            </a:extLst>
+          </p:cNvPr>
+          <p:cNvSpPr>
+            <a:spLocks noGrp="1"/>
+          </p:cNvSpPr>
+          <p:nvPr>
+            <p:ph idx="1"/>
+          </p:nvPr>
+        </p:nvSpPr>
+        <p:spPr>
+          <a:noFill/>
+        </p:spPr>
+        <p:txBody>
+          <a:bodyPr vert="horz" lIns="91440" tIns="45720" rIns="91440" bIns="45720" rtlCol="0">
+            <a:normAutofit/>
+          </a:bodyPr>
+          <a:lstStyle/>
+          <a:p>
+            <a:endParaRPr lang="en-US" sz="1800" dirty="0"/>
+          </a:p>
+          <a:p>
+            <a:r>
+              <a:rPr lang="en-US" sz="1800" dirty="0"/>
+              <a:t>Looker</a:t>
+            </a:r>
+          </a:p>
+          <a:p>
+            <a:r>
+              <a:rPr lang="en-US" sz="1800" b="1" dirty="0"/>
+              <a:t>Pub/Sub</a:t>
+            </a:r>
+          </a:p>
+          <a:p>
+            <a:r>
+              <a:rPr lang="en-US" sz="1800" dirty="0" err="1"/>
+              <a:t>Dataproc</a:t>
+            </a:r>
+            <a:endParaRPr lang="en-US" sz="1800" dirty="0"/>
+          </a:p>
+          <a:p>
+            <a:r>
+              <a:rPr lang="en-US" sz="1800" dirty="0" err="1"/>
+              <a:t>Dataplex</a:t>
+            </a:r>
+            <a:endParaRPr sz="1800" dirty="0"/>
           </a:p>
         </p:txBody>
       </p:sp>
     </p:spTree>
     <p:extLst>
       <p:ext uri="{BB962C8B-B14F-4D97-AF65-F5344CB8AC3E}">
-        <p14:creationId xmlns:p14="http://schemas.microsoft.com/office/powerpoint/2010/main" val="3504481941"/>
+        <p14:creationId xmlns:p14="http://schemas.microsoft.com/office/powerpoint/2010/main" val="3440238247"/>
       </p:ext>
     </p:extLst>
   </p:cSld>
@@ -30659,6 +30743,69 @@
     <p:extLst>
       <p:ext uri="{BB962C8B-B14F-4D97-AF65-F5344CB8AC3E}">
         <p14:creationId xmlns:p14="http://schemas.microsoft.com/office/powerpoint/2010/main" val="2058214205"/>
+      </p:ext>
+    </p:extLst>
+  </p:cSld>
+  <p:clrMapOvr>
+    <a:masterClrMapping/>
+  </p:clrMapOvr>
+</p:sld>
+</file>
+
+<file path=ppt/slides/slide250.xml><?xml version="1.0" encoding="utf-8"?>
+<p:sld xmlns:a="http://schemas.openxmlformats.org/drawingml/2006/main" xmlns:r="http://schemas.openxmlformats.org/officeDocument/2006/relationships" xmlns:p="http://schemas.openxmlformats.org/presentationml/2006/main">
+  <p:cSld>
+    <p:spTree>
+      <p:nvGrpSpPr>
+        <p:cNvPr id="1" name=""/>
+        <p:cNvGrpSpPr/>
+        <p:nvPr/>
+      </p:nvGrpSpPr>
+      <p:grpSpPr>
+        <a:xfrm>
+          <a:off x="0" y="0"/>
+          <a:ext cx="0" cy="0"/>
+          <a:chOff x="0" y="0"/>
+          <a:chExt cx="0" cy="0"/>
+        </a:xfrm>
+      </p:grpSpPr>
+      <p:sp>
+        <p:nvSpPr>
+          <p:cNvPr id="2" name="Text Placeholder 1">
+            <a:extLst>
+              <a:ext uri="{FF2B5EF4-FFF2-40B4-BE49-F238E27FC236}">
+                <a16:creationId xmlns:a16="http://schemas.microsoft.com/office/drawing/2014/main" id="{4BA8FE80-29D9-3971-06D3-339DEA281484}"/>
+              </a:ext>
+            </a:extLst>
+          </p:cNvPr>
+          <p:cNvSpPr>
+            <a:spLocks noGrp="1"/>
+          </p:cNvSpPr>
+          <p:nvPr>
+            <p:ph type="body" sz="quarter" idx="13"/>
+          </p:nvPr>
+        </p:nvSpPr>
+        <p:spPr/>
+        <p:txBody>
+          <a:bodyPr>
+            <a:normAutofit/>
+          </a:bodyPr>
+          <a:lstStyle/>
+          <a:p>
+            <a:pPr marL="0" indent="0">
+              <a:buNone/>
+            </a:pPr>
+            <a:r>
+              <a:rPr lang="en-US" noProof="0" dirty="0"/>
+              <a:t>ready for the test !</a:t>
+            </a:r>
+          </a:p>
+        </p:txBody>
+      </p:sp>
+    </p:spTree>
+    <p:extLst>
+      <p:ext uri="{BB962C8B-B14F-4D97-AF65-F5344CB8AC3E}">
+        <p14:creationId xmlns:p14="http://schemas.microsoft.com/office/powerpoint/2010/main" val="3504481941"/>
       </p:ext>
     </p:extLst>
   </p:cSld>
